--- a/doc/Presentation.pptx
+++ b/doc/Presentation.pptx
@@ -1,29 +1,33 @@
 
 <file path=ppt/presentation.xml><?xml version="1.0" encoding="utf-8"?>
-<p:presentation xmlns:a="http://schemas.openxmlformats.org/drawingml/2006/main" xmlns:r="http://schemas.openxmlformats.org/officeDocument/2006/relationships" xmlns:p="http://schemas.openxmlformats.org/presentationml/2006/main" xmlns:m="http://schemas.openxmlformats.org/officeDocument/2006/math" xmlns:a14="http://schemas.microsoft.com/office/drawing/2010/main">
+<p:presentation xmlns:a="http://schemas.openxmlformats.org/drawingml/2006/main" xmlns:r="http://schemas.openxmlformats.org/officeDocument/2006/relationships" xmlns:p="http://schemas.openxmlformats.org/presentationml/2006/main">
   <p:sldMasterIdLst>
-    <p:sldMasterId id="2147483648" r:id="rId5"/>
+    <p:sldMasterId id="2147483648" r:id="rId1"/>
   </p:sldMasterIdLst>
   <p:notesMasterIdLst>
-    <p:notesMasterId r:id="rId7"/>
+    <p:notesMasterId r:id="rId22"/>
   </p:notesMasterIdLst>
   <p:sldIdLst>
-    <p:sldId id="256" r:id="rId8"/>
-    <p:sldId id="257" r:id="rId9"/>
-    <p:sldId id="258" r:id="rId10"/>
-    <p:sldId id="259" r:id="rId11"/>
-    <p:sldId id="260" r:id="rId12"/>
-    <p:sldId id="261" r:id="rId13"/>
-    <p:sldId id="262" r:id="rId14"/>
-    <p:sldId id="263" r:id="rId15"/>
-    <p:sldId id="264" r:id="rId16"/>
-    <p:sldId id="265" r:id="rId17"/>
-    <p:sldId id="266" r:id="rId18"/>
-    <p:sldId id="267" r:id="rId19"/>
-    <p:sldId id="268" r:id="rId20"/>
-    <p:sldId id="269" r:id="rId21"/>
-    <p:sldId id="270" r:id="rId22"/>
-    <p:sldId id="271" r:id="rId23"/>
+    <p:sldId id="256" r:id="rId2"/>
+    <p:sldId id="257" r:id="rId3"/>
+    <p:sldId id="258" r:id="rId4"/>
+    <p:sldId id="259" r:id="rId5"/>
+    <p:sldId id="260" r:id="rId6"/>
+    <p:sldId id="261" r:id="rId7"/>
+    <p:sldId id="262" r:id="rId8"/>
+    <p:sldId id="263" r:id="rId9"/>
+    <p:sldId id="264" r:id="rId10"/>
+    <p:sldId id="265" r:id="rId11"/>
+    <p:sldId id="266" r:id="rId12"/>
+    <p:sldId id="267" r:id="rId13"/>
+    <p:sldId id="268" r:id="rId14"/>
+    <p:sldId id="269" r:id="rId15"/>
+    <p:sldId id="270" r:id="rId16"/>
+    <p:sldId id="272" r:id="rId17"/>
+    <p:sldId id="273" r:id="rId18"/>
+    <p:sldId id="274" r:id="rId19"/>
+    <p:sldId id="275" r:id="rId20"/>
+    <p:sldId id="271" r:id="rId21"/>
   </p:sldIdLst>
   <p:sldSz cx="12192000" cy="6858000"/>
   <p:notesSz cx="6858000" cy="9144000"/>
@@ -43,7 +47,7 @@
       <a:buFontTx/>
       <a:buNone/>
       <a:tabLst/>
-      <a:defRPr b="0" baseline="0" cap="none" i="0" spc="0" strike="noStrike" sz="1800" u="none" kumimoji="0" normalizeH="0">
+      <a:defRPr kumimoji="0" sz="1800" b="0" i="0" u="none" strike="noStrike" cap="none" spc="0" normalizeH="0" baseline="0">
         <a:ln>
           <a:noFill/>
         </a:ln>
@@ -69,7 +73,7 @@
       <a:buFontTx/>
       <a:buNone/>
       <a:tabLst/>
-      <a:defRPr b="0" baseline="0" cap="none" i="0" spc="0" strike="noStrike" sz="1800" u="none" kumimoji="0" normalizeH="0">
+      <a:defRPr kumimoji="0" sz="1800" b="0" i="0" u="none" strike="noStrike" cap="none" spc="0" normalizeH="0" baseline="0">
         <a:ln>
           <a:noFill/>
         </a:ln>
@@ -99,7 +103,7 @@
       <a:buFontTx/>
       <a:buNone/>
       <a:tabLst/>
-      <a:defRPr b="0" baseline="0" cap="none" i="0" spc="0" strike="noStrike" sz="1800" u="none" kumimoji="0" normalizeH="0">
+      <a:defRPr kumimoji="0" sz="1800" b="0" i="0" u="none" strike="noStrike" cap="none" spc="0" normalizeH="0" baseline="0">
         <a:ln>
           <a:noFill/>
         </a:ln>
@@ -129,7 +133,7 @@
       <a:buFontTx/>
       <a:buNone/>
       <a:tabLst/>
-      <a:defRPr b="0" baseline="0" cap="none" i="0" spc="0" strike="noStrike" sz="1800" u="none" kumimoji="0" normalizeH="0">
+      <a:defRPr kumimoji="0" sz="1800" b="0" i="0" u="none" strike="noStrike" cap="none" spc="0" normalizeH="0" baseline="0">
         <a:ln>
           <a:noFill/>
         </a:ln>
@@ -159,7 +163,7 @@
       <a:buFontTx/>
       <a:buNone/>
       <a:tabLst/>
-      <a:defRPr b="0" baseline="0" cap="none" i="0" spc="0" strike="noStrike" sz="1800" u="none" kumimoji="0" normalizeH="0">
+      <a:defRPr kumimoji="0" sz="1800" b="0" i="0" u="none" strike="noStrike" cap="none" spc="0" normalizeH="0" baseline="0">
         <a:ln>
           <a:noFill/>
         </a:ln>
@@ -189,7 +193,7 @@
       <a:buFontTx/>
       <a:buNone/>
       <a:tabLst/>
-      <a:defRPr b="0" baseline="0" cap="none" i="0" spc="0" strike="noStrike" sz="1800" u="none" kumimoji="0" normalizeH="0">
+      <a:defRPr kumimoji="0" sz="1800" b="0" i="0" u="none" strike="noStrike" cap="none" spc="0" normalizeH="0" baseline="0">
         <a:ln>
           <a:noFill/>
         </a:ln>
@@ -219,7 +223,7 @@
       <a:buFontTx/>
       <a:buNone/>
       <a:tabLst/>
-      <a:defRPr b="0" baseline="0" cap="none" i="0" spc="0" strike="noStrike" sz="1800" u="none" kumimoji="0" normalizeH="0">
+      <a:defRPr kumimoji="0" sz="1800" b="0" i="0" u="none" strike="noStrike" cap="none" spc="0" normalizeH="0" baseline="0">
         <a:ln>
           <a:noFill/>
         </a:ln>
@@ -249,7 +253,7 @@
       <a:buFontTx/>
       <a:buNone/>
       <a:tabLst/>
-      <a:defRPr b="0" baseline="0" cap="none" i="0" spc="0" strike="noStrike" sz="1800" u="none" kumimoji="0" normalizeH="0">
+      <a:defRPr kumimoji="0" sz="1800" b="0" i="0" u="none" strike="noStrike" cap="none" spc="0" normalizeH="0" baseline="0">
         <a:ln>
           <a:noFill/>
         </a:ln>
@@ -279,7 +283,7 @@
       <a:buFontTx/>
       <a:buNone/>
       <a:tabLst/>
-      <a:defRPr b="0" baseline="0" cap="none" i="0" spc="0" strike="noStrike" sz="1800" u="none" kumimoji="0" normalizeH="0">
+      <a:defRPr kumimoji="0" sz="1800" b="0" i="0" u="none" strike="noStrike" cap="none" spc="0" normalizeH="0" baseline="0">
         <a:ln>
           <a:noFill/>
         </a:ln>
@@ -309,7 +313,7 @@
       <a:buFontTx/>
       <a:buNone/>
       <a:tabLst/>
-      <a:defRPr b="0" baseline="0" cap="none" i="0" spc="0" strike="noStrike" sz="1800" u="none" kumimoji="0" normalizeH="0">
+      <a:defRPr kumimoji="0" sz="1800" b="0" i="0" u="none" strike="noStrike" cap="none" spc="0" normalizeH="0" baseline="0">
         <a:ln>
           <a:noFill/>
         </a:ln>
@@ -328,13 +332,14 @@
 </p:presentation>
 </file>
 
-<file path=ppt/commentAuthors.xml><?xml version="1.0" encoding="utf-8"?>
-<p:cmAuthorLst xmlns:a="http://schemas.openxmlformats.org/drawingml/2006/main" xmlns:r="http://schemas.openxmlformats.org/officeDocument/2006/relationships" xmlns:p="http://schemas.openxmlformats.org/presentationml/2006/main" xmlns:m="http://schemas.openxmlformats.org/officeDocument/2006/math" xmlns:a14="http://schemas.microsoft.com/office/drawing/2010/main"/>
-</file>
-
 <file path=ppt/notesMasters/notesMaster1.xml><?xml version="1.0" encoding="utf-8"?>
-<p:notesMaster xmlns:a="http://schemas.openxmlformats.org/drawingml/2006/main" xmlns:r="http://schemas.openxmlformats.org/officeDocument/2006/relationships" xmlns:p="http://schemas.openxmlformats.org/presentationml/2006/main" xmlns:m="http://schemas.openxmlformats.org/officeDocument/2006/math" xmlns:a14="http://schemas.microsoft.com/office/drawing/2010/main">
+<p:notesMaster xmlns:a="http://schemas.openxmlformats.org/drawingml/2006/main" xmlns:r="http://schemas.openxmlformats.org/officeDocument/2006/relationships" xmlns:p="http://schemas.openxmlformats.org/presentationml/2006/main">
   <p:cSld>
+    <p:bg>
+      <p:bgRef idx="1001">
+        <a:schemeClr val="bg1"/>
+      </p:bgRef>
+    </p:bg>
     <p:spTree>
       <p:nvGrpSpPr>
         <p:cNvPr id="1" name=""/>
@@ -352,7 +357,9 @@
       <p:sp>
         <p:nvSpPr>
           <p:cNvPr id="387" name="Shape 387"/>
-          <p:cNvSpPr/>
+          <p:cNvSpPr>
+            <a:spLocks noGrp="1" noRot="1" noChangeAspect="1"/>
+          </p:cNvSpPr>
           <p:nvPr>
             <p:ph type="sldImg"/>
           </p:nvPr>
@@ -370,14 +377,16 @@
           <a:bodyPr/>
           <a:lstStyle/>
           <a:p>
-            <a:pPr/>
+            <a:endParaRPr/>
           </a:p>
         </p:txBody>
       </p:sp>
       <p:sp>
         <p:nvSpPr>
           <p:cNvPr id="388" name="Shape 388"/>
-          <p:cNvSpPr/>
+          <p:cNvSpPr>
+            <a:spLocks noGrp="1"/>
+          </p:cNvSpPr>
           <p:nvPr>
             <p:ph type="body" sz="quarter" idx="1"/>
           </p:nvPr>
@@ -395,7 +404,7 @@
           <a:bodyPr/>
           <a:lstStyle/>
           <a:p>
-            <a:pPr/>
+            <a:endParaRPr/>
           </a:p>
         </p:txBody>
       </p:sp>
@@ -480,7 +489,7 @@
 </file>
 
 <file path=ppt/slideLayouts/slideLayout1.xml><?xml version="1.0" encoding="utf-8"?>
-<p:sldLayout xmlns:a="http://schemas.openxmlformats.org/drawingml/2006/main" xmlns:r="http://schemas.openxmlformats.org/officeDocument/2006/relationships" xmlns:p="http://schemas.openxmlformats.org/presentationml/2006/main" xmlns:m="http://schemas.openxmlformats.org/officeDocument/2006/math" xmlns:a14="http://schemas.microsoft.com/office/drawing/2010/main" type="title" showMasterSp="0" showMasterPhAnim="1">
+<p:sldLayout xmlns:a="http://schemas.openxmlformats.org/drawingml/2006/main" xmlns:r="http://schemas.openxmlformats.org/officeDocument/2006/relationships" xmlns:p="http://schemas.openxmlformats.org/presentationml/2006/main" showMasterSp="0" type="title">
   <p:cSld name="Diapositiva titolo">
     <p:spTree>
       <p:nvGrpSpPr>
@@ -505,10 +514,8 @@
           <p:nvPr/>
         </p:nvPicPr>
         <p:blipFill>
-          <a:blip r:embed="rId2">
-            <a:extLst/>
-          </a:blip>
-          <a:srcRect l="0" t="0" r="70949" b="27959"/>
+          <a:blip r:embed="rId2"/>
+          <a:srcRect r="70949" b="27959"/>
           <a:stretch>
             <a:fillRect/>
           </a:stretch>
@@ -535,10 +542,8 @@
           <p:nvPr/>
         </p:nvPicPr>
         <p:blipFill>
-          <a:blip r:embed="rId3">
-            <a:extLst/>
-          </a:blip>
-          <a:srcRect l="0" t="0" r="80421" b="19611"/>
+          <a:blip r:embed="rId3"/>
+          <a:srcRect r="80421" b="19611"/>
           <a:stretch>
             <a:fillRect/>
           </a:stretch>
@@ -565,10 +570,8 @@
           <p:nvPr/>
         </p:nvPicPr>
         <p:blipFill>
-          <a:blip r:embed="rId4">
-            <a:extLst/>
-          </a:blip>
-          <a:srcRect l="4427" t="0" r="11071" b="0"/>
+          <a:blip r:embed="rId4"/>
+          <a:srcRect l="4427" r="11071"/>
           <a:stretch>
             <a:fillRect/>
           </a:stretch>
@@ -595,10 +598,8 @@
           <p:nvPr/>
         </p:nvPicPr>
         <p:blipFill>
-          <a:blip r:embed="rId5">
-            <a:extLst/>
-          </a:blip>
-          <a:srcRect l="6009" t="41466" r="0" b="0"/>
+          <a:blip r:embed="rId5"/>
+          <a:srcRect l="6009" t="41466"/>
           <a:stretch>
             <a:fillRect/>
           </a:stretch>
@@ -625,10 +626,8 @@
           <p:nvPr/>
         </p:nvPicPr>
         <p:blipFill>
-          <a:blip r:embed="rId4">
-            <a:extLst/>
-          </a:blip>
-          <a:srcRect l="4427" t="0" r="11071" b="0"/>
+          <a:blip r:embed="rId4"/>
+          <a:srcRect l="4427" r="11071"/>
           <a:stretch>
             <a:fillRect/>
           </a:stretch>
@@ -680,6 +679,7 @@
                 </a:solidFill>
               </a:defRPr>
             </a:pPr>
+            <a:endParaRPr/>
           </a:p>
         </p:txBody>
       </p:sp>
@@ -715,6 +715,7 @@
                 </a:solidFill>
               </a:defRPr>
             </a:pPr>
+            <a:endParaRPr/>
           </a:p>
         </p:txBody>
       </p:sp>
@@ -750,6 +751,7 @@
                 </a:solidFill>
               </a:defRPr>
             </a:pPr>
+            <a:endParaRPr/>
           </a:p>
         </p:txBody>
       </p:sp>
@@ -785,13 +787,16 @@
                 </a:solidFill>
               </a:defRPr>
             </a:pPr>
+            <a:endParaRPr/>
           </a:p>
         </p:txBody>
       </p:sp>
       <p:sp>
         <p:nvSpPr>
           <p:cNvPr id="25" name="Titolo Testo"/>
-          <p:cNvSpPr txBox="1"/>
+          <p:cNvSpPr txBox="1">
+            <a:spLocks noGrp="1"/>
+          </p:cNvSpPr>
           <p:nvPr>
             <p:ph type="title"/>
           </p:nvPr>
@@ -813,7 +818,6 @@
             </a:lvl1pPr>
           </a:lstStyle>
           <a:p>
-            <a:pPr/>
             <a:r>
               <a:t>Titolo Testo</a:t>
             </a:r>
@@ -823,7 +827,9 @@
       <p:sp>
         <p:nvSpPr>
           <p:cNvPr id="26" name="Corpo livello uno…"/>
-          <p:cNvSpPr txBox="1"/>
+          <p:cNvSpPr txBox="1">
+            <a:spLocks noGrp="1"/>
+          </p:cNvSpPr>
           <p:nvPr>
             <p:ph type="body" sz="quarter" idx="1"/>
           </p:nvPr>
@@ -872,7 +878,6 @@
             </a:lvl5pPr>
           </a:lstStyle>
           <a:p>
-            <a:pPr/>
             <a:r>
               <a:t>Corpo livello uno</a:t>
             </a:r>
@@ -912,9 +917,7 @@
           <p:nvPr/>
         </p:nvPicPr>
         <p:blipFill>
-          <a:blip r:embed="rId6">
-            <a:extLst/>
-          </a:blip>
+          <a:blip r:embed="rId6"/>
           <a:stretch>
             <a:fillRect/>
           </a:stretch>
@@ -935,7 +938,9 @@
       <p:sp>
         <p:nvSpPr>
           <p:cNvPr id="28" name="Numero diapositiva"/>
-          <p:cNvSpPr txBox="1"/>
+          <p:cNvSpPr txBox="1">
+            <a:spLocks noGrp="1"/>
+          </p:cNvSpPr>
           <p:nvPr>
             <p:ph type="sldNum" sz="quarter" idx="2"/>
           </p:nvPr>
@@ -953,8 +958,10 @@
           <a:bodyPr/>
           <a:lstStyle/>
           <a:p>
-            <a:pPr/>
-            <a:fld id="{86CB4B4D-7CA3-9044-876B-883B54F8677D}" type="slidenum"/>
+            <a:fld id="{86CB4B4D-7CA3-9044-876B-883B54F8677D}" type="slidenum">
+              <a:t>‹N›</a:t>
+            </a:fld>
+            <a:endParaRPr/>
           </a:p>
         </p:txBody>
       </p:sp>
@@ -963,12 +970,12 @@
   <p:clrMapOvr>
     <a:masterClrMapping/>
   </p:clrMapOvr>
-  <p:transition xmlns:p14="http://schemas.microsoft.com/office/powerpoint/2010/main" spd="med" advClick="1"/>
+  <p:transition spd="med"/>
 </p:sldLayout>
 </file>
 
 <file path=ppt/slideLayouts/slideLayout10.xml><?xml version="1.0" encoding="utf-8"?>
-<p:sldLayout xmlns:a="http://schemas.openxmlformats.org/drawingml/2006/main" xmlns:r="http://schemas.openxmlformats.org/officeDocument/2006/relationships" xmlns:p="http://schemas.openxmlformats.org/presentationml/2006/main" xmlns:m="http://schemas.openxmlformats.org/officeDocument/2006/math" xmlns:a14="http://schemas.microsoft.com/office/drawing/2010/main" type="tx" showMasterSp="0" showMasterPhAnim="1">
+<p:sldLayout xmlns:a="http://schemas.openxmlformats.org/drawingml/2006/main" xmlns:r="http://schemas.openxmlformats.org/officeDocument/2006/relationships" xmlns:p="http://schemas.openxmlformats.org/presentationml/2006/main" showMasterSp="0" type="tx">
   <p:cSld name="Titolo e contenuto brevi - SmartArt">
     <p:spTree>
       <p:nvGrpSpPr>
@@ -1019,6 +1026,7 @@
                 </a:solidFill>
               </a:defRPr>
             </a:pPr>
+            <a:endParaRPr/>
           </a:p>
         </p:txBody>
       </p:sp>
@@ -1057,6 +1065,7 @@
                 </a:solidFill>
               </a:defRPr>
             </a:pPr>
+            <a:endParaRPr/>
           </a:p>
         </p:txBody>
       </p:sp>
@@ -1085,7 +1094,7 @@
           <a:bodyPr lIns="45719" rIns="45719"/>
           <a:lstStyle/>
           <a:p>
-            <a:pPr/>
+            <a:endParaRPr/>
           </a:p>
         </p:txBody>
       </p:sp>
@@ -1098,9 +1107,7 @@
           <p:nvPr/>
         </p:nvPicPr>
         <p:blipFill>
-          <a:blip r:embed="rId2">
-            <a:extLst/>
-          </a:blip>
+          <a:blip r:embed="rId2"/>
           <a:stretch>
             <a:fillRect/>
           </a:stretch>
@@ -1143,14 +1150,16 @@
           <a:bodyPr lIns="45719" rIns="45719"/>
           <a:lstStyle/>
           <a:p>
-            <a:pPr/>
+            <a:endParaRPr/>
           </a:p>
         </p:txBody>
       </p:sp>
       <p:sp>
         <p:nvSpPr>
           <p:cNvPr id="215" name="Titolo Testo"/>
-          <p:cNvSpPr txBox="1"/>
+          <p:cNvSpPr txBox="1">
+            <a:spLocks noGrp="1"/>
+          </p:cNvSpPr>
           <p:nvPr>
             <p:ph type="title"/>
           </p:nvPr>
@@ -1164,7 +1173,6 @@
           <a:bodyPr/>
           <a:lstStyle/>
           <a:p>
-            <a:pPr/>
             <a:r>
               <a:t>Titolo Testo</a:t>
             </a:r>
@@ -1174,7 +1182,9 @@
       <p:sp>
         <p:nvSpPr>
           <p:cNvPr id="216" name="Corpo livello uno…"/>
-          <p:cNvSpPr txBox="1"/>
+          <p:cNvSpPr txBox="1">
+            <a:spLocks noGrp="1"/>
+          </p:cNvSpPr>
           <p:nvPr>
             <p:ph type="body" idx="1"/>
           </p:nvPr>
@@ -1192,7 +1202,6 @@
           <a:bodyPr/>
           <a:lstStyle/>
           <a:p>
-            <a:pPr/>
             <a:r>
               <a:t>Corpo livello uno</a:t>
             </a:r>
@@ -1226,7 +1235,9 @@
       <p:sp>
         <p:nvSpPr>
           <p:cNvPr id="217" name="Segnaposto testo 9"/>
-          <p:cNvSpPr/>
+          <p:cNvSpPr>
+            <a:spLocks noGrp="1"/>
+          </p:cNvSpPr>
           <p:nvPr>
             <p:ph type="body" sz="quarter" idx="21" hasCustomPrompt="1"/>
           </p:nvPr>
@@ -1256,7 +1267,6 @@
             </a:lvl1pPr>
           </a:lstStyle>
           <a:p>
-            <a:pPr/>
             <a:r>
               <a:t>X</a:t>
             </a:r>
@@ -1266,7 +1276,9 @@
       <p:sp>
         <p:nvSpPr>
           <p:cNvPr id="218" name="Numero diapositiva"/>
-          <p:cNvSpPr txBox="1"/>
+          <p:cNvSpPr txBox="1">
+            <a:spLocks noGrp="1"/>
+          </p:cNvSpPr>
           <p:nvPr>
             <p:ph type="sldNum" sz="quarter" idx="2"/>
           </p:nvPr>
@@ -1280,8 +1292,10 @@
           <a:bodyPr/>
           <a:lstStyle/>
           <a:p>
-            <a:pPr/>
-            <a:fld id="{86CB4B4D-7CA3-9044-876B-883B54F8677D}" type="slidenum"/>
+            <a:fld id="{86CB4B4D-7CA3-9044-876B-883B54F8677D}" type="slidenum">
+              <a:t>‹N›</a:t>
+            </a:fld>
+            <a:endParaRPr/>
           </a:p>
         </p:txBody>
       </p:sp>
@@ -1290,12 +1304,12 @@
   <p:clrMapOvr>
     <a:masterClrMapping/>
   </p:clrMapOvr>
-  <p:transition xmlns:p14="http://schemas.microsoft.com/office/powerpoint/2010/main" spd="med" advClick="1"/>
+  <p:transition spd="med"/>
 </p:sldLayout>
 </file>
 
 <file path=ppt/slideLayouts/slideLayout11.xml><?xml version="1.0" encoding="utf-8"?>
-<p:sldLayout xmlns:a="http://schemas.openxmlformats.org/drawingml/2006/main" xmlns:r="http://schemas.openxmlformats.org/officeDocument/2006/relationships" xmlns:p="http://schemas.openxmlformats.org/presentationml/2006/main" xmlns:m="http://schemas.openxmlformats.org/officeDocument/2006/math" xmlns:a14="http://schemas.microsoft.com/office/drawing/2010/main" type="tx" showMasterSp="0" showMasterPhAnim="1">
+<p:sldLayout xmlns:a="http://schemas.openxmlformats.org/drawingml/2006/main" xmlns:r="http://schemas.openxmlformats.org/officeDocument/2006/relationships" xmlns:p="http://schemas.openxmlformats.org/presentationml/2006/main" showMasterSp="0" type="tx">
   <p:cSld name="Due contenuti">
     <p:spTree>
       <p:nvGrpSpPr>
@@ -1346,6 +1360,7 @@
                 </a:solidFill>
               </a:defRPr>
             </a:pPr>
+            <a:endParaRPr/>
           </a:p>
         </p:txBody>
       </p:sp>
@@ -1384,6 +1399,7 @@
                 </a:solidFill>
               </a:defRPr>
             </a:pPr>
+            <a:endParaRPr/>
           </a:p>
         </p:txBody>
       </p:sp>
@@ -1412,7 +1428,7 @@
           <a:bodyPr lIns="45719" rIns="45719"/>
           <a:lstStyle/>
           <a:p>
-            <a:pPr/>
+            <a:endParaRPr/>
           </a:p>
         </p:txBody>
       </p:sp>
@@ -1425,9 +1441,7 @@
           <p:nvPr/>
         </p:nvPicPr>
         <p:blipFill>
-          <a:blip r:embed="rId2">
-            <a:extLst/>
-          </a:blip>
+          <a:blip r:embed="rId2"/>
           <a:stretch>
             <a:fillRect/>
           </a:stretch>
@@ -1470,14 +1484,16 @@
           <a:bodyPr lIns="45719" rIns="45719"/>
           <a:lstStyle/>
           <a:p>
-            <a:pPr/>
+            <a:endParaRPr/>
           </a:p>
         </p:txBody>
       </p:sp>
       <p:sp>
         <p:nvSpPr>
           <p:cNvPr id="230" name="Corpo livello uno…"/>
-          <p:cNvSpPr txBox="1"/>
+          <p:cNvSpPr txBox="1">
+            <a:spLocks noGrp="1"/>
+          </p:cNvSpPr>
           <p:nvPr>
             <p:ph type="body" sz="quarter" idx="1" hasCustomPrompt="1"/>
           </p:nvPr>
@@ -1531,41 +1547,34 @@
             </a:lvl5pPr>
           </a:lstStyle>
           <a:p>
-            <a:pPr/>
             <a:r>
               <a:t>X</a:t>
             </a:r>
           </a:p>
           <a:p>
             <a:pPr lvl="1"/>
-            <a:r>
-              <a:t/>
-            </a:r>
+            <a:endParaRPr/>
           </a:p>
           <a:p>
             <a:pPr lvl="2"/>
-            <a:r>
-              <a:t/>
-            </a:r>
+            <a:endParaRPr/>
           </a:p>
           <a:p>
             <a:pPr lvl="3"/>
-            <a:r>
-              <a:t/>
-            </a:r>
+            <a:endParaRPr/>
           </a:p>
           <a:p>
             <a:pPr lvl="4"/>
-            <a:r>
-              <a:t/>
-            </a:r>
+            <a:endParaRPr/>
           </a:p>
         </p:txBody>
       </p:sp>
       <p:sp>
         <p:nvSpPr>
           <p:cNvPr id="231" name="Titolo Testo"/>
-          <p:cNvSpPr txBox="1"/>
+          <p:cNvSpPr txBox="1">
+            <a:spLocks noGrp="1"/>
+          </p:cNvSpPr>
           <p:nvPr>
             <p:ph type="title"/>
           </p:nvPr>
@@ -1579,7 +1588,6 @@
           <a:bodyPr/>
           <a:lstStyle/>
           <a:p>
-            <a:pPr/>
             <a:r>
               <a:t>Titolo Testo</a:t>
             </a:r>
@@ -1589,7 +1597,9 @@
       <p:sp>
         <p:nvSpPr>
           <p:cNvPr id="232" name="Numero diapositiva"/>
-          <p:cNvSpPr txBox="1"/>
+          <p:cNvSpPr txBox="1">
+            <a:spLocks noGrp="1"/>
+          </p:cNvSpPr>
           <p:nvPr>
             <p:ph type="sldNum" sz="quarter" idx="2"/>
           </p:nvPr>
@@ -1603,8 +1613,10 @@
           <a:bodyPr/>
           <a:lstStyle/>
           <a:p>
-            <a:pPr/>
-            <a:fld id="{86CB4B4D-7CA3-9044-876B-883B54F8677D}" type="slidenum"/>
+            <a:fld id="{86CB4B4D-7CA3-9044-876B-883B54F8677D}" type="slidenum">
+              <a:t>‹N›</a:t>
+            </a:fld>
+            <a:endParaRPr/>
           </a:p>
         </p:txBody>
       </p:sp>
@@ -1613,12 +1625,12 @@
   <p:clrMapOvr>
     <a:masterClrMapping/>
   </p:clrMapOvr>
-  <p:transition xmlns:p14="http://schemas.microsoft.com/office/powerpoint/2010/main" spd="med" advClick="1"/>
+  <p:transition spd="med"/>
 </p:sldLayout>
 </file>
 
 <file path=ppt/slideLayouts/slideLayout12.xml><?xml version="1.0" encoding="utf-8"?>
-<p:sldLayout xmlns:a="http://schemas.openxmlformats.org/drawingml/2006/main" xmlns:r="http://schemas.openxmlformats.org/officeDocument/2006/relationships" xmlns:p="http://schemas.openxmlformats.org/presentationml/2006/main" xmlns:m="http://schemas.openxmlformats.org/officeDocument/2006/math" xmlns:a14="http://schemas.microsoft.com/office/drawing/2010/main" type="tx" showMasterSp="1" showMasterPhAnim="1">
+<p:sldLayout xmlns:a="http://schemas.openxmlformats.org/drawingml/2006/main" xmlns:r="http://schemas.openxmlformats.org/officeDocument/2006/relationships" xmlns:p="http://schemas.openxmlformats.org/presentationml/2006/main" type="tx">
   <p:cSld name="Sequenza temporale">
     <p:spTree>
       <p:nvGrpSpPr>
@@ -1637,7 +1649,9 @@
       <p:sp>
         <p:nvSpPr>
           <p:cNvPr id="239" name="Corpo livello uno…"/>
-          <p:cNvSpPr txBox="1"/>
+          <p:cNvSpPr txBox="1">
+            <a:spLocks noGrp="1"/>
+          </p:cNvSpPr>
           <p:nvPr>
             <p:ph type="body" sz="quarter" idx="1" hasCustomPrompt="1"/>
           </p:nvPr>
@@ -1691,41 +1705,34 @@
             </a:lvl5pPr>
           </a:lstStyle>
           <a:p>
-            <a:pPr/>
             <a:r>
               <a:t>Fare clic per modificare lo stile del titolo</a:t>
             </a:r>
           </a:p>
           <a:p>
             <a:pPr lvl="1"/>
-            <a:r>
-              <a:t/>
-            </a:r>
+            <a:endParaRPr/>
           </a:p>
           <a:p>
             <a:pPr lvl="2"/>
-            <a:r>
-              <a:t/>
-            </a:r>
+            <a:endParaRPr/>
           </a:p>
           <a:p>
             <a:pPr lvl="3"/>
-            <a:r>
-              <a:t/>
-            </a:r>
+            <a:endParaRPr/>
           </a:p>
           <a:p>
             <a:pPr lvl="4"/>
-            <a:r>
-              <a:t/>
-            </a:r>
+            <a:endParaRPr/>
           </a:p>
         </p:txBody>
       </p:sp>
       <p:sp>
         <p:nvSpPr>
           <p:cNvPr id="240" name="Segnaposto testo 31"/>
-          <p:cNvSpPr/>
+          <p:cNvSpPr>
+            <a:spLocks noGrp="1"/>
+          </p:cNvSpPr>
           <p:nvPr>
             <p:ph type="body" sz="quarter" idx="21" hasCustomPrompt="1"/>
           </p:nvPr>
@@ -1755,7 +1762,6 @@
             </a:lvl1pPr>
           </a:lstStyle>
           <a:p>
-            <a:pPr/>
             <a:r>
               <a:t>Fare clic per modificare lo stile del titolo</a:t>
             </a:r>
@@ -1765,7 +1771,9 @@
       <p:sp>
         <p:nvSpPr>
           <p:cNvPr id="241" name="Segnaposto testo 31"/>
-          <p:cNvSpPr/>
+          <p:cNvSpPr>
+            <a:spLocks noGrp="1"/>
+          </p:cNvSpPr>
           <p:nvPr>
             <p:ph type="body" sz="quarter" idx="22" hasCustomPrompt="1"/>
           </p:nvPr>
@@ -1795,7 +1803,6 @@
             </a:lvl1pPr>
           </a:lstStyle>
           <a:p>
-            <a:pPr/>
             <a:r>
               <a:t>Fare clic per modificare lo stile del titolo</a:t>
             </a:r>
@@ -1805,7 +1812,9 @@
       <p:sp>
         <p:nvSpPr>
           <p:cNvPr id="242" name="Segnaposto testo 31"/>
-          <p:cNvSpPr/>
+          <p:cNvSpPr>
+            <a:spLocks noGrp="1"/>
+          </p:cNvSpPr>
           <p:nvPr>
             <p:ph type="body" sz="quarter" idx="23" hasCustomPrompt="1"/>
           </p:nvPr>
@@ -1835,7 +1844,6 @@
             </a:lvl1pPr>
           </a:lstStyle>
           <a:p>
-            <a:pPr/>
             <a:r>
               <a:t>Fare clic per modificare lo stile del titolo</a:t>
             </a:r>
@@ -1877,6 +1885,7 @@
                 </a:solidFill>
               </a:defRPr>
             </a:pPr>
+            <a:endParaRPr/>
           </a:p>
         </p:txBody>
       </p:sp>
@@ -1915,13 +1924,16 @@
                 </a:solidFill>
               </a:defRPr>
             </a:pPr>
+            <a:endParaRPr/>
           </a:p>
         </p:txBody>
       </p:sp>
       <p:sp>
         <p:nvSpPr>
           <p:cNvPr id="245" name="Segnaposto testo 2"/>
-          <p:cNvSpPr/>
+          <p:cNvSpPr>
+            <a:spLocks noGrp="1"/>
+          </p:cNvSpPr>
           <p:nvPr>
             <p:ph type="body" sz="quarter" idx="24"/>
           </p:nvPr>
@@ -1945,13 +1957,16 @@
               <a:buNone/>
               <a:defRPr sz="1400"/>
             </a:pPr>
+            <a:endParaRPr/>
           </a:p>
         </p:txBody>
       </p:sp>
       <p:sp>
         <p:nvSpPr>
           <p:cNvPr id="246" name="Segnaposto testo 4"/>
-          <p:cNvSpPr/>
+          <p:cNvSpPr>
+            <a:spLocks noGrp="1"/>
+          </p:cNvSpPr>
           <p:nvPr>
             <p:ph type="body" sz="quarter" idx="25"/>
           </p:nvPr>
@@ -1975,13 +1990,16 @@
               <a:buNone/>
               <a:defRPr sz="1400"/>
             </a:pPr>
+            <a:endParaRPr/>
           </a:p>
         </p:txBody>
       </p:sp>
       <p:sp>
         <p:nvSpPr>
           <p:cNvPr id="247" name="Titolo Testo"/>
-          <p:cNvSpPr txBox="1"/>
+          <p:cNvSpPr txBox="1">
+            <a:spLocks noGrp="1"/>
+          </p:cNvSpPr>
           <p:nvPr>
             <p:ph type="title"/>
           </p:nvPr>
@@ -1995,7 +2013,6 @@
           <a:bodyPr/>
           <a:lstStyle/>
           <a:p>
-            <a:pPr/>
             <a:r>
               <a:t>Titolo Testo</a:t>
             </a:r>
@@ -2005,7 +2022,9 @@
       <p:sp>
         <p:nvSpPr>
           <p:cNvPr id="248" name="Segnaposto testo 14"/>
-          <p:cNvSpPr/>
+          <p:cNvSpPr>
+            <a:spLocks noGrp="1"/>
+          </p:cNvSpPr>
           <p:nvPr>
             <p:ph type="body" sz="quarter" idx="26" hasCustomPrompt="1"/>
           </p:nvPr>
@@ -2037,7 +2056,6 @@
             </a:lvl1pPr>
           </a:lstStyle>
           <a:p>
-            <a:pPr/>
             <a:r>
               <a:t>MMM</a:t>
             </a:r>
@@ -2047,7 +2065,9 @@
       <p:sp>
         <p:nvSpPr>
           <p:cNvPr id="249" name="Segnaposto testo 14"/>
-          <p:cNvSpPr/>
+          <p:cNvSpPr>
+            <a:spLocks noGrp="1"/>
+          </p:cNvSpPr>
           <p:nvPr>
             <p:ph type="body" sz="quarter" idx="27" hasCustomPrompt="1"/>
           </p:nvPr>
@@ -2079,7 +2099,6 @@
             </a:lvl1pPr>
           </a:lstStyle>
           <a:p>
-            <a:pPr/>
             <a:r>
               <a:t>MMM</a:t>
             </a:r>
@@ -2089,7 +2108,9 @@
       <p:sp>
         <p:nvSpPr>
           <p:cNvPr id="250" name="Segnaposto testo 14"/>
-          <p:cNvSpPr/>
+          <p:cNvSpPr>
+            <a:spLocks noGrp="1"/>
+          </p:cNvSpPr>
           <p:nvPr>
             <p:ph type="body" sz="quarter" idx="28" hasCustomPrompt="1"/>
           </p:nvPr>
@@ -2121,7 +2142,6 @@
             </a:lvl1pPr>
           </a:lstStyle>
           <a:p>
-            <a:pPr/>
             <a:r>
               <a:t>MMM</a:t>
             </a:r>
@@ -2131,7 +2151,9 @@
       <p:sp>
         <p:nvSpPr>
           <p:cNvPr id="251" name="Segnaposto testo 14"/>
-          <p:cNvSpPr/>
+          <p:cNvSpPr>
+            <a:spLocks noGrp="1"/>
+          </p:cNvSpPr>
           <p:nvPr>
             <p:ph type="body" sz="quarter" idx="29" hasCustomPrompt="1"/>
           </p:nvPr>
@@ -2163,7 +2185,6 @@
             </a:lvl1pPr>
           </a:lstStyle>
           <a:p>
-            <a:pPr/>
             <a:r>
               <a:t>MMM</a:t>
             </a:r>
@@ -2173,7 +2194,9 @@
       <p:sp>
         <p:nvSpPr>
           <p:cNvPr id="252" name="Segnaposto testo 14"/>
-          <p:cNvSpPr/>
+          <p:cNvSpPr>
+            <a:spLocks noGrp="1"/>
+          </p:cNvSpPr>
           <p:nvPr>
             <p:ph type="body" sz="quarter" idx="30" hasCustomPrompt="1"/>
           </p:nvPr>
@@ -2205,7 +2228,6 @@
             </a:lvl1pPr>
           </a:lstStyle>
           <a:p>
-            <a:pPr/>
             <a:r>
               <a:t>MMM</a:t>
             </a:r>
@@ -2215,7 +2237,9 @@
       <p:sp>
         <p:nvSpPr>
           <p:cNvPr id="253" name="Segnaposto testo 4"/>
-          <p:cNvSpPr/>
+          <p:cNvSpPr>
+            <a:spLocks noGrp="1"/>
+          </p:cNvSpPr>
           <p:nvPr>
             <p:ph type="body" sz="quarter" idx="31"/>
           </p:nvPr>
@@ -2239,13 +2263,16 @@
               <a:buNone/>
               <a:defRPr sz="1400"/>
             </a:pPr>
+            <a:endParaRPr/>
           </a:p>
         </p:txBody>
       </p:sp>
       <p:sp>
         <p:nvSpPr>
           <p:cNvPr id="254" name="Segnaposto testo 4"/>
-          <p:cNvSpPr/>
+          <p:cNvSpPr>
+            <a:spLocks noGrp="1"/>
+          </p:cNvSpPr>
           <p:nvPr>
             <p:ph type="body" sz="quarter" idx="32"/>
           </p:nvPr>
@@ -2269,13 +2296,16 @@
               <a:buNone/>
               <a:defRPr sz="1400"/>
             </a:pPr>
+            <a:endParaRPr/>
           </a:p>
         </p:txBody>
       </p:sp>
       <p:sp>
         <p:nvSpPr>
           <p:cNvPr id="255" name="Segnaposto testo 4"/>
-          <p:cNvSpPr/>
+          <p:cNvSpPr>
+            <a:spLocks noGrp="1"/>
+          </p:cNvSpPr>
           <p:nvPr>
             <p:ph type="body" sz="quarter" idx="33"/>
           </p:nvPr>
@@ -2299,13 +2329,16 @@
               <a:buNone/>
               <a:defRPr sz="1400"/>
             </a:pPr>
+            <a:endParaRPr/>
           </a:p>
         </p:txBody>
       </p:sp>
       <p:sp>
         <p:nvSpPr>
           <p:cNvPr id="256" name="Segnaposto testo 9"/>
-          <p:cNvSpPr/>
+          <p:cNvSpPr>
+            <a:spLocks noGrp="1"/>
+          </p:cNvSpPr>
           <p:nvPr>
             <p:ph type="body" sz="quarter" idx="34" hasCustomPrompt="1"/>
           </p:nvPr>
@@ -2335,7 +2368,6 @@
             </a:lvl1pPr>
           </a:lstStyle>
           <a:p>
-            <a:pPr/>
             <a:r>
               <a:t>X</a:t>
             </a:r>
@@ -2345,7 +2377,9 @@
       <p:sp>
         <p:nvSpPr>
           <p:cNvPr id="257" name="Numero diapositiva"/>
-          <p:cNvSpPr txBox="1"/>
+          <p:cNvSpPr txBox="1">
+            <a:spLocks noGrp="1"/>
+          </p:cNvSpPr>
           <p:nvPr>
             <p:ph type="sldNum" sz="quarter" idx="2"/>
           </p:nvPr>
@@ -2359,8 +2393,10 @@
           <a:bodyPr/>
           <a:lstStyle/>
           <a:p>
-            <a:pPr/>
-            <a:fld id="{86CB4B4D-7CA3-9044-876B-883B54F8677D}" type="slidenum"/>
+            <a:fld id="{86CB4B4D-7CA3-9044-876B-883B54F8677D}" type="slidenum">
+              <a:t>‹N›</a:t>
+            </a:fld>
+            <a:endParaRPr/>
           </a:p>
         </p:txBody>
       </p:sp>
@@ -2369,12 +2405,12 @@
   <p:clrMapOvr>
     <a:masterClrMapping/>
   </p:clrMapOvr>
-  <p:transition xmlns:p14="http://schemas.microsoft.com/office/powerpoint/2010/main" spd="med" advClick="1"/>
+  <p:transition spd="med"/>
 </p:sldLayout>
 </file>
 
 <file path=ppt/slideLayouts/slideLayout13.xml><?xml version="1.0" encoding="utf-8"?>
-<p:sldLayout xmlns:a="http://schemas.openxmlformats.org/drawingml/2006/main" xmlns:r="http://schemas.openxmlformats.org/officeDocument/2006/relationships" xmlns:p="http://schemas.openxmlformats.org/presentationml/2006/main" xmlns:m="http://schemas.openxmlformats.org/officeDocument/2006/math" xmlns:a14="http://schemas.microsoft.com/office/drawing/2010/main" type="tx" showMasterSp="0" showMasterPhAnim="1">
+<p:sldLayout xmlns:a="http://schemas.openxmlformats.org/drawingml/2006/main" xmlns:r="http://schemas.openxmlformats.org/officeDocument/2006/relationships" xmlns:p="http://schemas.openxmlformats.org/presentationml/2006/main" showMasterSp="0" type="tx">
   <p:cSld name="Confronto">
     <p:spTree>
       <p:nvGrpSpPr>
@@ -2425,6 +2461,7 @@
                 </a:solidFill>
               </a:defRPr>
             </a:pPr>
+            <a:endParaRPr/>
           </a:p>
         </p:txBody>
       </p:sp>
@@ -2463,6 +2500,7 @@
                 </a:solidFill>
               </a:defRPr>
             </a:pPr>
+            <a:endParaRPr/>
           </a:p>
         </p:txBody>
       </p:sp>
@@ -2491,7 +2529,7 @@
           <a:bodyPr lIns="45719" rIns="45719"/>
           <a:lstStyle/>
           <a:p>
-            <a:pPr/>
+            <a:endParaRPr/>
           </a:p>
         </p:txBody>
       </p:sp>
@@ -2504,9 +2542,7 @@
           <p:nvPr/>
         </p:nvPicPr>
         <p:blipFill>
-          <a:blip r:embed="rId2">
-            <a:extLst/>
-          </a:blip>
+          <a:blip r:embed="rId2"/>
           <a:stretch>
             <a:fillRect/>
           </a:stretch>
@@ -2549,7 +2585,7 @@
           <a:bodyPr lIns="45719" rIns="45719"/>
           <a:lstStyle/>
           <a:p>
-            <a:pPr/>
+            <a:endParaRPr/>
           </a:p>
         </p:txBody>
       </p:sp>
@@ -2562,16 +2598,14 @@
           <p:nvPr/>
         </p:nvPicPr>
         <p:blipFill>
-          <a:blip r:embed="rId3">
-            <a:extLst/>
-          </a:blip>
-          <a:srcRect l="0" t="0" r="77662" b="48541"/>
+          <a:blip r:embed="rId3"/>
+          <a:srcRect r="77662" b="48541"/>
           <a:stretch>
             <a:fillRect/>
           </a:stretch>
         </p:blipFill>
         <p:spPr>
-          <a:xfrm flipH="1" rot="10800000">
+          <a:xfrm rot="10800000" flipH="1">
             <a:off x="10376193" y="1"/>
             <a:ext cx="1815807" cy="3829511"/>
           </a:xfrm>
@@ -2592,16 +2626,14 @@
           <p:nvPr/>
         </p:nvPicPr>
         <p:blipFill>
-          <a:blip r:embed="rId4">
-            <a:extLst/>
-          </a:blip>
-          <a:srcRect l="0" t="0" r="85638" b="45150"/>
+          <a:blip r:embed="rId4"/>
+          <a:srcRect r="85638" b="45150"/>
           <a:stretch>
             <a:fillRect/>
           </a:stretch>
         </p:blipFill>
         <p:spPr>
-          <a:xfrm flipH="1" rot="10800000">
+          <a:xfrm rot="10800000" flipH="1">
             <a:off x="10887888" y="0"/>
             <a:ext cx="1304113" cy="3289796"/>
           </a:xfrm>
@@ -2648,6 +2680,7 @@
                 </a:solidFill>
               </a:defRPr>
             </a:pPr>
+            <a:endParaRPr/>
           </a:p>
         </p:txBody>
       </p:sp>
@@ -2686,6 +2719,7 @@
                 </a:solidFill>
               </a:defRPr>
             </a:pPr>
+            <a:endParaRPr/>
           </a:p>
         </p:txBody>
       </p:sp>
@@ -2720,7 +2754,7 @@
             </a:cxnLst>
             <a:rect l="0" t="0" r="r" b="b"/>
             <a:pathLst>
-              <a:path w="21600" h="21600" fill="norm" stroke="1" extrusionOk="0">
+              <a:path w="21600" h="21600" extrusionOk="0">
                 <a:moveTo>
                   <a:pt x="46" y="0"/>
                 </a:moveTo>
@@ -2761,6 +2795,7 @@
                 </a:solidFill>
               </a:defRPr>
             </a:pPr>
+            <a:endParaRPr/>
           </a:p>
         </p:txBody>
       </p:sp>
@@ -2796,6 +2831,7 @@
                 </a:solidFill>
               </a:defRPr>
             </a:pPr>
+            <a:endParaRPr/>
           </a:p>
         </p:txBody>
       </p:sp>
@@ -2831,6 +2867,7 @@
                 </a:solidFill>
               </a:defRPr>
             </a:pPr>
+            <a:endParaRPr/>
           </a:p>
         </p:txBody>
       </p:sp>
@@ -2866,13 +2903,16 @@
                 </a:solidFill>
               </a:defRPr>
             </a:pPr>
+            <a:endParaRPr/>
           </a:p>
         </p:txBody>
       </p:sp>
       <p:sp>
         <p:nvSpPr>
           <p:cNvPr id="277" name="Corpo livello uno…"/>
-          <p:cNvSpPr txBox="1"/>
+          <p:cNvSpPr txBox="1">
+            <a:spLocks noGrp="1"/>
+          </p:cNvSpPr>
           <p:nvPr>
             <p:ph type="body" sz="quarter" idx="1"/>
           </p:nvPr>
@@ -2921,7 +2961,6 @@
             </a:lvl5pPr>
           </a:lstStyle>
           <a:p>
-            <a:pPr/>
             <a:r>
               <a:t>Corpo livello uno</a:t>
             </a:r>
@@ -2955,7 +2994,9 @@
       <p:sp>
         <p:nvSpPr>
           <p:cNvPr id="278" name="Segnaposto testo 4"/>
-          <p:cNvSpPr/>
+          <p:cNvSpPr>
+            <a:spLocks noGrp="1"/>
+          </p:cNvSpPr>
           <p:nvPr>
             <p:ph type="body" sz="quarter" idx="21"/>
           </p:nvPr>
@@ -2979,13 +3020,16 @@
               <a:buNone/>
               <a:defRPr sz="1800"/>
             </a:pPr>
+            <a:endParaRPr/>
           </a:p>
         </p:txBody>
       </p:sp>
       <p:sp>
         <p:nvSpPr>
           <p:cNvPr id="279" name="Titolo Testo"/>
-          <p:cNvSpPr txBox="1"/>
+          <p:cNvSpPr txBox="1">
+            <a:spLocks noGrp="1"/>
+          </p:cNvSpPr>
           <p:nvPr>
             <p:ph type="title"/>
           </p:nvPr>
@@ -2999,7 +3043,6 @@
           <a:bodyPr/>
           <a:lstStyle/>
           <a:p>
-            <a:pPr/>
             <a:r>
               <a:t>Titolo Testo</a:t>
             </a:r>
@@ -3009,7 +3052,9 @@
       <p:sp>
         <p:nvSpPr>
           <p:cNvPr id="280" name="Segnaposto testo 9"/>
-          <p:cNvSpPr/>
+          <p:cNvSpPr>
+            <a:spLocks noGrp="1"/>
+          </p:cNvSpPr>
           <p:nvPr>
             <p:ph type="body" sz="quarter" idx="22" hasCustomPrompt="1"/>
           </p:nvPr>
@@ -3039,7 +3084,6 @@
             </a:lvl1pPr>
           </a:lstStyle>
           <a:p>
-            <a:pPr/>
             <a:r>
               <a:t>X</a:t>
             </a:r>
@@ -3049,7 +3093,9 @@
       <p:sp>
         <p:nvSpPr>
           <p:cNvPr id="281" name="Numero diapositiva"/>
-          <p:cNvSpPr txBox="1"/>
+          <p:cNvSpPr txBox="1">
+            <a:spLocks noGrp="1"/>
+          </p:cNvSpPr>
           <p:nvPr>
             <p:ph type="sldNum" sz="quarter" idx="2"/>
           </p:nvPr>
@@ -3063,8 +3109,10 @@
           <a:bodyPr/>
           <a:lstStyle/>
           <a:p>
-            <a:pPr/>
-            <a:fld id="{86CB4B4D-7CA3-9044-876B-883B54F8677D}" type="slidenum"/>
+            <a:fld id="{86CB4B4D-7CA3-9044-876B-883B54F8677D}" type="slidenum">
+              <a:t>‹N›</a:t>
+            </a:fld>
+            <a:endParaRPr/>
           </a:p>
         </p:txBody>
       </p:sp>
@@ -3073,12 +3121,12 @@
   <p:clrMapOvr>
     <a:masterClrMapping/>
   </p:clrMapOvr>
-  <p:transition xmlns:p14="http://schemas.microsoft.com/office/powerpoint/2010/main" spd="med" advClick="1"/>
+  <p:transition spd="med"/>
 </p:sldLayout>
 </file>
 
 <file path=ppt/slideLayouts/slideLayout14.xml><?xml version="1.0" encoding="utf-8"?>
-<p:sldLayout xmlns:a="http://schemas.openxmlformats.org/drawingml/2006/main" xmlns:r="http://schemas.openxmlformats.org/officeDocument/2006/relationships" xmlns:p="http://schemas.openxmlformats.org/presentationml/2006/main" xmlns:m="http://schemas.openxmlformats.org/officeDocument/2006/math" xmlns:a14="http://schemas.microsoft.com/office/drawing/2010/main" type="tx" showMasterSp="0" showMasterPhAnim="1">
+<p:sldLayout xmlns:a="http://schemas.openxmlformats.org/drawingml/2006/main" xmlns:r="http://schemas.openxmlformats.org/officeDocument/2006/relationships" xmlns:p="http://schemas.openxmlformats.org/presentationml/2006/main" showMasterSp="0" type="tx">
   <p:cSld name="1_Confronto">
     <p:spTree>
       <p:nvGrpSpPr>
@@ -3129,6 +3177,7 @@
                 </a:solidFill>
               </a:defRPr>
             </a:pPr>
+            <a:endParaRPr/>
           </a:p>
         </p:txBody>
       </p:sp>
@@ -3167,6 +3216,7 @@
                 </a:solidFill>
               </a:defRPr>
             </a:pPr>
+            <a:endParaRPr/>
           </a:p>
         </p:txBody>
       </p:sp>
@@ -3195,7 +3245,7 @@
           <a:bodyPr lIns="45719" rIns="45719"/>
           <a:lstStyle/>
           <a:p>
-            <a:pPr/>
+            <a:endParaRPr/>
           </a:p>
         </p:txBody>
       </p:sp>
@@ -3208,9 +3258,7 @@
           <p:nvPr/>
         </p:nvPicPr>
         <p:blipFill>
-          <a:blip r:embed="rId2">
-            <a:extLst/>
-          </a:blip>
+          <a:blip r:embed="rId2"/>
           <a:stretch>
             <a:fillRect/>
           </a:stretch>
@@ -3253,7 +3301,7 @@
           <a:bodyPr lIns="45719" rIns="45719"/>
           <a:lstStyle/>
           <a:p>
-            <a:pPr/>
+            <a:endParaRPr/>
           </a:p>
         </p:txBody>
       </p:sp>
@@ -3292,6 +3340,7 @@
                 </a:solidFill>
               </a:defRPr>
             </a:pPr>
+            <a:endParaRPr/>
           </a:p>
         </p:txBody>
       </p:sp>
@@ -3330,13 +3379,16 @@
                 </a:solidFill>
               </a:defRPr>
             </a:pPr>
+            <a:endParaRPr/>
           </a:p>
         </p:txBody>
       </p:sp>
       <p:sp>
         <p:nvSpPr>
           <p:cNvPr id="295" name="Corpo livello uno…"/>
-          <p:cNvSpPr txBox="1"/>
+          <p:cNvSpPr txBox="1">
+            <a:spLocks noGrp="1"/>
+          </p:cNvSpPr>
           <p:nvPr>
             <p:ph type="body" sz="quarter" idx="1"/>
           </p:nvPr>
@@ -3385,7 +3437,6 @@
             </a:lvl5pPr>
           </a:lstStyle>
           <a:p>
-            <a:pPr/>
             <a:r>
               <a:t>Corpo livello uno</a:t>
             </a:r>
@@ -3419,7 +3470,9 @@
       <p:sp>
         <p:nvSpPr>
           <p:cNvPr id="296" name="Segnaposto testo 4"/>
-          <p:cNvSpPr/>
+          <p:cNvSpPr>
+            <a:spLocks noGrp="1"/>
+          </p:cNvSpPr>
           <p:nvPr>
             <p:ph type="body" sz="quarter" idx="21"/>
           </p:nvPr>
@@ -3443,13 +3496,16 @@
               <a:buNone/>
               <a:defRPr sz="1800"/>
             </a:pPr>
+            <a:endParaRPr/>
           </a:p>
         </p:txBody>
       </p:sp>
       <p:sp>
         <p:nvSpPr>
           <p:cNvPr id="297" name="Titolo Testo"/>
-          <p:cNvSpPr txBox="1"/>
+          <p:cNvSpPr txBox="1">
+            <a:spLocks noGrp="1"/>
+          </p:cNvSpPr>
           <p:nvPr>
             <p:ph type="title"/>
           </p:nvPr>
@@ -3463,7 +3519,6 @@
           <a:bodyPr/>
           <a:lstStyle/>
           <a:p>
-            <a:pPr/>
             <a:r>
               <a:t>Titolo Testo</a:t>
             </a:r>
@@ -3473,7 +3528,9 @@
       <p:sp>
         <p:nvSpPr>
           <p:cNvPr id="298" name="Segnaposto testo 9"/>
-          <p:cNvSpPr/>
+          <p:cNvSpPr>
+            <a:spLocks noGrp="1"/>
+          </p:cNvSpPr>
           <p:nvPr>
             <p:ph type="body" sz="quarter" idx="22" hasCustomPrompt="1"/>
           </p:nvPr>
@@ -3503,7 +3560,6 @@
             </a:lvl1pPr>
           </a:lstStyle>
           <a:p>
-            <a:pPr/>
             <a:r>
               <a:t>X</a:t>
             </a:r>
@@ -3519,10 +3575,8 @@
           <p:nvPr/>
         </p:nvPicPr>
         <p:blipFill>
-          <a:blip r:embed="rId3">
-            <a:extLst/>
-          </a:blip>
-          <a:srcRect l="14165" t="86663" r="0" b="0"/>
+          <a:blip r:embed="rId3"/>
+          <a:srcRect l="14165" t="86663"/>
           <a:stretch>
             <a:fillRect/>
           </a:stretch>
@@ -3572,13 +3626,16 @@
                 </a:solidFill>
               </a:defRPr>
             </a:pPr>
+            <a:endParaRPr/>
           </a:p>
         </p:txBody>
       </p:sp>
       <p:sp>
         <p:nvSpPr>
           <p:cNvPr id="301" name="Segnaposto testo 4"/>
-          <p:cNvSpPr/>
+          <p:cNvSpPr>
+            <a:spLocks noGrp="1"/>
+          </p:cNvSpPr>
           <p:nvPr>
             <p:ph type="body" sz="quarter" idx="23"/>
           </p:nvPr>
@@ -3602,13 +3659,16 @@
               <a:buNone/>
               <a:defRPr sz="1800"/>
             </a:pPr>
+            <a:endParaRPr/>
           </a:p>
         </p:txBody>
       </p:sp>
       <p:sp>
         <p:nvSpPr>
           <p:cNvPr id="302" name="Numero diapositiva"/>
-          <p:cNvSpPr txBox="1"/>
+          <p:cNvSpPr txBox="1">
+            <a:spLocks noGrp="1"/>
+          </p:cNvSpPr>
           <p:nvPr>
             <p:ph type="sldNum" sz="quarter" idx="2"/>
           </p:nvPr>
@@ -3622,8 +3682,10 @@
           <a:bodyPr/>
           <a:lstStyle/>
           <a:p>
-            <a:pPr/>
-            <a:fld id="{86CB4B4D-7CA3-9044-876B-883B54F8677D}" type="slidenum"/>
+            <a:fld id="{86CB4B4D-7CA3-9044-876B-883B54F8677D}" type="slidenum">
+              <a:t>‹N›</a:t>
+            </a:fld>
+            <a:endParaRPr/>
           </a:p>
         </p:txBody>
       </p:sp>
@@ -3632,12 +3694,12 @@
   <p:clrMapOvr>
     <a:masterClrMapping/>
   </p:clrMapOvr>
-  <p:transition xmlns:p14="http://schemas.microsoft.com/office/powerpoint/2010/main" spd="med" advClick="1"/>
+  <p:transition spd="med"/>
 </p:sldLayout>
 </file>
 
 <file path=ppt/slideLayouts/slideLayout15.xml><?xml version="1.0" encoding="utf-8"?>
-<p:sldLayout xmlns:a="http://schemas.openxmlformats.org/drawingml/2006/main" xmlns:r="http://schemas.openxmlformats.org/officeDocument/2006/relationships" xmlns:p="http://schemas.openxmlformats.org/presentationml/2006/main" xmlns:m="http://schemas.openxmlformats.org/officeDocument/2006/math" xmlns:a14="http://schemas.microsoft.com/office/drawing/2010/main" type="tx" showMasterSp="1" showMasterPhAnim="1">
+<p:sldLayout xmlns:a="http://schemas.openxmlformats.org/drawingml/2006/main" xmlns:r="http://schemas.openxmlformats.org/officeDocument/2006/relationships" xmlns:p="http://schemas.openxmlformats.org/presentationml/2006/main" type="tx">
   <p:cSld name="2_Titolo e contenuto">
     <p:spTree>
       <p:nvGrpSpPr>
@@ -3684,7 +3746,7 @@
             </a:cxnLst>
             <a:rect l="0" t="0" r="r" b="b"/>
             <a:pathLst>
-              <a:path w="21600" h="21600" fill="norm" stroke="1" extrusionOk="0">
+              <a:path w="21600" h="21600" extrusionOk="0">
                 <a:moveTo>
                   <a:pt x="24" y="21600"/>
                 </a:moveTo>
@@ -3716,14 +3778,16 @@
           <a:bodyPr lIns="45719" rIns="45719" anchor="ctr"/>
           <a:lstStyle/>
           <a:p>
-            <a:pPr/>
+            <a:endParaRPr/>
           </a:p>
         </p:txBody>
       </p:sp>
       <p:sp>
         <p:nvSpPr>
           <p:cNvPr id="310" name="Titolo Testo"/>
-          <p:cNvSpPr txBox="1"/>
+          <p:cNvSpPr txBox="1">
+            <a:spLocks noGrp="1"/>
+          </p:cNvSpPr>
           <p:nvPr>
             <p:ph type="title"/>
           </p:nvPr>
@@ -3737,7 +3801,6 @@
           <a:bodyPr/>
           <a:lstStyle/>
           <a:p>
-            <a:pPr/>
             <a:r>
               <a:t>Titolo Testo</a:t>
             </a:r>
@@ -3747,7 +3810,9 @@
       <p:sp>
         <p:nvSpPr>
           <p:cNvPr id="311" name="Corpo livello uno…"/>
-          <p:cNvSpPr txBox="1"/>
+          <p:cNvSpPr txBox="1">
+            <a:spLocks noGrp="1"/>
+          </p:cNvSpPr>
           <p:nvPr>
             <p:ph type="body" sz="half" idx="1"/>
           </p:nvPr>
@@ -3788,7 +3853,6 @@
             </a:lvl5pPr>
           </a:lstStyle>
           <a:p>
-            <a:pPr/>
             <a:r>
               <a:t>Corpo livello uno</a:t>
             </a:r>
@@ -3822,7 +3886,9 @@
       <p:sp>
         <p:nvSpPr>
           <p:cNvPr id="312" name="Segnaposto testo 9"/>
-          <p:cNvSpPr/>
+          <p:cNvSpPr>
+            <a:spLocks noGrp="1"/>
+          </p:cNvSpPr>
           <p:nvPr>
             <p:ph type="body" sz="quarter" idx="21" hasCustomPrompt="1"/>
           </p:nvPr>
@@ -3852,7 +3918,6 @@
             </a:lvl1pPr>
           </a:lstStyle>
           <a:p>
-            <a:pPr/>
             <a:r>
               <a:t>X</a:t>
             </a:r>
@@ -3890,7 +3955,7 @@
             </a:cxnLst>
             <a:rect l="0" t="0" r="r" b="b"/>
             <a:pathLst>
-              <a:path w="21600" h="21600" fill="norm" stroke="1" extrusionOk="0">
+              <a:path w="21600" h="21600" extrusionOk="0">
                 <a:moveTo>
                   <a:pt x="0" y="21600"/>
                 </a:moveTo>
@@ -3922,7 +3987,7 @@
           <a:bodyPr lIns="45719" rIns="45719" anchor="ctr"/>
           <a:lstStyle/>
           <a:p>
-            <a:pPr/>
+            <a:endParaRPr/>
           </a:p>
         </p:txBody>
       </p:sp>
@@ -3960,6 +4025,7 @@
                 </a:solidFill>
               </a:defRPr>
             </a:pPr>
+            <a:endParaRPr/>
           </a:p>
         </p:txBody>
       </p:sp>
@@ -3972,10 +4038,8 @@
           <p:nvPr/>
         </p:nvPicPr>
         <p:blipFill>
-          <a:blip r:embed="rId2">
-            <a:extLst/>
-          </a:blip>
-          <a:srcRect l="20972" t="0" r="31496" b="0"/>
+          <a:blip r:embed="rId2"/>
+          <a:srcRect l="20972" r="31496"/>
           <a:stretch>
             <a:fillRect/>
           </a:stretch>
@@ -4025,6 +4089,7 @@
                 </a:solidFill>
               </a:defRPr>
             </a:pPr>
+            <a:endParaRPr/>
           </a:p>
         </p:txBody>
       </p:sp>
@@ -4060,13 +4125,16 @@
                 </a:solidFill>
               </a:defRPr>
             </a:pPr>
+            <a:endParaRPr/>
           </a:p>
         </p:txBody>
       </p:sp>
       <p:sp>
         <p:nvSpPr>
           <p:cNvPr id="318" name="Numero diapositiva"/>
-          <p:cNvSpPr txBox="1"/>
+          <p:cNvSpPr txBox="1">
+            <a:spLocks noGrp="1"/>
+          </p:cNvSpPr>
           <p:nvPr>
             <p:ph type="sldNum" sz="quarter" idx="2"/>
           </p:nvPr>
@@ -4080,8 +4148,10 @@
           <a:bodyPr/>
           <a:lstStyle/>
           <a:p>
-            <a:pPr/>
-            <a:fld id="{86CB4B4D-7CA3-9044-876B-883B54F8677D}" type="slidenum"/>
+            <a:fld id="{86CB4B4D-7CA3-9044-876B-883B54F8677D}" type="slidenum">
+              <a:t>‹N›</a:t>
+            </a:fld>
+            <a:endParaRPr/>
           </a:p>
         </p:txBody>
       </p:sp>
@@ -4090,12 +4160,12 @@
   <p:clrMapOvr>
     <a:masterClrMapping/>
   </p:clrMapOvr>
-  <p:transition xmlns:p14="http://schemas.microsoft.com/office/powerpoint/2010/main" spd="med" advClick="1"/>
+  <p:transition spd="med"/>
 </p:sldLayout>
 </file>
 
 <file path=ppt/slideLayouts/slideLayout16.xml><?xml version="1.0" encoding="utf-8"?>
-<p:sldLayout xmlns:a="http://schemas.openxmlformats.org/drawingml/2006/main" xmlns:r="http://schemas.openxmlformats.org/officeDocument/2006/relationships" xmlns:p="http://schemas.openxmlformats.org/presentationml/2006/main" xmlns:m="http://schemas.openxmlformats.org/officeDocument/2006/math" xmlns:a14="http://schemas.microsoft.com/office/drawing/2010/main" type="tx" showMasterSp="0" showMasterPhAnim="1">
+<p:sldLayout xmlns:a="http://schemas.openxmlformats.org/drawingml/2006/main" xmlns:r="http://schemas.openxmlformats.org/officeDocument/2006/relationships" xmlns:p="http://schemas.openxmlformats.org/presentationml/2006/main" showMasterSp="0" type="tx">
   <p:cSld name="Grazie">
     <p:spTree>
       <p:nvGrpSpPr>
@@ -4120,10 +4190,8 @@
           <p:nvPr/>
         </p:nvPicPr>
         <p:blipFill>
-          <a:blip r:embed="rId2">
-            <a:extLst/>
-          </a:blip>
-          <a:srcRect l="0" t="0" r="0" b="85327"/>
+          <a:blip r:embed="rId2"/>
+          <a:srcRect b="85327"/>
           <a:stretch>
             <a:fillRect/>
           </a:stretch>
@@ -4173,6 +4241,7 @@
                 </a:solidFill>
               </a:defRPr>
             </a:pPr>
+            <a:endParaRPr/>
           </a:p>
         </p:txBody>
       </p:sp>
@@ -4210,6 +4279,7 @@
                 </a:solidFill>
               </a:defRPr>
             </a:pPr>
+            <a:endParaRPr/>
           </a:p>
         </p:txBody>
       </p:sp>
@@ -4222,10 +4292,8 @@
           <p:nvPr/>
         </p:nvPicPr>
         <p:blipFill>
-          <a:blip r:embed="rId3">
-            <a:extLst/>
-          </a:blip>
-          <a:srcRect l="44820" t="41526" r="0" b="3152"/>
+          <a:blip r:embed="rId3"/>
+          <a:srcRect l="44820" t="41526" b="3152"/>
           <a:stretch>
             <a:fillRect/>
           </a:stretch>
@@ -4252,16 +4320,14 @@
           <p:nvPr/>
         </p:nvPicPr>
         <p:blipFill>
-          <a:blip r:embed="rId2">
-            <a:extLst/>
-          </a:blip>
-          <a:srcRect l="20633" t="0" r="0" b="65821"/>
+          <a:blip r:embed="rId2"/>
+          <a:srcRect l="20633" b="65821"/>
           <a:stretch>
             <a:fillRect/>
           </a:stretch>
         </p:blipFill>
         <p:spPr>
-          <a:xfrm flipH="1" rot="10800000">
+          <a:xfrm rot="10800000" flipH="1">
             <a:off x="5868" y="0"/>
             <a:ext cx="5332116" cy="2343996"/>
           </a:xfrm>
@@ -4282,10 +4348,8 @@
           <p:nvPr/>
         </p:nvPicPr>
         <p:blipFill>
-          <a:blip r:embed="rId4">
-            <a:extLst/>
-          </a:blip>
-          <a:srcRect l="14165" t="77500" r="0" b="0"/>
+          <a:blip r:embed="rId4"/>
+          <a:srcRect l="14165" t="77500"/>
           <a:stretch>
             <a:fillRect/>
           </a:stretch>
@@ -4335,13 +4399,16 @@
                 </a:solidFill>
               </a:defRPr>
             </a:pPr>
+            <a:endParaRPr/>
           </a:p>
         </p:txBody>
       </p:sp>
       <p:sp>
         <p:nvSpPr>
           <p:cNvPr id="332" name="Titolo Testo"/>
-          <p:cNvSpPr txBox="1"/>
+          <p:cNvSpPr txBox="1">
+            <a:spLocks noGrp="1"/>
+          </p:cNvSpPr>
           <p:nvPr>
             <p:ph type="title"/>
           </p:nvPr>
@@ -4363,7 +4430,6 @@
             </a:lvl1pPr>
           </a:lstStyle>
           <a:p>
-            <a:pPr/>
             <a:r>
               <a:t>Titolo Testo</a:t>
             </a:r>
@@ -4373,7 +4439,9 @@
       <p:sp>
         <p:nvSpPr>
           <p:cNvPr id="333" name="Corpo livello uno…"/>
-          <p:cNvSpPr txBox="1"/>
+          <p:cNvSpPr txBox="1">
+            <a:spLocks noGrp="1"/>
+          </p:cNvSpPr>
           <p:nvPr>
             <p:ph type="body" sz="quarter" idx="1"/>
           </p:nvPr>
@@ -4452,7 +4520,6 @@
             </a:lvl5pPr>
           </a:lstStyle>
           <a:p>
-            <a:pPr/>
             <a:r>
               <a:t>Corpo livello uno</a:t>
             </a:r>
@@ -4486,7 +4553,9 @@
       <p:sp>
         <p:nvSpPr>
           <p:cNvPr id="334" name="Numero diapositiva"/>
-          <p:cNvSpPr txBox="1"/>
+          <p:cNvSpPr txBox="1">
+            <a:spLocks noGrp="1"/>
+          </p:cNvSpPr>
           <p:nvPr>
             <p:ph type="sldNum" sz="quarter" idx="2"/>
           </p:nvPr>
@@ -4504,8 +4573,10 @@
           <a:bodyPr/>
           <a:lstStyle/>
           <a:p>
-            <a:pPr/>
-            <a:fld id="{86CB4B4D-7CA3-9044-876B-883B54F8677D}" type="slidenum"/>
+            <a:fld id="{86CB4B4D-7CA3-9044-876B-883B54F8677D}" type="slidenum">
+              <a:t>‹N›</a:t>
+            </a:fld>
+            <a:endParaRPr/>
           </a:p>
         </p:txBody>
       </p:sp>
@@ -4514,12 +4585,12 @@
   <p:clrMapOvr>
     <a:masterClrMapping/>
   </p:clrMapOvr>
-  <p:transition xmlns:p14="http://schemas.microsoft.com/office/powerpoint/2010/main" spd="med" advClick="1"/>
+  <p:transition spd="med"/>
 </p:sldLayout>
 </file>
 
 <file path=ppt/slideLayouts/slideLayout17.xml><?xml version="1.0" encoding="utf-8"?>
-<p:sldLayout xmlns:a="http://schemas.openxmlformats.org/drawingml/2006/main" xmlns:r="http://schemas.openxmlformats.org/officeDocument/2006/relationships" xmlns:p="http://schemas.openxmlformats.org/presentationml/2006/main" xmlns:m="http://schemas.openxmlformats.org/officeDocument/2006/math" xmlns:a14="http://schemas.microsoft.com/office/drawing/2010/main" type="tx" showMasterSp="1" showMasterPhAnim="1">
+<p:sldLayout xmlns:a="http://schemas.openxmlformats.org/drawingml/2006/main" xmlns:r="http://schemas.openxmlformats.org/officeDocument/2006/relationships" xmlns:p="http://schemas.openxmlformats.org/presentationml/2006/main" type="tx">
   <p:cSld name="Solo titolo">
     <p:spTree>
       <p:nvGrpSpPr>
@@ -4538,7 +4609,9 @@
       <p:sp>
         <p:nvSpPr>
           <p:cNvPr id="341" name="Corpo livello uno…"/>
-          <p:cNvSpPr txBox="1"/>
+          <p:cNvSpPr txBox="1">
+            <a:spLocks noGrp="1"/>
+          </p:cNvSpPr>
           <p:nvPr>
             <p:ph type="body" sz="quarter" idx="1" hasCustomPrompt="1"/>
           </p:nvPr>
@@ -4592,41 +4665,34 @@
             </a:lvl5pPr>
           </a:lstStyle>
           <a:p>
-            <a:pPr/>
             <a:r>
               <a:t>X</a:t>
             </a:r>
           </a:p>
           <a:p>
             <a:pPr lvl="1"/>
-            <a:r>
-              <a:t/>
-            </a:r>
+            <a:endParaRPr/>
           </a:p>
           <a:p>
             <a:pPr lvl="2"/>
-            <a:r>
-              <a:t/>
-            </a:r>
+            <a:endParaRPr/>
           </a:p>
           <a:p>
             <a:pPr lvl="3"/>
-            <a:r>
-              <a:t/>
-            </a:r>
+            <a:endParaRPr/>
           </a:p>
           <a:p>
             <a:pPr lvl="4"/>
-            <a:r>
-              <a:t/>
-            </a:r>
+            <a:endParaRPr/>
           </a:p>
         </p:txBody>
       </p:sp>
       <p:sp>
         <p:nvSpPr>
           <p:cNvPr id="342" name="Titolo Testo"/>
-          <p:cNvSpPr txBox="1"/>
+          <p:cNvSpPr txBox="1">
+            <a:spLocks noGrp="1"/>
+          </p:cNvSpPr>
           <p:nvPr>
             <p:ph type="title"/>
           </p:nvPr>
@@ -4640,7 +4706,6 @@
           <a:bodyPr/>
           <a:lstStyle/>
           <a:p>
-            <a:pPr/>
             <a:r>
               <a:t>Titolo Testo</a:t>
             </a:r>
@@ -4650,7 +4715,9 @@
       <p:sp>
         <p:nvSpPr>
           <p:cNvPr id="343" name="Numero diapositiva"/>
-          <p:cNvSpPr txBox="1"/>
+          <p:cNvSpPr txBox="1">
+            <a:spLocks noGrp="1"/>
+          </p:cNvSpPr>
           <p:nvPr>
             <p:ph type="sldNum" sz="quarter" idx="2"/>
           </p:nvPr>
@@ -4664,8 +4731,10 @@
           <a:bodyPr/>
           <a:lstStyle/>
           <a:p>
-            <a:pPr/>
-            <a:fld id="{86CB4B4D-7CA3-9044-876B-883B54F8677D}" type="slidenum"/>
+            <a:fld id="{86CB4B4D-7CA3-9044-876B-883B54F8677D}" type="slidenum">
+              <a:t>‹N›</a:t>
+            </a:fld>
+            <a:endParaRPr/>
           </a:p>
         </p:txBody>
       </p:sp>
@@ -4674,12 +4743,12 @@
   <p:clrMapOvr>
     <a:masterClrMapping/>
   </p:clrMapOvr>
-  <p:transition xmlns:p14="http://schemas.microsoft.com/office/powerpoint/2010/main" spd="med" advClick="1"/>
+  <p:transition spd="med"/>
 </p:sldLayout>
 </file>
 
 <file path=ppt/slideLayouts/slideLayout18.xml><?xml version="1.0" encoding="utf-8"?>
-<p:sldLayout xmlns:a="http://schemas.openxmlformats.org/drawingml/2006/main" xmlns:r="http://schemas.openxmlformats.org/officeDocument/2006/relationships" xmlns:p="http://schemas.openxmlformats.org/presentationml/2006/main" xmlns:m="http://schemas.openxmlformats.org/officeDocument/2006/math" xmlns:a14="http://schemas.microsoft.com/office/drawing/2010/main" type="tx" showMasterSp="1" showMasterPhAnim="1">
+<p:sldLayout xmlns:a="http://schemas.openxmlformats.org/drawingml/2006/main" xmlns:r="http://schemas.openxmlformats.org/officeDocument/2006/relationships" xmlns:p="http://schemas.openxmlformats.org/presentationml/2006/main" type="tx">
   <p:cSld name="Vuoto">
     <p:spTree>
       <p:nvGrpSpPr>
@@ -4698,7 +4767,9 @@
       <p:sp>
         <p:nvSpPr>
           <p:cNvPr id="350" name="Corpo livello uno…"/>
-          <p:cNvSpPr txBox="1"/>
+          <p:cNvSpPr txBox="1">
+            <a:spLocks noGrp="1"/>
+          </p:cNvSpPr>
           <p:nvPr>
             <p:ph type="body" sz="quarter" idx="1" hasCustomPrompt="1"/>
           </p:nvPr>
@@ -4752,41 +4823,34 @@
             </a:lvl5pPr>
           </a:lstStyle>
           <a:p>
-            <a:pPr/>
             <a:r>
               <a:t>X</a:t>
             </a:r>
           </a:p>
           <a:p>
             <a:pPr lvl="1"/>
-            <a:r>
-              <a:t/>
-            </a:r>
+            <a:endParaRPr/>
           </a:p>
           <a:p>
             <a:pPr lvl="2"/>
-            <a:r>
-              <a:t/>
-            </a:r>
+            <a:endParaRPr/>
           </a:p>
           <a:p>
             <a:pPr lvl="3"/>
-            <a:r>
-              <a:t/>
-            </a:r>
+            <a:endParaRPr/>
           </a:p>
           <a:p>
             <a:pPr lvl="4"/>
-            <a:r>
-              <a:t/>
-            </a:r>
+            <a:endParaRPr/>
           </a:p>
         </p:txBody>
       </p:sp>
       <p:sp>
         <p:nvSpPr>
           <p:cNvPr id="351" name="Numero diapositiva"/>
-          <p:cNvSpPr txBox="1"/>
+          <p:cNvSpPr txBox="1">
+            <a:spLocks noGrp="1"/>
+          </p:cNvSpPr>
           <p:nvPr>
             <p:ph type="sldNum" sz="quarter" idx="2"/>
           </p:nvPr>
@@ -4800,8 +4864,10 @@
           <a:bodyPr/>
           <a:lstStyle/>
           <a:p>
-            <a:pPr/>
-            <a:fld id="{86CB4B4D-7CA3-9044-876B-883B54F8677D}" type="slidenum"/>
+            <a:fld id="{86CB4B4D-7CA3-9044-876B-883B54F8677D}" type="slidenum">
+              <a:t>‹N›</a:t>
+            </a:fld>
+            <a:endParaRPr/>
           </a:p>
         </p:txBody>
       </p:sp>
@@ -4810,12 +4876,12 @@
   <p:clrMapOvr>
     <a:masterClrMapping/>
   </p:clrMapOvr>
-  <p:transition xmlns:p14="http://schemas.microsoft.com/office/powerpoint/2010/main" spd="med" advClick="1"/>
+  <p:transition spd="med"/>
 </p:sldLayout>
 </file>
 
 <file path=ppt/slideLayouts/slideLayout19.xml><?xml version="1.0" encoding="utf-8"?>
-<p:sldLayout xmlns:a="http://schemas.openxmlformats.org/drawingml/2006/main" xmlns:r="http://schemas.openxmlformats.org/officeDocument/2006/relationships" xmlns:p="http://schemas.openxmlformats.org/presentationml/2006/main" xmlns:m="http://schemas.openxmlformats.org/officeDocument/2006/math" xmlns:a14="http://schemas.microsoft.com/office/drawing/2010/main" type="tx" showMasterSp="1" showMasterPhAnim="1">
+<p:sldLayout xmlns:a="http://schemas.openxmlformats.org/drawingml/2006/main" xmlns:r="http://schemas.openxmlformats.org/officeDocument/2006/relationships" xmlns:p="http://schemas.openxmlformats.org/presentationml/2006/main" type="tx">
   <p:cSld name="Contenuto con didascalia">
     <p:spTree>
       <p:nvGrpSpPr>
@@ -4834,7 +4900,9 @@
       <p:sp>
         <p:nvSpPr>
           <p:cNvPr id="358" name="Corpo livello uno…"/>
-          <p:cNvSpPr txBox="1"/>
+          <p:cNvSpPr txBox="1">
+            <a:spLocks noGrp="1"/>
+          </p:cNvSpPr>
           <p:nvPr>
             <p:ph type="body" sz="quarter" idx="1" hasCustomPrompt="1"/>
           </p:nvPr>
@@ -4888,41 +4956,34 @@
             </a:lvl5pPr>
           </a:lstStyle>
           <a:p>
-            <a:pPr/>
             <a:r>
               <a:t>X</a:t>
             </a:r>
           </a:p>
           <a:p>
             <a:pPr lvl="1"/>
-            <a:r>
-              <a:t/>
-            </a:r>
+            <a:endParaRPr/>
           </a:p>
           <a:p>
             <a:pPr lvl="2"/>
-            <a:r>
-              <a:t/>
-            </a:r>
+            <a:endParaRPr/>
           </a:p>
           <a:p>
             <a:pPr lvl="3"/>
-            <a:r>
-              <a:t/>
-            </a:r>
+            <a:endParaRPr/>
           </a:p>
           <a:p>
             <a:pPr lvl="4"/>
-            <a:r>
-              <a:t/>
-            </a:r>
+            <a:endParaRPr/>
           </a:p>
         </p:txBody>
       </p:sp>
       <p:sp>
         <p:nvSpPr>
           <p:cNvPr id="359" name="Segnaposto testo 3"/>
-          <p:cNvSpPr/>
+          <p:cNvSpPr>
+            <a:spLocks noGrp="1"/>
+          </p:cNvSpPr>
           <p:nvPr>
             <p:ph type="body" sz="quarter" idx="21"/>
           </p:nvPr>
@@ -4946,13 +5007,16 @@
               <a:buNone/>
               <a:defRPr sz="1600"/>
             </a:pPr>
+            <a:endParaRPr/>
           </a:p>
         </p:txBody>
       </p:sp>
       <p:sp>
         <p:nvSpPr>
           <p:cNvPr id="360" name="Titolo Testo"/>
-          <p:cNvSpPr txBox="1"/>
+          <p:cNvSpPr txBox="1">
+            <a:spLocks noGrp="1"/>
+          </p:cNvSpPr>
           <p:nvPr>
             <p:ph type="title"/>
           </p:nvPr>
@@ -4966,7 +5030,6 @@
           <a:bodyPr/>
           <a:lstStyle/>
           <a:p>
-            <a:pPr/>
             <a:r>
               <a:t>Titolo Testo</a:t>
             </a:r>
@@ -4976,7 +5039,9 @@
       <p:sp>
         <p:nvSpPr>
           <p:cNvPr id="361" name="Numero diapositiva"/>
-          <p:cNvSpPr txBox="1"/>
+          <p:cNvSpPr txBox="1">
+            <a:spLocks noGrp="1"/>
+          </p:cNvSpPr>
           <p:nvPr>
             <p:ph type="sldNum" sz="quarter" idx="2"/>
           </p:nvPr>
@@ -4990,8 +5055,10 @@
           <a:bodyPr/>
           <a:lstStyle/>
           <a:p>
-            <a:pPr/>
-            <a:fld id="{86CB4B4D-7CA3-9044-876B-883B54F8677D}" type="slidenum"/>
+            <a:fld id="{86CB4B4D-7CA3-9044-876B-883B54F8677D}" type="slidenum">
+              <a:t>‹N›</a:t>
+            </a:fld>
+            <a:endParaRPr/>
           </a:p>
         </p:txBody>
       </p:sp>
@@ -5000,12 +5067,12 @@
   <p:clrMapOvr>
     <a:masterClrMapping/>
   </p:clrMapOvr>
-  <p:transition xmlns:p14="http://schemas.microsoft.com/office/powerpoint/2010/main" spd="med" advClick="1"/>
+  <p:transition spd="med"/>
 </p:sldLayout>
 </file>
 
 <file path=ppt/slideLayouts/slideLayout2.xml><?xml version="1.0" encoding="utf-8"?>
-<p:sldLayout xmlns:a="http://schemas.openxmlformats.org/drawingml/2006/main" xmlns:r="http://schemas.openxmlformats.org/officeDocument/2006/relationships" xmlns:p="http://schemas.openxmlformats.org/presentationml/2006/main" xmlns:m="http://schemas.openxmlformats.org/officeDocument/2006/math" xmlns:a14="http://schemas.microsoft.com/office/drawing/2010/main" type="tx" showMasterSp="0" showMasterPhAnim="1">
+<p:sldLayout xmlns:a="http://schemas.openxmlformats.org/drawingml/2006/main" xmlns:r="http://schemas.openxmlformats.org/officeDocument/2006/relationships" xmlns:p="http://schemas.openxmlformats.org/presentationml/2006/main" showMasterSp="0" type="tx">
   <p:cSld name="Titolo e contenuto">
     <p:spTree>
       <p:nvGrpSpPr>
@@ -5056,6 +5123,7 @@
                 </a:solidFill>
               </a:defRPr>
             </a:pPr>
+            <a:endParaRPr/>
           </a:p>
         </p:txBody>
       </p:sp>
@@ -5094,6 +5162,7 @@
                 </a:solidFill>
               </a:defRPr>
             </a:pPr>
+            <a:endParaRPr/>
           </a:p>
         </p:txBody>
       </p:sp>
@@ -5122,7 +5191,7 @@
           <a:bodyPr lIns="45719" rIns="45719"/>
           <a:lstStyle/>
           <a:p>
-            <a:pPr/>
+            <a:endParaRPr/>
           </a:p>
         </p:txBody>
       </p:sp>
@@ -5135,9 +5204,7 @@
           <p:nvPr/>
         </p:nvPicPr>
         <p:blipFill>
-          <a:blip r:embed="rId2">
-            <a:extLst/>
-          </a:blip>
+          <a:blip r:embed="rId2"/>
           <a:stretch>
             <a:fillRect/>
           </a:stretch>
@@ -5180,7 +5247,7 @@
           <a:bodyPr lIns="45719" rIns="45719"/>
           <a:lstStyle/>
           <a:p>
-            <a:pPr/>
+            <a:endParaRPr/>
           </a:p>
         </p:txBody>
       </p:sp>
@@ -5230,7 +5297,7 @@
             </a:bodyPr>
             <a:lstStyle/>
             <a:p>
-              <a:pPr/>
+              <a:endParaRPr/>
             </a:p>
           </p:txBody>
         </p:sp>
@@ -5243,10 +5310,8 @@
             <p:nvPr/>
           </p:nvPicPr>
           <p:blipFill>
-            <a:blip r:embed="rId3">
-              <a:extLst/>
-            </a:blip>
-            <a:srcRect l="9291" t="0" r="42582" b="30830"/>
+            <a:blip r:embed="rId3"/>
+            <a:srcRect l="9291" r="42582" b="30830"/>
             <a:stretch>
               <a:fillRect/>
             </a:stretch>
@@ -5276,7 +5341,7 @@
               </a:cxnLst>
               <a:rect l="0" t="0" r="r" b="b"/>
               <a:pathLst>
-                <a:path w="21600" h="21600" fill="norm" stroke="1" extrusionOk="0">
+                <a:path w="21600" h="21600" extrusionOk="0">
                   <a:moveTo>
                     <a:pt x="0" y="0"/>
                   </a:moveTo>
@@ -5313,7 +5378,9 @@
       <p:sp>
         <p:nvSpPr>
           <p:cNvPr id="43" name="Titolo Testo"/>
-          <p:cNvSpPr txBox="1"/>
+          <p:cNvSpPr txBox="1">
+            <a:spLocks noGrp="1"/>
+          </p:cNvSpPr>
           <p:nvPr>
             <p:ph type="title"/>
           </p:nvPr>
@@ -5327,7 +5394,6 @@
           <a:bodyPr/>
           <a:lstStyle/>
           <a:p>
-            <a:pPr/>
             <a:r>
               <a:t>Titolo Testo</a:t>
             </a:r>
@@ -5337,7 +5403,9 @@
       <p:sp>
         <p:nvSpPr>
           <p:cNvPr id="44" name="Corpo livello uno…"/>
-          <p:cNvSpPr txBox="1"/>
+          <p:cNvSpPr txBox="1">
+            <a:spLocks noGrp="1"/>
+          </p:cNvSpPr>
           <p:nvPr>
             <p:ph type="body" sz="half" idx="1"/>
           </p:nvPr>
@@ -5378,7 +5446,6 @@
             </a:lvl5pPr>
           </a:lstStyle>
           <a:p>
-            <a:pPr/>
             <a:r>
               <a:t>Corpo livello uno</a:t>
             </a:r>
@@ -5412,7 +5479,9 @@
       <p:sp>
         <p:nvSpPr>
           <p:cNvPr id="45" name="Segnaposto testo 9"/>
-          <p:cNvSpPr/>
+          <p:cNvSpPr>
+            <a:spLocks noGrp="1"/>
+          </p:cNvSpPr>
           <p:nvPr>
             <p:ph type="body" sz="quarter" idx="21" hasCustomPrompt="1"/>
           </p:nvPr>
@@ -5442,7 +5511,6 @@
             </a:lvl1pPr>
           </a:lstStyle>
           <a:p>
-            <a:pPr/>
             <a:r>
               <a:t>X</a:t>
             </a:r>
@@ -5480,7 +5548,7 @@
             </a:cxnLst>
             <a:rect l="0" t="0" r="r" b="b"/>
             <a:pathLst>
-              <a:path w="21600" h="21600" fill="norm" stroke="1" extrusionOk="0">
+              <a:path w="21600" h="21600" extrusionOk="0">
                 <a:moveTo>
                   <a:pt x="10800" y="0"/>
                 </a:moveTo>
@@ -5537,6 +5605,7 @@
                 </a:solidFill>
               </a:defRPr>
             </a:pPr>
+            <a:endParaRPr/>
           </a:p>
         </p:txBody>
       </p:sp>
@@ -5572,13 +5641,16 @@
                 </a:solidFill>
               </a:defRPr>
             </a:pPr>
+            <a:endParaRPr/>
           </a:p>
         </p:txBody>
       </p:sp>
       <p:sp>
         <p:nvSpPr>
           <p:cNvPr id="48" name="Numero diapositiva"/>
-          <p:cNvSpPr txBox="1"/>
+          <p:cNvSpPr txBox="1">
+            <a:spLocks noGrp="1"/>
+          </p:cNvSpPr>
           <p:nvPr>
             <p:ph type="sldNum" sz="quarter" idx="2"/>
           </p:nvPr>
@@ -5592,8 +5664,10 @@
           <a:bodyPr/>
           <a:lstStyle/>
           <a:p>
-            <a:pPr/>
-            <a:fld id="{86CB4B4D-7CA3-9044-876B-883B54F8677D}" type="slidenum"/>
+            <a:fld id="{86CB4B4D-7CA3-9044-876B-883B54F8677D}" type="slidenum">
+              <a:t>‹N›</a:t>
+            </a:fld>
+            <a:endParaRPr/>
           </a:p>
         </p:txBody>
       </p:sp>
@@ -5602,12 +5676,12 @@
   <p:clrMapOvr>
     <a:masterClrMapping/>
   </p:clrMapOvr>
-  <p:transition xmlns:p14="http://schemas.microsoft.com/office/powerpoint/2010/main" spd="med" advClick="1"/>
+  <p:transition spd="med"/>
 </p:sldLayout>
 </file>
 
 <file path=ppt/slideLayouts/slideLayout20.xml><?xml version="1.0" encoding="utf-8"?>
-<p:sldLayout xmlns:a="http://schemas.openxmlformats.org/drawingml/2006/main" xmlns:r="http://schemas.openxmlformats.org/officeDocument/2006/relationships" xmlns:p="http://schemas.openxmlformats.org/presentationml/2006/main" xmlns:m="http://schemas.openxmlformats.org/officeDocument/2006/math" xmlns:a14="http://schemas.microsoft.com/office/drawing/2010/main" type="tx" showMasterSp="1" showMasterPhAnim="1">
+<p:sldLayout xmlns:a="http://schemas.openxmlformats.org/drawingml/2006/main" xmlns:r="http://schemas.openxmlformats.org/officeDocument/2006/relationships" xmlns:p="http://schemas.openxmlformats.org/presentationml/2006/main" type="tx">
   <p:cSld name="Immagine con didascalia">
     <p:spTree>
       <p:nvGrpSpPr>
@@ -5626,7 +5700,9 @@
       <p:sp>
         <p:nvSpPr>
           <p:cNvPr id="368" name="Corpo livello uno…"/>
-          <p:cNvSpPr txBox="1"/>
+          <p:cNvSpPr txBox="1">
+            <a:spLocks noGrp="1"/>
+          </p:cNvSpPr>
           <p:nvPr>
             <p:ph type="body" sz="quarter" idx="1" hasCustomPrompt="1"/>
           </p:nvPr>
@@ -5680,41 +5756,34 @@
             </a:lvl5pPr>
           </a:lstStyle>
           <a:p>
-            <a:pPr/>
             <a:r>
               <a:t>X</a:t>
             </a:r>
           </a:p>
           <a:p>
             <a:pPr lvl="1"/>
-            <a:r>
-              <a:t/>
-            </a:r>
+            <a:endParaRPr/>
           </a:p>
           <a:p>
             <a:pPr lvl="2"/>
-            <a:r>
-              <a:t/>
-            </a:r>
+            <a:endParaRPr/>
           </a:p>
           <a:p>
             <a:pPr lvl="3"/>
-            <a:r>
-              <a:t/>
-            </a:r>
+            <a:endParaRPr/>
           </a:p>
           <a:p>
             <a:pPr lvl="4"/>
-            <a:r>
-              <a:t/>
-            </a:r>
+            <a:endParaRPr/>
           </a:p>
         </p:txBody>
       </p:sp>
       <p:sp>
         <p:nvSpPr>
           <p:cNvPr id="369" name="Segnaposto immagine 2"/>
-          <p:cNvSpPr/>
+          <p:cNvSpPr>
+            <a:spLocks noGrp="1"/>
+          </p:cNvSpPr>
           <p:nvPr>
             <p:ph type="pic" sz="half" idx="21"/>
           </p:nvPr>
@@ -5734,14 +5803,16 @@
           </a:bodyPr>
           <a:lstStyle/>
           <a:p>
-            <a:pPr/>
+            <a:endParaRPr/>
           </a:p>
         </p:txBody>
       </p:sp>
       <p:sp>
         <p:nvSpPr>
           <p:cNvPr id="370" name="Segnaposto testo 3"/>
-          <p:cNvSpPr/>
+          <p:cNvSpPr>
+            <a:spLocks noGrp="1"/>
+          </p:cNvSpPr>
           <p:nvPr>
             <p:ph type="body" sz="quarter" idx="22"/>
           </p:nvPr>
@@ -5765,13 +5836,16 @@
               <a:buNone/>
               <a:defRPr sz="1600"/>
             </a:pPr>
+            <a:endParaRPr/>
           </a:p>
         </p:txBody>
       </p:sp>
       <p:sp>
         <p:nvSpPr>
           <p:cNvPr id="371" name="Titolo Testo"/>
-          <p:cNvSpPr txBox="1"/>
+          <p:cNvSpPr txBox="1">
+            <a:spLocks noGrp="1"/>
+          </p:cNvSpPr>
           <p:nvPr>
             <p:ph type="title"/>
           </p:nvPr>
@@ -5785,7 +5859,6 @@
           <a:bodyPr/>
           <a:lstStyle/>
           <a:p>
-            <a:pPr/>
             <a:r>
               <a:t>Titolo Testo</a:t>
             </a:r>
@@ -5795,7 +5868,9 @@
       <p:sp>
         <p:nvSpPr>
           <p:cNvPr id="372" name="Numero diapositiva"/>
-          <p:cNvSpPr txBox="1"/>
+          <p:cNvSpPr txBox="1">
+            <a:spLocks noGrp="1"/>
+          </p:cNvSpPr>
           <p:nvPr>
             <p:ph type="sldNum" sz="quarter" idx="2"/>
           </p:nvPr>
@@ -5809,8 +5884,10 @@
           <a:bodyPr/>
           <a:lstStyle/>
           <a:p>
-            <a:pPr/>
-            <a:fld id="{86CB4B4D-7CA3-9044-876B-883B54F8677D}" type="slidenum"/>
+            <a:fld id="{86CB4B4D-7CA3-9044-876B-883B54F8677D}" type="slidenum">
+              <a:t>‹N›</a:t>
+            </a:fld>
+            <a:endParaRPr/>
           </a:p>
         </p:txBody>
       </p:sp>
@@ -5819,12 +5896,12 @@
   <p:clrMapOvr>
     <a:masterClrMapping/>
   </p:clrMapOvr>
-  <p:transition xmlns:p14="http://schemas.microsoft.com/office/powerpoint/2010/main" spd="med" advClick="1"/>
+  <p:transition spd="med"/>
 </p:sldLayout>
 </file>
 
 <file path=ppt/slideLayouts/slideLayout21.xml><?xml version="1.0" encoding="utf-8"?>
-<p:sldLayout xmlns:a="http://schemas.openxmlformats.org/drawingml/2006/main" xmlns:r="http://schemas.openxmlformats.org/officeDocument/2006/relationships" xmlns:p="http://schemas.openxmlformats.org/presentationml/2006/main" xmlns:m="http://schemas.openxmlformats.org/officeDocument/2006/math" xmlns:a14="http://schemas.microsoft.com/office/drawing/2010/main" type="tx" showMasterSp="1" showMasterPhAnim="1">
+<p:sldLayout xmlns:a="http://schemas.openxmlformats.org/drawingml/2006/main" xmlns:r="http://schemas.openxmlformats.org/officeDocument/2006/relationships" xmlns:p="http://schemas.openxmlformats.org/presentationml/2006/main" type="tx">
   <p:cSld name="3_Titolo e contenuto">
     <p:spTree>
       <p:nvGrpSpPr>
@@ -5843,7 +5920,9 @@
       <p:sp>
         <p:nvSpPr>
           <p:cNvPr id="379" name="Titolo Testo"/>
-          <p:cNvSpPr txBox="1"/>
+          <p:cNvSpPr txBox="1">
+            <a:spLocks noGrp="1"/>
+          </p:cNvSpPr>
           <p:nvPr>
             <p:ph type="title"/>
           </p:nvPr>
@@ -5857,7 +5936,6 @@
           <a:bodyPr/>
           <a:lstStyle/>
           <a:p>
-            <a:pPr/>
             <a:r>
               <a:t>Titolo Testo</a:t>
             </a:r>
@@ -5867,7 +5945,9 @@
       <p:sp>
         <p:nvSpPr>
           <p:cNvPr id="380" name="Corpo livello uno…"/>
-          <p:cNvSpPr txBox="1"/>
+          <p:cNvSpPr txBox="1">
+            <a:spLocks noGrp="1"/>
+          </p:cNvSpPr>
           <p:nvPr>
             <p:ph type="body" idx="1"/>
           </p:nvPr>
@@ -5881,7 +5961,6 @@
           <a:bodyPr/>
           <a:lstStyle/>
           <a:p>
-            <a:pPr/>
             <a:r>
               <a:t>Corpo livello uno</a:t>
             </a:r>
@@ -5915,7 +5994,9 @@
       <p:sp>
         <p:nvSpPr>
           <p:cNvPr id="381" name="Numero diapositiva"/>
-          <p:cNvSpPr txBox="1"/>
+          <p:cNvSpPr txBox="1">
+            <a:spLocks noGrp="1"/>
+          </p:cNvSpPr>
           <p:nvPr>
             <p:ph type="sldNum" sz="quarter" idx="2"/>
           </p:nvPr>
@@ -5929,8 +6010,10 @@
           <a:bodyPr/>
           <a:lstStyle/>
           <a:p>
-            <a:pPr/>
-            <a:fld id="{86CB4B4D-7CA3-9044-876B-883B54F8677D}" type="slidenum"/>
+            <a:fld id="{86CB4B4D-7CA3-9044-876B-883B54F8677D}" type="slidenum">
+              <a:t>‹N›</a:t>
+            </a:fld>
+            <a:endParaRPr/>
           </a:p>
         </p:txBody>
       </p:sp>
@@ -5939,12 +6022,12 @@
   <p:clrMapOvr>
     <a:masterClrMapping/>
   </p:clrMapOvr>
-  <p:transition xmlns:p14="http://schemas.microsoft.com/office/powerpoint/2010/main" spd="med" advClick="1"/>
+  <p:transition spd="med"/>
 </p:sldLayout>
 </file>
 
 <file path=ppt/slideLayouts/slideLayout3.xml><?xml version="1.0" encoding="utf-8"?>
-<p:sldLayout xmlns:a="http://schemas.openxmlformats.org/drawingml/2006/main" xmlns:r="http://schemas.openxmlformats.org/officeDocument/2006/relationships" xmlns:p="http://schemas.openxmlformats.org/presentationml/2006/main" xmlns:m="http://schemas.openxmlformats.org/officeDocument/2006/math" xmlns:a14="http://schemas.microsoft.com/office/drawing/2010/main" type="tx" showMasterSp="0" showMasterPhAnim="1">
+<p:sldLayout xmlns:a="http://schemas.openxmlformats.org/drawingml/2006/main" xmlns:r="http://schemas.openxmlformats.org/officeDocument/2006/relationships" xmlns:p="http://schemas.openxmlformats.org/presentationml/2006/main" showMasterSp="0" type="tx">
   <p:cSld name="1_Titolo e contenuto">
     <p:spTree>
       <p:nvGrpSpPr>
@@ -5963,7 +6046,9 @@
       <p:sp>
         <p:nvSpPr>
           <p:cNvPr id="55" name="Titolo Testo"/>
-          <p:cNvSpPr txBox="1"/>
+          <p:cNvSpPr txBox="1">
+            <a:spLocks noGrp="1"/>
+          </p:cNvSpPr>
           <p:nvPr>
             <p:ph type="title"/>
           </p:nvPr>
@@ -5985,7 +6070,6 @@
             </a:lvl1pPr>
           </a:lstStyle>
           <a:p>
-            <a:pPr/>
             <a:r>
               <a:t>Titolo Testo</a:t>
             </a:r>
@@ -5995,7 +6079,9 @@
       <p:sp>
         <p:nvSpPr>
           <p:cNvPr id="56" name="Corpo livello uno…"/>
-          <p:cNvSpPr txBox="1"/>
+          <p:cNvSpPr txBox="1">
+            <a:spLocks noGrp="1"/>
+          </p:cNvSpPr>
           <p:nvPr>
             <p:ph type="body" sz="quarter" idx="1"/>
           </p:nvPr>
@@ -6059,7 +6145,6 @@
             </a:lvl5pPr>
           </a:lstStyle>
           <a:p>
-            <a:pPr/>
             <a:r>
               <a:t>Corpo livello uno</a:t>
             </a:r>
@@ -6093,7 +6178,9 @@
       <p:sp>
         <p:nvSpPr>
           <p:cNvPr id="57" name="Segnaposto testo 13"/>
-          <p:cNvSpPr/>
+          <p:cNvSpPr>
+            <a:spLocks noGrp="1"/>
+          </p:cNvSpPr>
           <p:nvPr>
             <p:ph type="body" sz="quarter" idx="21" hasCustomPrompt="1"/>
           </p:nvPr>
@@ -6131,7 +6218,6 @@
             </a:lvl1pPr>
           </a:lstStyle>
           <a:p>
-            <a:pPr/>
             <a:r>
               <a:t>00</a:t>
             </a:r>
@@ -6141,7 +6227,9 @@
       <p:sp>
         <p:nvSpPr>
           <p:cNvPr id="58" name="Segnaposto testo 7"/>
-          <p:cNvSpPr/>
+          <p:cNvSpPr>
+            <a:spLocks noGrp="1"/>
+          </p:cNvSpPr>
           <p:nvPr>
             <p:ph type="body" sz="quarter" idx="22"/>
           </p:nvPr>
@@ -6172,13 +6260,16 @@
                 </a:solidFill>
               </a:defRPr>
             </a:pPr>
+            <a:endParaRPr/>
           </a:p>
         </p:txBody>
       </p:sp>
       <p:sp>
         <p:nvSpPr>
           <p:cNvPr id="59" name="Segnaposto testo 13"/>
-          <p:cNvSpPr/>
+          <p:cNvSpPr>
+            <a:spLocks noGrp="1"/>
+          </p:cNvSpPr>
           <p:nvPr>
             <p:ph type="body" sz="quarter" idx="23" hasCustomPrompt="1"/>
           </p:nvPr>
@@ -6216,7 +6307,6 @@
             </a:lvl1pPr>
           </a:lstStyle>
           <a:p>
-            <a:pPr/>
             <a:r>
               <a:t>00</a:t>
             </a:r>
@@ -6226,7 +6316,9 @@
       <p:sp>
         <p:nvSpPr>
           <p:cNvPr id="60" name="Segnaposto testo 7"/>
-          <p:cNvSpPr/>
+          <p:cNvSpPr>
+            <a:spLocks noGrp="1"/>
+          </p:cNvSpPr>
           <p:nvPr>
             <p:ph type="body" sz="quarter" idx="24"/>
           </p:nvPr>
@@ -6257,13 +6349,16 @@
                 </a:solidFill>
               </a:defRPr>
             </a:pPr>
+            <a:endParaRPr/>
           </a:p>
         </p:txBody>
       </p:sp>
       <p:sp>
         <p:nvSpPr>
           <p:cNvPr id="61" name="Segnaposto testo 13"/>
-          <p:cNvSpPr/>
+          <p:cNvSpPr>
+            <a:spLocks noGrp="1"/>
+          </p:cNvSpPr>
           <p:nvPr>
             <p:ph type="body" sz="quarter" idx="25" hasCustomPrompt="1"/>
           </p:nvPr>
@@ -6301,7 +6396,6 @@
             </a:lvl1pPr>
           </a:lstStyle>
           <a:p>
-            <a:pPr/>
             <a:r>
               <a:t>00</a:t>
             </a:r>
@@ -6311,7 +6405,9 @@
       <p:sp>
         <p:nvSpPr>
           <p:cNvPr id="62" name="Segnaposto testo 7"/>
-          <p:cNvSpPr/>
+          <p:cNvSpPr>
+            <a:spLocks noGrp="1"/>
+          </p:cNvSpPr>
           <p:nvPr>
             <p:ph type="body" sz="quarter" idx="26"/>
           </p:nvPr>
@@ -6342,13 +6438,16 @@
                 </a:solidFill>
               </a:defRPr>
             </a:pPr>
+            <a:endParaRPr/>
           </a:p>
         </p:txBody>
       </p:sp>
       <p:sp>
         <p:nvSpPr>
           <p:cNvPr id="63" name="Segnaposto testo 13"/>
-          <p:cNvSpPr/>
+          <p:cNvSpPr>
+            <a:spLocks noGrp="1"/>
+          </p:cNvSpPr>
           <p:nvPr>
             <p:ph type="body" sz="quarter" idx="27" hasCustomPrompt="1"/>
           </p:nvPr>
@@ -6386,7 +6485,6 @@
             </a:lvl1pPr>
           </a:lstStyle>
           <a:p>
-            <a:pPr/>
             <a:r>
               <a:t>00</a:t>
             </a:r>
@@ -6396,7 +6494,9 @@
       <p:sp>
         <p:nvSpPr>
           <p:cNvPr id="64" name="Segnaposto testo 7"/>
-          <p:cNvSpPr/>
+          <p:cNvSpPr>
+            <a:spLocks noGrp="1"/>
+          </p:cNvSpPr>
           <p:nvPr>
             <p:ph type="body" sz="quarter" idx="28"/>
           </p:nvPr>
@@ -6427,13 +6527,16 @@
                 </a:solidFill>
               </a:defRPr>
             </a:pPr>
+            <a:endParaRPr/>
           </a:p>
         </p:txBody>
       </p:sp>
       <p:sp>
         <p:nvSpPr>
           <p:cNvPr id="65" name="Segnaposto testo 13"/>
-          <p:cNvSpPr/>
+          <p:cNvSpPr>
+            <a:spLocks noGrp="1"/>
+          </p:cNvSpPr>
           <p:nvPr>
             <p:ph type="body" sz="quarter" idx="29" hasCustomPrompt="1"/>
           </p:nvPr>
@@ -6471,7 +6574,6 @@
             </a:lvl1pPr>
           </a:lstStyle>
           <a:p>
-            <a:pPr/>
             <a:r>
               <a:t>00</a:t>
             </a:r>
@@ -6481,7 +6583,9 @@
       <p:sp>
         <p:nvSpPr>
           <p:cNvPr id="66" name="Numero diapositiva"/>
-          <p:cNvSpPr txBox="1"/>
+          <p:cNvSpPr txBox="1">
+            <a:spLocks noGrp="1"/>
+          </p:cNvSpPr>
           <p:nvPr>
             <p:ph type="sldNum" sz="quarter" idx="2"/>
           </p:nvPr>
@@ -6499,8 +6603,10 @@
           <a:bodyPr/>
           <a:lstStyle/>
           <a:p>
-            <a:pPr/>
-            <a:fld id="{86CB4B4D-7CA3-9044-876B-883B54F8677D}" type="slidenum"/>
+            <a:fld id="{86CB4B4D-7CA3-9044-876B-883B54F8677D}" type="slidenum">
+              <a:t>‹N›</a:t>
+            </a:fld>
+            <a:endParaRPr/>
           </a:p>
         </p:txBody>
       </p:sp>
@@ -6509,12 +6615,12 @@
   <p:clrMapOvr>
     <a:masterClrMapping/>
   </p:clrMapOvr>
-  <p:transition xmlns:p14="http://schemas.microsoft.com/office/powerpoint/2010/main" spd="med" advClick="1"/>
+  <p:transition spd="med"/>
 </p:sldLayout>
 </file>
 
 <file path=ppt/slideLayouts/slideLayout4.xml><?xml version="1.0" encoding="utf-8"?>
-<p:sldLayout xmlns:a="http://schemas.openxmlformats.org/drawingml/2006/main" xmlns:r="http://schemas.openxmlformats.org/officeDocument/2006/relationships" xmlns:p="http://schemas.openxmlformats.org/presentationml/2006/main" xmlns:m="http://schemas.openxmlformats.org/officeDocument/2006/math" xmlns:a14="http://schemas.microsoft.com/office/drawing/2010/main" type="tx" showMasterSp="0" showMasterPhAnim="1">
+<p:sldLayout xmlns:a="http://schemas.openxmlformats.org/drawingml/2006/main" xmlns:r="http://schemas.openxmlformats.org/officeDocument/2006/relationships" xmlns:p="http://schemas.openxmlformats.org/presentationml/2006/main" showMasterSp="0" type="tx">
   <p:cSld name="Intestazione sezione">
     <p:spTree>
       <p:nvGrpSpPr>
@@ -6539,10 +6645,8 @@
           <p:nvPr/>
         </p:nvPicPr>
         <p:blipFill>
-          <a:blip r:embed="rId2">
-            <a:extLst/>
-          </a:blip>
-          <a:srcRect l="29507" t="0" r="12032" b="1"/>
+          <a:blip r:embed="rId2"/>
+          <a:srcRect l="29507" r="12032" b="1"/>
           <a:stretch>
             <a:fillRect/>
           </a:stretch>
@@ -6572,7 +6676,7 @@
             </a:cxnLst>
             <a:rect l="0" t="0" r="r" b="b"/>
             <a:pathLst>
-              <a:path w="21600" h="21600" fill="norm" stroke="1" extrusionOk="0">
+              <a:path w="21600" h="21600" extrusionOk="0">
                 <a:moveTo>
                   <a:pt x="0" y="0"/>
                 </a:moveTo>
@@ -6637,6 +6741,7 @@
                 </a:solidFill>
               </a:defRPr>
             </a:pPr>
+            <a:endParaRPr/>
           </a:p>
         </p:txBody>
       </p:sp>
@@ -6649,10 +6754,8 @@
           <p:nvPr/>
         </p:nvPicPr>
         <p:blipFill>
-          <a:blip r:embed="rId3">
-            <a:extLst/>
-          </a:blip>
-          <a:srcRect l="0" t="0" r="0" b="72707"/>
+          <a:blip r:embed="rId3"/>
+          <a:srcRect b="72707"/>
           <a:stretch>
             <a:fillRect/>
           </a:stretch>
@@ -6702,6 +6805,7 @@
                 </a:solidFill>
               </a:defRPr>
             </a:pPr>
+            <a:endParaRPr/>
           </a:p>
         </p:txBody>
       </p:sp>
@@ -6737,6 +6841,7 @@
                 </a:solidFill>
               </a:defRPr>
             </a:pPr>
+            <a:endParaRPr/>
           </a:p>
         </p:txBody>
       </p:sp>
@@ -6749,10 +6854,8 @@
           <p:nvPr/>
         </p:nvPicPr>
         <p:blipFill>
-          <a:blip r:embed="rId4">
-            <a:extLst/>
-          </a:blip>
-          <a:srcRect l="14165" t="77500" r="0" b="0"/>
+          <a:blip r:embed="rId4"/>
+          <a:srcRect l="14165" t="77500"/>
           <a:stretch>
             <a:fillRect/>
           </a:stretch>
@@ -6773,7 +6876,9 @@
       <p:sp>
         <p:nvSpPr>
           <p:cNvPr id="79" name="Titolo Testo"/>
-          <p:cNvSpPr txBox="1"/>
+          <p:cNvSpPr txBox="1">
+            <a:spLocks noGrp="1"/>
+          </p:cNvSpPr>
           <p:nvPr>
             <p:ph type="title"/>
           </p:nvPr>
@@ -6795,7 +6900,6 @@
             </a:lvl1pPr>
           </a:lstStyle>
           <a:p>
-            <a:pPr/>
             <a:r>
               <a:t>Titolo Testo</a:t>
             </a:r>
@@ -6805,7 +6909,9 @@
       <p:sp>
         <p:nvSpPr>
           <p:cNvPr id="80" name="Corpo livello uno…"/>
-          <p:cNvSpPr txBox="1"/>
+          <p:cNvSpPr txBox="1">
+            <a:spLocks noGrp="1"/>
+          </p:cNvSpPr>
           <p:nvPr>
             <p:ph type="body" sz="quarter" idx="1"/>
           </p:nvPr>
@@ -6854,7 +6960,6 @@
             </a:lvl5pPr>
           </a:lstStyle>
           <a:p>
-            <a:pPr/>
             <a:r>
               <a:t>Corpo livello uno</a:t>
             </a:r>
@@ -6888,7 +6993,9 @@
       <p:sp>
         <p:nvSpPr>
           <p:cNvPr id="81" name="Numero diapositiva"/>
-          <p:cNvSpPr txBox="1"/>
+          <p:cNvSpPr txBox="1">
+            <a:spLocks noGrp="1"/>
+          </p:cNvSpPr>
           <p:nvPr>
             <p:ph type="sldNum" sz="quarter" idx="2"/>
           </p:nvPr>
@@ -6906,8 +7013,10 @@
           <a:bodyPr/>
           <a:lstStyle/>
           <a:p>
-            <a:pPr/>
-            <a:fld id="{86CB4B4D-7CA3-9044-876B-883B54F8677D}" type="slidenum"/>
+            <a:fld id="{86CB4B4D-7CA3-9044-876B-883B54F8677D}" type="slidenum">
+              <a:t>‹N›</a:t>
+            </a:fld>
+            <a:endParaRPr/>
           </a:p>
         </p:txBody>
       </p:sp>
@@ -6916,12 +7025,12 @@
   <p:clrMapOvr>
     <a:masterClrMapping/>
   </p:clrMapOvr>
-  <p:transition xmlns:p14="http://schemas.microsoft.com/office/powerpoint/2010/main" spd="med" advClick="1"/>
+  <p:transition spd="med"/>
 </p:sldLayout>
 </file>
 
 <file path=ppt/slideLayouts/slideLayout5.xml><?xml version="1.0" encoding="utf-8"?>
-<p:sldLayout xmlns:a="http://schemas.openxmlformats.org/drawingml/2006/main" xmlns:r="http://schemas.openxmlformats.org/officeDocument/2006/relationships" xmlns:p="http://schemas.openxmlformats.org/presentationml/2006/main" xmlns:m="http://schemas.openxmlformats.org/officeDocument/2006/math" xmlns:a14="http://schemas.microsoft.com/office/drawing/2010/main" type="tx" showMasterSp="1" showMasterPhAnim="1">
+<p:sldLayout xmlns:a="http://schemas.openxmlformats.org/drawingml/2006/main" xmlns:r="http://schemas.openxmlformats.org/officeDocument/2006/relationships" xmlns:p="http://schemas.openxmlformats.org/presentationml/2006/main" type="tx">
   <p:cSld name="Titolo e contenuto - Grafico">
     <p:spTree>
       <p:nvGrpSpPr>
@@ -6940,7 +7049,9 @@
       <p:sp>
         <p:nvSpPr>
           <p:cNvPr id="88" name="Titolo Testo"/>
-          <p:cNvSpPr txBox="1"/>
+          <p:cNvSpPr txBox="1">
+            <a:spLocks noGrp="1"/>
+          </p:cNvSpPr>
           <p:nvPr>
             <p:ph type="title"/>
           </p:nvPr>
@@ -6958,7 +7069,6 @@
           <a:bodyPr/>
           <a:lstStyle/>
           <a:p>
-            <a:pPr/>
             <a:r>
               <a:t>Titolo Testo</a:t>
             </a:r>
@@ -6968,7 +7078,9 @@
       <p:sp>
         <p:nvSpPr>
           <p:cNvPr id="89" name="Corpo livello uno…"/>
-          <p:cNvSpPr txBox="1"/>
+          <p:cNvSpPr txBox="1">
+            <a:spLocks noGrp="1"/>
+          </p:cNvSpPr>
           <p:nvPr>
             <p:ph type="body" idx="1"/>
           </p:nvPr>
@@ -6986,7 +7098,6 @@
           <a:bodyPr/>
           <a:lstStyle/>
           <a:p>
-            <a:pPr/>
             <a:r>
               <a:t>Corpo livello uno</a:t>
             </a:r>
@@ -7020,7 +7131,9 @@
       <p:sp>
         <p:nvSpPr>
           <p:cNvPr id="90" name="Segnaposto testo 9"/>
-          <p:cNvSpPr/>
+          <p:cNvSpPr>
+            <a:spLocks noGrp="1"/>
+          </p:cNvSpPr>
           <p:nvPr>
             <p:ph type="body" sz="quarter" idx="21" hasCustomPrompt="1"/>
           </p:nvPr>
@@ -7050,7 +7163,6 @@
             </a:lvl1pPr>
           </a:lstStyle>
           <a:p>
-            <a:pPr/>
             <a:r>
               <a:t>X</a:t>
             </a:r>
@@ -7060,7 +7172,9 @@
       <p:sp>
         <p:nvSpPr>
           <p:cNvPr id="91" name="Numero diapositiva"/>
-          <p:cNvSpPr txBox="1"/>
+          <p:cNvSpPr txBox="1">
+            <a:spLocks noGrp="1"/>
+          </p:cNvSpPr>
           <p:nvPr>
             <p:ph type="sldNum" sz="quarter" idx="2"/>
           </p:nvPr>
@@ -7074,8 +7188,10 @@
           <a:bodyPr/>
           <a:lstStyle/>
           <a:p>
-            <a:pPr/>
-            <a:fld id="{86CB4B4D-7CA3-9044-876B-883B54F8677D}" type="slidenum"/>
+            <a:fld id="{86CB4B4D-7CA3-9044-876B-883B54F8677D}" type="slidenum">
+              <a:t>‹N›</a:t>
+            </a:fld>
+            <a:endParaRPr/>
           </a:p>
         </p:txBody>
       </p:sp>
@@ -7084,12 +7200,12 @@
   <p:clrMapOvr>
     <a:masterClrMapping/>
   </p:clrMapOvr>
-  <p:transition xmlns:p14="http://schemas.microsoft.com/office/powerpoint/2010/main" spd="med" advClick="1"/>
+  <p:transition spd="med"/>
 </p:sldLayout>
 </file>
 
 <file path=ppt/slideLayouts/slideLayout6.xml><?xml version="1.0" encoding="utf-8"?>
-<p:sldLayout xmlns:a="http://schemas.openxmlformats.org/drawingml/2006/main" xmlns:r="http://schemas.openxmlformats.org/officeDocument/2006/relationships" xmlns:p="http://schemas.openxmlformats.org/presentationml/2006/main" xmlns:m="http://schemas.openxmlformats.org/officeDocument/2006/math" xmlns:a14="http://schemas.microsoft.com/office/drawing/2010/main" type="tx" showMasterSp="1" showMasterPhAnim="1">
+<p:sldLayout xmlns:a="http://schemas.openxmlformats.org/drawingml/2006/main" xmlns:r="http://schemas.openxmlformats.org/officeDocument/2006/relationships" xmlns:p="http://schemas.openxmlformats.org/presentationml/2006/main" type="tx">
   <p:cSld name="Titolo e contenuto - Tabella">
     <p:spTree>
       <p:nvGrpSpPr>
@@ -7114,10 +7230,8 @@
           <p:nvPr/>
         </p:nvPicPr>
         <p:blipFill>
-          <a:blip r:embed="rId2">
-            <a:extLst/>
-          </a:blip>
-          <a:srcRect l="0" t="26427" r="82873" b="0"/>
+          <a:blip r:embed="rId2"/>
+          <a:srcRect t="26427" r="82873"/>
           <a:stretch>
             <a:fillRect/>
           </a:stretch>
@@ -7170,6 +7284,7 @@
                 </a:solidFill>
               </a:defRPr>
             </a:pPr>
+            <a:endParaRPr/>
           </a:p>
         </p:txBody>
       </p:sp>
@@ -7205,13 +7320,16 @@
                 </a:solidFill>
               </a:defRPr>
             </a:pPr>
+            <a:endParaRPr/>
           </a:p>
         </p:txBody>
       </p:sp>
       <p:sp>
         <p:nvSpPr>
           <p:cNvPr id="101" name="Titolo Testo"/>
-          <p:cNvSpPr txBox="1"/>
+          <p:cNvSpPr txBox="1">
+            <a:spLocks noGrp="1"/>
+          </p:cNvSpPr>
           <p:nvPr>
             <p:ph type="title"/>
           </p:nvPr>
@@ -7229,7 +7347,6 @@
           <a:bodyPr/>
           <a:lstStyle/>
           <a:p>
-            <a:pPr/>
             <a:r>
               <a:t>Titolo Testo</a:t>
             </a:r>
@@ -7239,7 +7356,9 @@
       <p:sp>
         <p:nvSpPr>
           <p:cNvPr id="102" name="Corpo livello uno…"/>
-          <p:cNvSpPr txBox="1"/>
+          <p:cNvSpPr txBox="1">
+            <a:spLocks noGrp="1"/>
+          </p:cNvSpPr>
           <p:nvPr>
             <p:ph type="body" sz="half" idx="1"/>
           </p:nvPr>
@@ -7257,7 +7376,6 @@
           <a:bodyPr/>
           <a:lstStyle/>
           <a:p>
-            <a:pPr/>
             <a:r>
               <a:t>Corpo livello uno</a:t>
             </a:r>
@@ -7291,7 +7409,9 @@
       <p:sp>
         <p:nvSpPr>
           <p:cNvPr id="103" name="Segnaposto testo 9"/>
-          <p:cNvSpPr/>
+          <p:cNvSpPr>
+            <a:spLocks noGrp="1"/>
+          </p:cNvSpPr>
           <p:nvPr>
             <p:ph type="body" sz="quarter" idx="21" hasCustomPrompt="1"/>
           </p:nvPr>
@@ -7321,7 +7441,6 @@
             </a:lvl1pPr>
           </a:lstStyle>
           <a:p>
-            <a:pPr/>
             <a:r>
               <a:t>X</a:t>
             </a:r>
@@ -7363,13 +7482,16 @@
                 </a:solidFill>
               </a:defRPr>
             </a:pPr>
+            <a:endParaRPr/>
           </a:p>
         </p:txBody>
       </p:sp>
       <p:sp>
         <p:nvSpPr>
           <p:cNvPr id="105" name="Numero diapositiva"/>
-          <p:cNvSpPr txBox="1"/>
+          <p:cNvSpPr txBox="1">
+            <a:spLocks noGrp="1"/>
+          </p:cNvSpPr>
           <p:nvPr>
             <p:ph type="sldNum" sz="quarter" idx="2"/>
           </p:nvPr>
@@ -7383,8 +7505,10 @@
           <a:bodyPr/>
           <a:lstStyle/>
           <a:p>
-            <a:pPr/>
-            <a:fld id="{86CB4B4D-7CA3-9044-876B-883B54F8677D}" type="slidenum"/>
+            <a:fld id="{86CB4B4D-7CA3-9044-876B-883B54F8677D}" type="slidenum">
+              <a:t>‹N›</a:t>
+            </a:fld>
+            <a:endParaRPr/>
           </a:p>
         </p:txBody>
       </p:sp>
@@ -7393,12 +7517,12 @@
   <p:clrMapOvr>
     <a:masterClrMapping/>
   </p:clrMapOvr>
-  <p:transition xmlns:p14="http://schemas.microsoft.com/office/powerpoint/2010/main" spd="med" advClick="1"/>
+  <p:transition spd="med"/>
 </p:sldLayout>
 </file>
 
 <file path=ppt/slideLayouts/slideLayout7.xml><?xml version="1.0" encoding="utf-8"?>
-<p:sldLayout xmlns:a="http://schemas.openxmlformats.org/drawingml/2006/main" xmlns:r="http://schemas.openxmlformats.org/officeDocument/2006/relationships" xmlns:p="http://schemas.openxmlformats.org/presentationml/2006/main" xmlns:m="http://schemas.openxmlformats.org/officeDocument/2006/math" xmlns:a14="http://schemas.microsoft.com/office/drawing/2010/main" type="tx" showMasterSp="0" showMasterPhAnim="1">
+<p:sldLayout xmlns:a="http://schemas.openxmlformats.org/drawingml/2006/main" xmlns:r="http://schemas.openxmlformats.org/officeDocument/2006/relationships" xmlns:p="http://schemas.openxmlformats.org/presentationml/2006/main" showMasterSp="0" type="tx">
   <p:cSld name="Diapositiva citazione">
     <p:spTree>
       <p:nvGrpSpPr>
@@ -7423,10 +7547,8 @@
           <p:nvPr/>
         </p:nvPicPr>
         <p:blipFill>
-          <a:blip r:embed="rId2">
-            <a:extLst/>
-          </a:blip>
-          <a:srcRect l="10145" t="0" r="45423" b="28674"/>
+          <a:blip r:embed="rId2"/>
+          <a:srcRect l="10145" r="45423" b="28674"/>
           <a:stretch>
             <a:fillRect/>
           </a:stretch>
@@ -7456,7 +7578,7 @@
             </a:cxnLst>
             <a:rect l="0" t="0" r="r" b="b"/>
             <a:pathLst>
-              <a:path w="21600" h="21600" fill="norm" stroke="1" extrusionOk="0">
+              <a:path w="21600" h="21600" extrusionOk="0">
                 <a:moveTo>
                   <a:pt x="0" y="0"/>
                 </a:moveTo>
@@ -7487,7 +7609,9 @@
       <p:sp>
         <p:nvSpPr>
           <p:cNvPr id="113" name="Titolo Testo"/>
-          <p:cNvSpPr txBox="1"/>
+          <p:cNvSpPr txBox="1">
+            <a:spLocks noGrp="1"/>
+          </p:cNvSpPr>
           <p:nvPr>
             <p:ph type="title"/>
           </p:nvPr>
@@ -7509,7 +7633,6 @@
             </a:lvl1pPr>
           </a:lstStyle>
           <a:p>
-            <a:pPr/>
             <a:r>
               <a:t>Titolo Testo</a:t>
             </a:r>
@@ -7543,7 +7666,7 @@
           <a:bodyPr lIns="45719" rIns="45719"/>
           <a:lstStyle/>
           <a:p>
-            <a:pPr/>
+            <a:endParaRPr/>
           </a:p>
         </p:txBody>
       </p:sp>
@@ -7574,7 +7697,7 @@
           <a:bodyPr lIns="45719" rIns="45719"/>
           <a:lstStyle/>
           <a:p>
-            <a:pPr/>
+            <a:endParaRPr/>
           </a:p>
         </p:txBody>
       </p:sp>
@@ -7609,7 +7732,7 @@
             </a:cxnLst>
             <a:rect l="0" t="0" r="r" b="b"/>
             <a:pathLst>
-              <a:path w="21600" h="21600" fill="norm" stroke="1" extrusionOk="0">
+              <a:path w="21600" h="21600" extrusionOk="0">
                 <a:moveTo>
                   <a:pt x="10800" y="0"/>
                 </a:moveTo>
@@ -7666,6 +7789,7 @@
                 </a:solidFill>
               </a:defRPr>
             </a:pPr>
+            <a:endParaRPr/>
           </a:p>
         </p:txBody>
       </p:sp>
@@ -7701,13 +7825,16 @@
                 </a:solidFill>
               </a:defRPr>
             </a:pPr>
+            <a:endParaRPr/>
           </a:p>
         </p:txBody>
       </p:sp>
       <p:sp>
         <p:nvSpPr>
           <p:cNvPr id="118" name="Corpo livello uno…"/>
-          <p:cNvSpPr txBox="1"/>
+          <p:cNvSpPr txBox="1">
+            <a:spLocks noGrp="1"/>
+          </p:cNvSpPr>
           <p:nvPr>
             <p:ph type="body" sz="quarter" idx="1"/>
           </p:nvPr>
@@ -7756,7 +7883,6 @@
             </a:lvl5pPr>
           </a:lstStyle>
           <a:p>
-            <a:pPr/>
             <a:r>
               <a:t>Corpo livello uno</a:t>
             </a:r>
@@ -7819,13 +7945,16 @@
                 </a:solidFill>
               </a:defRPr>
             </a:pPr>
+            <a:endParaRPr/>
           </a:p>
         </p:txBody>
       </p:sp>
       <p:sp>
         <p:nvSpPr>
           <p:cNvPr id="120" name="Numero diapositiva"/>
-          <p:cNvSpPr txBox="1"/>
+          <p:cNvSpPr txBox="1">
+            <a:spLocks noGrp="1"/>
+          </p:cNvSpPr>
           <p:nvPr>
             <p:ph type="sldNum" sz="quarter" idx="2"/>
           </p:nvPr>
@@ -7843,8 +7972,10 @@
           <a:bodyPr/>
           <a:lstStyle/>
           <a:p>
-            <a:pPr/>
-            <a:fld id="{86CB4B4D-7CA3-9044-876B-883B54F8677D}" type="slidenum"/>
+            <a:fld id="{86CB4B4D-7CA3-9044-876B-883B54F8677D}" type="slidenum">
+              <a:t>‹N›</a:t>
+            </a:fld>
+            <a:endParaRPr/>
           </a:p>
         </p:txBody>
       </p:sp>
@@ -7853,12 +7984,12 @@
   <p:clrMapOvr>
     <a:masterClrMapping/>
   </p:clrMapOvr>
-  <p:transition xmlns:p14="http://schemas.microsoft.com/office/powerpoint/2010/main" spd="med" advClick="1"/>
+  <p:transition spd="med"/>
 </p:sldLayout>
 </file>
 
 <file path=ppt/slideLayouts/slideLayout8.xml><?xml version="1.0" encoding="utf-8"?>
-<p:sldLayout xmlns:a="http://schemas.openxmlformats.org/drawingml/2006/main" xmlns:r="http://schemas.openxmlformats.org/officeDocument/2006/relationships" xmlns:p="http://schemas.openxmlformats.org/presentationml/2006/main" xmlns:m="http://schemas.openxmlformats.org/officeDocument/2006/math" xmlns:a14="http://schemas.microsoft.com/office/drawing/2010/main" type="tx" showMasterSp="0" showMasterPhAnim="1">
+<p:sldLayout xmlns:a="http://schemas.openxmlformats.org/drawingml/2006/main" xmlns:r="http://schemas.openxmlformats.org/officeDocument/2006/relationships" xmlns:p="http://schemas.openxmlformats.org/presentationml/2006/main" showMasterSp="0" type="tx">
   <p:cSld name="Team - x4">
     <p:spTree>
       <p:nvGrpSpPr>
@@ -7883,16 +8014,14 @@
           <p:nvPr/>
         </p:nvPicPr>
         <p:blipFill>
-          <a:blip r:embed="rId2">
-            <a:extLst/>
-          </a:blip>
-          <a:srcRect l="0" t="0" r="38116" b="0"/>
+          <a:blip r:embed="rId2"/>
+          <a:srcRect r="38116"/>
           <a:stretch>
             <a:fillRect/>
           </a:stretch>
         </p:blipFill>
         <p:spPr>
-          <a:xfrm flipH="1" rot="5400000">
+          <a:xfrm rot="5400000" flipH="1">
             <a:off x="9476084" y="1778850"/>
             <a:ext cx="4393984" cy="773352"/>
           </a:xfrm>
@@ -7939,13 +8068,16 @@
                 </a:solidFill>
               </a:defRPr>
             </a:pPr>
+            <a:endParaRPr/>
           </a:p>
         </p:txBody>
       </p:sp>
       <p:sp>
         <p:nvSpPr>
           <p:cNvPr id="129" name="Titolo Testo"/>
-          <p:cNvSpPr txBox="1"/>
+          <p:cNvSpPr txBox="1">
+            <a:spLocks noGrp="1"/>
+          </p:cNvSpPr>
           <p:nvPr>
             <p:ph type="title"/>
           </p:nvPr>
@@ -7959,7 +8091,6 @@
           <a:bodyPr/>
           <a:lstStyle/>
           <a:p>
-            <a:pPr/>
             <a:r>
               <a:t>Titolo Testo</a:t>
             </a:r>
@@ -8001,6 +8132,7 @@
                 </a:solidFill>
               </a:defRPr>
             </a:pPr>
+            <a:endParaRPr/>
           </a:p>
         </p:txBody>
       </p:sp>
@@ -8029,7 +8161,7 @@
           <a:bodyPr lIns="45719" rIns="45719"/>
           <a:lstStyle/>
           <a:p>
-            <a:pPr/>
+            <a:endParaRPr/>
           </a:p>
         </p:txBody>
       </p:sp>
@@ -8042,9 +8174,7 @@
           <p:nvPr/>
         </p:nvPicPr>
         <p:blipFill>
-          <a:blip r:embed="rId3">
-            <a:extLst/>
-          </a:blip>
+          <a:blip r:embed="rId3"/>
           <a:stretch>
             <a:fillRect/>
           </a:stretch>
@@ -8087,7 +8217,7 @@
           <a:bodyPr lIns="45719" rIns="45719"/>
           <a:lstStyle/>
           <a:p>
-            <a:pPr/>
+            <a:endParaRPr/>
           </a:p>
         </p:txBody>
       </p:sp>
@@ -8100,10 +8230,8 @@
           <p:nvPr/>
         </p:nvPicPr>
         <p:blipFill>
-          <a:blip r:embed="rId4">
-            <a:extLst/>
-          </a:blip>
-          <a:srcRect l="0" t="0" r="50956" b="0"/>
+          <a:blip r:embed="rId4"/>
+          <a:srcRect r="50956"/>
           <a:stretch>
             <a:fillRect/>
           </a:stretch>
@@ -8130,10 +8258,8 @@
           <p:nvPr/>
         </p:nvPicPr>
         <p:blipFill>
-          <a:blip r:embed="rId5">
-            <a:extLst/>
-          </a:blip>
-          <a:srcRect l="55255" t="0" r="0" b="0"/>
+          <a:blip r:embed="rId5"/>
+          <a:srcRect l="55255"/>
           <a:stretch>
             <a:fillRect/>
           </a:stretch>
@@ -8183,6 +8309,7 @@
                 </a:solidFill>
               </a:defRPr>
             </a:pPr>
+            <a:endParaRPr/>
           </a:p>
         </p:txBody>
       </p:sp>
@@ -8218,6 +8345,7 @@
                 </a:solidFill>
               </a:defRPr>
             </a:pPr>
+            <a:endParaRPr/>
           </a:p>
         </p:txBody>
       </p:sp>
@@ -8253,6 +8381,7 @@
                 </a:solidFill>
               </a:defRPr>
             </a:pPr>
+            <a:endParaRPr/>
           </a:p>
         </p:txBody>
       </p:sp>
@@ -8288,6 +8417,7 @@
                 </a:solidFill>
               </a:defRPr>
             </a:pPr>
+            <a:endParaRPr/>
           </a:p>
         </p:txBody>
       </p:sp>
@@ -8322,7 +8452,7 @@
             </a:cxnLst>
             <a:rect l="0" t="0" r="r" b="b"/>
             <a:pathLst>
-              <a:path w="21600" h="21600" fill="norm" stroke="1" extrusionOk="0">
+              <a:path w="21600" h="21600" extrusionOk="0">
                 <a:moveTo>
                   <a:pt x="21600" y="21600"/>
                 </a:moveTo>
@@ -8357,6 +8487,7 @@
                 </a:solidFill>
               </a:defRPr>
             </a:pPr>
+            <a:endParaRPr/>
           </a:p>
         </p:txBody>
       </p:sp>
@@ -8384,7 +8515,7 @@
           <a:bodyPr lIns="45719" rIns="45719"/>
           <a:lstStyle/>
           <a:p>
-            <a:pPr/>
+            <a:endParaRPr/>
           </a:p>
         </p:txBody>
       </p:sp>
@@ -8419,7 +8550,7 @@
             </a:cxnLst>
             <a:rect l="0" t="0" r="r" b="b"/>
             <a:pathLst>
-              <a:path w="21600" h="21600" fill="norm" stroke="1" extrusionOk="0">
+              <a:path w="21600" h="21600" extrusionOk="0">
                 <a:moveTo>
                   <a:pt x="21600" y="21600"/>
                 </a:moveTo>
@@ -8454,6 +8585,7 @@
                 </a:solidFill>
               </a:defRPr>
             </a:pPr>
+            <a:endParaRPr/>
           </a:p>
         </p:txBody>
       </p:sp>
@@ -8466,10 +8598,8 @@
           <p:nvPr/>
         </p:nvPicPr>
         <p:blipFill>
-          <a:blip r:embed="rId6">
-            <a:extLst/>
-          </a:blip>
-          <a:srcRect l="59986" t="0" r="0" b="0"/>
+          <a:blip r:embed="rId6"/>
+          <a:srcRect l="59986"/>
           <a:stretch>
             <a:fillRect/>
           </a:stretch>
@@ -8490,7 +8620,9 @@
       <p:sp>
         <p:nvSpPr>
           <p:cNvPr id="144" name="Corpo livello uno…"/>
-          <p:cNvSpPr txBox="1"/>
+          <p:cNvSpPr txBox="1">
+            <a:spLocks noGrp="1"/>
+          </p:cNvSpPr>
           <p:nvPr>
             <p:ph type="body" sz="quarter" idx="1" hasCustomPrompt="1"/>
           </p:nvPr>
@@ -8544,41 +8676,34 @@
             </a:lvl5pPr>
           </a:lstStyle>
           <a:p>
-            <a:pPr/>
             <a:r>
               <a:t>X</a:t>
             </a:r>
           </a:p>
           <a:p>
             <a:pPr lvl="1"/>
-            <a:r>
-              <a:t/>
-            </a:r>
+            <a:endParaRPr/>
           </a:p>
           <a:p>
             <a:pPr lvl="2"/>
-            <a:r>
-              <a:t/>
-            </a:r>
+            <a:endParaRPr/>
           </a:p>
           <a:p>
             <a:pPr lvl="3"/>
-            <a:r>
-              <a:t/>
-            </a:r>
+            <a:endParaRPr/>
           </a:p>
           <a:p>
             <a:pPr lvl="4"/>
-            <a:r>
-              <a:t/>
-            </a:r>
+            <a:endParaRPr/>
           </a:p>
         </p:txBody>
       </p:sp>
       <p:sp>
         <p:nvSpPr>
           <p:cNvPr id="145" name="Segnaposto immagine 42"/>
-          <p:cNvSpPr/>
+          <p:cNvSpPr>
+            <a:spLocks noGrp="1"/>
+          </p:cNvSpPr>
           <p:nvPr>
             <p:ph type="pic" sz="quarter" idx="21"/>
           </p:nvPr>
@@ -8598,14 +8723,16 @@
           </a:bodyPr>
           <a:lstStyle/>
           <a:p>
-            <a:pPr/>
+            <a:endParaRPr/>
           </a:p>
         </p:txBody>
       </p:sp>
       <p:sp>
         <p:nvSpPr>
           <p:cNvPr id="146" name="Segnaposto immagine 42"/>
-          <p:cNvSpPr/>
+          <p:cNvSpPr>
+            <a:spLocks noGrp="1"/>
+          </p:cNvSpPr>
           <p:nvPr>
             <p:ph type="pic" sz="quarter" idx="22"/>
           </p:nvPr>
@@ -8625,14 +8752,16 @@
           </a:bodyPr>
           <a:lstStyle/>
           <a:p>
-            <a:pPr/>
+            <a:endParaRPr/>
           </a:p>
         </p:txBody>
       </p:sp>
       <p:sp>
         <p:nvSpPr>
           <p:cNvPr id="147" name="Segnaposto testo 47"/>
-          <p:cNvSpPr/>
+          <p:cNvSpPr>
+            <a:spLocks noGrp="1"/>
+          </p:cNvSpPr>
           <p:nvPr>
             <p:ph type="body" sz="quarter" idx="23"/>
           </p:nvPr>
@@ -8656,13 +8785,16 @@
               <a:buNone/>
               <a:defRPr sz="1800"/>
             </a:pPr>
+            <a:endParaRPr/>
           </a:p>
         </p:txBody>
       </p:sp>
       <p:sp>
         <p:nvSpPr>
           <p:cNvPr id="148" name="Segnaposto testo 47"/>
-          <p:cNvSpPr/>
+          <p:cNvSpPr>
+            <a:spLocks noGrp="1"/>
+          </p:cNvSpPr>
           <p:nvPr>
             <p:ph type="body" sz="quarter" idx="24"/>
           </p:nvPr>
@@ -8686,13 +8818,16 @@
               <a:buNone/>
               <a:defRPr sz="1800"/>
             </a:pPr>
+            <a:endParaRPr/>
           </a:p>
         </p:txBody>
       </p:sp>
       <p:sp>
         <p:nvSpPr>
           <p:cNvPr id="149" name="Segnaposto testo 47"/>
-          <p:cNvSpPr/>
+          <p:cNvSpPr>
+            <a:spLocks noGrp="1"/>
+          </p:cNvSpPr>
           <p:nvPr>
             <p:ph type="body" sz="quarter" idx="25"/>
           </p:nvPr>
@@ -8716,13 +8851,16 @@
               <a:buNone/>
               <a:defRPr sz="1800"/>
             </a:pPr>
+            <a:endParaRPr/>
           </a:p>
         </p:txBody>
       </p:sp>
       <p:sp>
         <p:nvSpPr>
           <p:cNvPr id="150" name="Segnaposto testo 47"/>
-          <p:cNvSpPr/>
+          <p:cNvSpPr>
+            <a:spLocks noGrp="1"/>
+          </p:cNvSpPr>
           <p:nvPr>
             <p:ph type="body" sz="quarter" idx="26"/>
           </p:nvPr>
@@ -8746,13 +8884,16 @@
               <a:buNone/>
               <a:defRPr sz="1800"/>
             </a:pPr>
+            <a:endParaRPr/>
           </a:p>
         </p:txBody>
       </p:sp>
       <p:sp>
         <p:nvSpPr>
           <p:cNvPr id="151" name="Segnaposto testo 47"/>
-          <p:cNvSpPr/>
+          <p:cNvSpPr>
+            <a:spLocks noGrp="1"/>
+          </p:cNvSpPr>
           <p:nvPr>
             <p:ph type="body" sz="quarter" idx="27"/>
           </p:nvPr>
@@ -8781,13 +8922,16 @@
                 <a:sym typeface="Arial"/>
               </a:defRPr>
             </a:pPr>
+            <a:endParaRPr/>
           </a:p>
         </p:txBody>
       </p:sp>
       <p:sp>
         <p:nvSpPr>
           <p:cNvPr id="152" name="Segnaposto testo 47"/>
-          <p:cNvSpPr/>
+          <p:cNvSpPr>
+            <a:spLocks noGrp="1"/>
+          </p:cNvSpPr>
           <p:nvPr>
             <p:ph type="body" sz="quarter" idx="28"/>
           </p:nvPr>
@@ -8816,13 +8960,16 @@
                 <a:sym typeface="Arial"/>
               </a:defRPr>
             </a:pPr>
+            <a:endParaRPr/>
           </a:p>
         </p:txBody>
       </p:sp>
       <p:sp>
         <p:nvSpPr>
           <p:cNvPr id="153" name="Segnaposto immagine 42"/>
-          <p:cNvSpPr/>
+          <p:cNvSpPr>
+            <a:spLocks noGrp="1"/>
+          </p:cNvSpPr>
           <p:nvPr>
             <p:ph type="pic" sz="quarter" idx="29"/>
           </p:nvPr>
@@ -8842,14 +8989,16 @@
           </a:bodyPr>
           <a:lstStyle/>
           <a:p>
-            <a:pPr/>
+            <a:endParaRPr/>
           </a:p>
         </p:txBody>
       </p:sp>
       <p:sp>
         <p:nvSpPr>
           <p:cNvPr id="154" name="Segnaposto immagine 42"/>
-          <p:cNvSpPr/>
+          <p:cNvSpPr>
+            <a:spLocks noGrp="1"/>
+          </p:cNvSpPr>
           <p:nvPr>
             <p:ph type="pic" sz="quarter" idx="30"/>
           </p:nvPr>
@@ -8869,14 +9018,16 @@
           </a:bodyPr>
           <a:lstStyle/>
           <a:p>
-            <a:pPr/>
+            <a:endParaRPr/>
           </a:p>
         </p:txBody>
       </p:sp>
       <p:sp>
         <p:nvSpPr>
           <p:cNvPr id="155" name="Segnaposto testo 47"/>
-          <p:cNvSpPr/>
+          <p:cNvSpPr>
+            <a:spLocks noGrp="1"/>
+          </p:cNvSpPr>
           <p:nvPr>
             <p:ph type="body" sz="quarter" idx="31"/>
           </p:nvPr>
@@ -8905,13 +9056,16 @@
                 <a:sym typeface="Arial"/>
               </a:defRPr>
             </a:pPr>
+            <a:endParaRPr/>
           </a:p>
         </p:txBody>
       </p:sp>
       <p:sp>
         <p:nvSpPr>
           <p:cNvPr id="156" name="Segnaposto testo 47"/>
-          <p:cNvSpPr/>
+          <p:cNvSpPr>
+            <a:spLocks noGrp="1"/>
+          </p:cNvSpPr>
           <p:nvPr>
             <p:ph type="body" sz="quarter" idx="32"/>
           </p:nvPr>
@@ -8940,13 +9094,16 @@
                 <a:sym typeface="Arial"/>
               </a:defRPr>
             </a:pPr>
+            <a:endParaRPr/>
           </a:p>
         </p:txBody>
       </p:sp>
       <p:sp>
         <p:nvSpPr>
           <p:cNvPr id="157" name="Numero diapositiva"/>
-          <p:cNvSpPr txBox="1"/>
+          <p:cNvSpPr txBox="1">
+            <a:spLocks noGrp="1"/>
+          </p:cNvSpPr>
           <p:nvPr>
             <p:ph type="sldNum" sz="quarter" idx="2"/>
           </p:nvPr>
@@ -8960,8 +9117,10 @@
           <a:bodyPr/>
           <a:lstStyle/>
           <a:p>
-            <a:pPr/>
-            <a:fld id="{86CB4B4D-7CA3-9044-876B-883B54F8677D}" type="slidenum"/>
+            <a:fld id="{86CB4B4D-7CA3-9044-876B-883B54F8677D}" type="slidenum">
+              <a:t>‹N›</a:t>
+            </a:fld>
+            <a:endParaRPr/>
           </a:p>
         </p:txBody>
       </p:sp>
@@ -8970,12 +9129,12 @@
   <p:clrMapOvr>
     <a:masterClrMapping/>
   </p:clrMapOvr>
-  <p:transition xmlns:p14="http://schemas.microsoft.com/office/powerpoint/2010/main" spd="med" advClick="1"/>
+  <p:transition spd="med"/>
 </p:sldLayout>
 </file>
 
 <file path=ppt/slideLayouts/slideLayout9.xml><?xml version="1.0" encoding="utf-8"?>
-<p:sldLayout xmlns:a="http://schemas.openxmlformats.org/drawingml/2006/main" xmlns:r="http://schemas.openxmlformats.org/officeDocument/2006/relationships" xmlns:p="http://schemas.openxmlformats.org/presentationml/2006/main" xmlns:m="http://schemas.openxmlformats.org/officeDocument/2006/math" xmlns:a14="http://schemas.microsoft.com/office/drawing/2010/main" type="tx" showMasterSp="0" showMasterPhAnim="1">
+<p:sldLayout xmlns:a="http://schemas.openxmlformats.org/drawingml/2006/main" xmlns:r="http://schemas.openxmlformats.org/officeDocument/2006/relationships" xmlns:p="http://schemas.openxmlformats.org/presentationml/2006/main" showMasterSp="0" type="tx">
   <p:cSld name="Team - x8">
     <p:spTree>
       <p:nvGrpSpPr>
@@ -9023,6 +9182,7 @@
                 </a:solidFill>
               </a:defRPr>
             </a:pPr>
+            <a:endParaRPr/>
           </a:p>
         </p:txBody>
       </p:sp>
@@ -9058,6 +9218,7 @@
                 </a:solidFill>
               </a:defRPr>
             </a:pPr>
+            <a:endParaRPr/>
           </a:p>
         </p:txBody>
       </p:sp>
@@ -9093,6 +9254,7 @@
                 </a:solidFill>
               </a:defRPr>
             </a:pPr>
+            <a:endParaRPr/>
           </a:p>
         </p:txBody>
       </p:sp>
@@ -9128,6 +9290,7 @@
                 </a:solidFill>
               </a:defRPr>
             </a:pPr>
+            <a:endParaRPr/>
           </a:p>
         </p:txBody>
       </p:sp>
@@ -9166,6 +9329,7 @@
                 </a:solidFill>
               </a:defRPr>
             </a:pPr>
+            <a:endParaRPr/>
           </a:p>
         </p:txBody>
       </p:sp>
@@ -9204,6 +9368,7 @@
                 </a:solidFill>
               </a:defRPr>
             </a:pPr>
+            <a:endParaRPr/>
           </a:p>
         </p:txBody>
       </p:sp>
@@ -9232,7 +9397,7 @@
           <a:bodyPr lIns="45719" rIns="45719"/>
           <a:lstStyle/>
           <a:p>
-            <a:pPr/>
+            <a:endParaRPr/>
           </a:p>
         </p:txBody>
       </p:sp>
@@ -9245,9 +9410,7 @@
           <p:nvPr/>
         </p:nvPicPr>
         <p:blipFill>
-          <a:blip r:embed="rId2">
-            <a:extLst/>
-          </a:blip>
+          <a:blip r:embed="rId2"/>
           <a:stretch>
             <a:fillRect/>
           </a:stretch>
@@ -9290,14 +9453,16 @@
           <a:bodyPr lIns="45719" rIns="45719"/>
           <a:lstStyle/>
           <a:p>
-            <a:pPr/>
+            <a:endParaRPr/>
           </a:p>
         </p:txBody>
       </p:sp>
       <p:sp>
         <p:nvSpPr>
           <p:cNvPr id="173" name="Corpo livello uno…"/>
-          <p:cNvSpPr txBox="1"/>
+          <p:cNvSpPr txBox="1">
+            <a:spLocks noGrp="1"/>
+          </p:cNvSpPr>
           <p:nvPr>
             <p:ph type="body" sz="quarter" idx="1" hasCustomPrompt="1"/>
           </p:nvPr>
@@ -9351,41 +9516,34 @@
             </a:lvl5pPr>
           </a:lstStyle>
           <a:p>
-            <a:pPr/>
             <a:r>
               <a:t>X</a:t>
             </a:r>
           </a:p>
           <a:p>
             <a:pPr lvl="1"/>
-            <a:r>
-              <a:t/>
-            </a:r>
+            <a:endParaRPr/>
           </a:p>
           <a:p>
             <a:pPr lvl="2"/>
-            <a:r>
-              <a:t/>
-            </a:r>
+            <a:endParaRPr/>
           </a:p>
           <a:p>
             <a:pPr lvl="3"/>
-            <a:r>
-              <a:t/>
-            </a:r>
+            <a:endParaRPr/>
           </a:p>
           <a:p>
             <a:pPr lvl="4"/>
-            <a:r>
-              <a:t/>
-            </a:r>
+            <a:endParaRPr/>
           </a:p>
         </p:txBody>
       </p:sp>
       <p:sp>
         <p:nvSpPr>
           <p:cNvPr id="174" name="Segnaposto immagine 42"/>
-          <p:cNvSpPr/>
+          <p:cNvSpPr>
+            <a:spLocks noGrp="1"/>
+          </p:cNvSpPr>
           <p:nvPr>
             <p:ph type="pic" sz="quarter" idx="21"/>
           </p:nvPr>
@@ -9405,14 +9563,16 @@
           </a:bodyPr>
           <a:lstStyle/>
           <a:p>
-            <a:pPr/>
+            <a:endParaRPr/>
           </a:p>
         </p:txBody>
       </p:sp>
       <p:sp>
         <p:nvSpPr>
           <p:cNvPr id="175" name="Segnaposto immagine 42"/>
-          <p:cNvSpPr/>
+          <p:cNvSpPr>
+            <a:spLocks noGrp="1"/>
+          </p:cNvSpPr>
           <p:nvPr>
             <p:ph type="pic" sz="quarter" idx="22"/>
           </p:nvPr>
@@ -9432,14 +9592,16 @@
           </a:bodyPr>
           <a:lstStyle/>
           <a:p>
-            <a:pPr/>
+            <a:endParaRPr/>
           </a:p>
         </p:txBody>
       </p:sp>
       <p:sp>
         <p:nvSpPr>
           <p:cNvPr id="176" name="Segnaposto testo 47"/>
-          <p:cNvSpPr/>
+          <p:cNvSpPr>
+            <a:spLocks noGrp="1"/>
+          </p:cNvSpPr>
           <p:nvPr>
             <p:ph type="body" sz="quarter" idx="23"/>
           </p:nvPr>
@@ -9463,13 +9625,16 @@
               <a:buNone/>
               <a:defRPr sz="1600"/>
             </a:pPr>
+            <a:endParaRPr/>
           </a:p>
         </p:txBody>
       </p:sp>
       <p:sp>
         <p:nvSpPr>
           <p:cNvPr id="177" name="Segnaposto testo 47"/>
-          <p:cNvSpPr/>
+          <p:cNvSpPr>
+            <a:spLocks noGrp="1"/>
+          </p:cNvSpPr>
           <p:nvPr>
             <p:ph type="body" sz="quarter" idx="24"/>
           </p:nvPr>
@@ -9493,13 +9658,16 @@
               <a:buNone/>
               <a:defRPr sz="1600"/>
             </a:pPr>
+            <a:endParaRPr/>
           </a:p>
         </p:txBody>
       </p:sp>
       <p:sp>
         <p:nvSpPr>
           <p:cNvPr id="178" name="Segnaposto testo 47"/>
-          <p:cNvSpPr/>
+          <p:cNvSpPr>
+            <a:spLocks noGrp="1"/>
+          </p:cNvSpPr>
           <p:nvPr>
             <p:ph type="body" sz="quarter" idx="25"/>
           </p:nvPr>
@@ -9523,13 +9691,16 @@
               <a:buNone/>
               <a:defRPr sz="1600"/>
             </a:pPr>
+            <a:endParaRPr/>
           </a:p>
         </p:txBody>
       </p:sp>
       <p:sp>
         <p:nvSpPr>
           <p:cNvPr id="179" name="Segnaposto testo 47"/>
-          <p:cNvSpPr/>
+          <p:cNvSpPr>
+            <a:spLocks noGrp="1"/>
+          </p:cNvSpPr>
           <p:nvPr>
             <p:ph type="body" sz="quarter" idx="26"/>
           </p:nvPr>
@@ -9553,13 +9724,16 @@
               <a:buNone/>
               <a:defRPr sz="1600"/>
             </a:pPr>
+            <a:endParaRPr/>
           </a:p>
         </p:txBody>
       </p:sp>
       <p:sp>
         <p:nvSpPr>
           <p:cNvPr id="180" name="Segnaposto testo 47"/>
-          <p:cNvSpPr/>
+          <p:cNvSpPr>
+            <a:spLocks noGrp="1"/>
+          </p:cNvSpPr>
           <p:nvPr>
             <p:ph type="body" sz="quarter" idx="27"/>
           </p:nvPr>
@@ -9588,13 +9762,16 @@
                 <a:sym typeface="Arial"/>
               </a:defRPr>
             </a:pPr>
+            <a:endParaRPr/>
           </a:p>
         </p:txBody>
       </p:sp>
       <p:sp>
         <p:nvSpPr>
           <p:cNvPr id="181" name="Segnaposto testo 47"/>
-          <p:cNvSpPr/>
+          <p:cNvSpPr>
+            <a:spLocks noGrp="1"/>
+          </p:cNvSpPr>
           <p:nvPr>
             <p:ph type="body" sz="quarter" idx="28"/>
           </p:nvPr>
@@ -9623,13 +9800,16 @@
                 <a:sym typeface="Arial"/>
               </a:defRPr>
             </a:pPr>
+            <a:endParaRPr/>
           </a:p>
         </p:txBody>
       </p:sp>
       <p:sp>
         <p:nvSpPr>
           <p:cNvPr id="182" name="Segnaposto immagine 42"/>
-          <p:cNvSpPr/>
+          <p:cNvSpPr>
+            <a:spLocks noGrp="1"/>
+          </p:cNvSpPr>
           <p:nvPr>
             <p:ph type="pic" sz="quarter" idx="29"/>
           </p:nvPr>
@@ -9649,14 +9829,16 @@
           </a:bodyPr>
           <a:lstStyle/>
           <a:p>
-            <a:pPr/>
+            <a:endParaRPr/>
           </a:p>
         </p:txBody>
       </p:sp>
       <p:sp>
         <p:nvSpPr>
           <p:cNvPr id="183" name="Segnaposto immagine 42"/>
-          <p:cNvSpPr/>
+          <p:cNvSpPr>
+            <a:spLocks noGrp="1"/>
+          </p:cNvSpPr>
           <p:nvPr>
             <p:ph type="pic" sz="quarter" idx="30"/>
           </p:nvPr>
@@ -9676,14 +9858,16 @@
           </a:bodyPr>
           <a:lstStyle/>
           <a:p>
-            <a:pPr/>
+            <a:endParaRPr/>
           </a:p>
         </p:txBody>
       </p:sp>
       <p:sp>
         <p:nvSpPr>
           <p:cNvPr id="184" name="Segnaposto testo 47"/>
-          <p:cNvSpPr/>
+          <p:cNvSpPr>
+            <a:spLocks noGrp="1"/>
+          </p:cNvSpPr>
           <p:nvPr>
             <p:ph type="body" sz="quarter" idx="31"/>
           </p:nvPr>
@@ -9712,13 +9896,16 @@
                 <a:sym typeface="Arial"/>
               </a:defRPr>
             </a:pPr>
+            <a:endParaRPr/>
           </a:p>
         </p:txBody>
       </p:sp>
       <p:sp>
         <p:nvSpPr>
           <p:cNvPr id="185" name="Segnaposto testo 47"/>
-          <p:cNvSpPr/>
+          <p:cNvSpPr>
+            <a:spLocks noGrp="1"/>
+          </p:cNvSpPr>
           <p:nvPr>
             <p:ph type="body" sz="quarter" idx="32"/>
           </p:nvPr>
@@ -9747,13 +9934,16 @@
                 <a:sym typeface="Arial"/>
               </a:defRPr>
             </a:pPr>
+            <a:endParaRPr/>
           </a:p>
         </p:txBody>
       </p:sp>
       <p:sp>
         <p:nvSpPr>
           <p:cNvPr id="186" name="Titolo Testo"/>
-          <p:cNvSpPr txBox="1"/>
+          <p:cNvSpPr txBox="1">
+            <a:spLocks noGrp="1"/>
+          </p:cNvSpPr>
           <p:nvPr>
             <p:ph type="title"/>
           </p:nvPr>
@@ -9767,7 +9957,6 @@
           <a:bodyPr/>
           <a:lstStyle/>
           <a:p>
-            <a:pPr/>
             <a:r>
               <a:t>Titolo Testo</a:t>
             </a:r>
@@ -9806,6 +9995,7 @@
                 </a:solidFill>
               </a:defRPr>
             </a:pPr>
+            <a:endParaRPr/>
           </a:p>
         </p:txBody>
       </p:sp>
@@ -9841,6 +10031,7 @@
                 </a:solidFill>
               </a:defRPr>
             </a:pPr>
+            <a:endParaRPr/>
           </a:p>
         </p:txBody>
       </p:sp>
@@ -9876,6 +10067,7 @@
                 </a:solidFill>
               </a:defRPr>
             </a:pPr>
+            <a:endParaRPr/>
           </a:p>
         </p:txBody>
       </p:sp>
@@ -9911,13 +10103,16 @@
                 </a:solidFill>
               </a:defRPr>
             </a:pPr>
+            <a:endParaRPr/>
           </a:p>
         </p:txBody>
       </p:sp>
       <p:sp>
         <p:nvSpPr>
           <p:cNvPr id="191" name="Segnaposto immagine 42"/>
-          <p:cNvSpPr/>
+          <p:cNvSpPr>
+            <a:spLocks noGrp="1"/>
+          </p:cNvSpPr>
           <p:nvPr>
             <p:ph type="pic" sz="quarter" idx="33"/>
           </p:nvPr>
@@ -9937,14 +10132,16 @@
           </a:bodyPr>
           <a:lstStyle/>
           <a:p>
-            <a:pPr/>
+            <a:endParaRPr/>
           </a:p>
         </p:txBody>
       </p:sp>
       <p:sp>
         <p:nvSpPr>
           <p:cNvPr id="192" name="Segnaposto immagine 42"/>
-          <p:cNvSpPr/>
+          <p:cNvSpPr>
+            <a:spLocks noGrp="1"/>
+          </p:cNvSpPr>
           <p:nvPr>
             <p:ph type="pic" sz="quarter" idx="34"/>
           </p:nvPr>
@@ -9964,14 +10161,16 @@
           </a:bodyPr>
           <a:lstStyle/>
           <a:p>
-            <a:pPr/>
+            <a:endParaRPr/>
           </a:p>
         </p:txBody>
       </p:sp>
       <p:sp>
         <p:nvSpPr>
           <p:cNvPr id="193" name="Segnaposto testo 47"/>
-          <p:cNvSpPr/>
+          <p:cNvSpPr>
+            <a:spLocks noGrp="1"/>
+          </p:cNvSpPr>
           <p:nvPr>
             <p:ph type="body" sz="quarter" idx="35"/>
           </p:nvPr>
@@ -9995,13 +10194,16 @@
               <a:buNone/>
               <a:defRPr sz="1600"/>
             </a:pPr>
+            <a:endParaRPr/>
           </a:p>
         </p:txBody>
       </p:sp>
       <p:sp>
         <p:nvSpPr>
           <p:cNvPr id="194" name="Segnaposto testo 47"/>
-          <p:cNvSpPr/>
+          <p:cNvSpPr>
+            <a:spLocks noGrp="1"/>
+          </p:cNvSpPr>
           <p:nvPr>
             <p:ph type="body" sz="quarter" idx="36"/>
           </p:nvPr>
@@ -10025,13 +10227,16 @@
               <a:buNone/>
               <a:defRPr sz="1600"/>
             </a:pPr>
+            <a:endParaRPr/>
           </a:p>
         </p:txBody>
       </p:sp>
       <p:sp>
         <p:nvSpPr>
           <p:cNvPr id="195" name="Segnaposto testo 47"/>
-          <p:cNvSpPr/>
+          <p:cNvSpPr>
+            <a:spLocks noGrp="1"/>
+          </p:cNvSpPr>
           <p:nvPr>
             <p:ph type="body" sz="quarter" idx="37"/>
           </p:nvPr>
@@ -10055,13 +10260,16 @@
               <a:buNone/>
               <a:defRPr sz="1600"/>
             </a:pPr>
+            <a:endParaRPr/>
           </a:p>
         </p:txBody>
       </p:sp>
       <p:sp>
         <p:nvSpPr>
           <p:cNvPr id="196" name="Segnaposto testo 47"/>
-          <p:cNvSpPr/>
+          <p:cNvSpPr>
+            <a:spLocks noGrp="1"/>
+          </p:cNvSpPr>
           <p:nvPr>
             <p:ph type="body" sz="quarter" idx="38"/>
           </p:nvPr>
@@ -10085,13 +10293,16 @@
               <a:buNone/>
               <a:defRPr sz="1600"/>
             </a:pPr>
+            <a:endParaRPr/>
           </a:p>
         </p:txBody>
       </p:sp>
       <p:sp>
         <p:nvSpPr>
           <p:cNvPr id="197" name="Segnaposto testo 47"/>
-          <p:cNvSpPr/>
+          <p:cNvSpPr>
+            <a:spLocks noGrp="1"/>
+          </p:cNvSpPr>
           <p:nvPr>
             <p:ph type="body" sz="quarter" idx="39"/>
           </p:nvPr>
@@ -10120,13 +10331,16 @@
                 <a:sym typeface="Arial"/>
               </a:defRPr>
             </a:pPr>
+            <a:endParaRPr/>
           </a:p>
         </p:txBody>
       </p:sp>
       <p:sp>
         <p:nvSpPr>
           <p:cNvPr id="198" name="Segnaposto testo 47"/>
-          <p:cNvSpPr/>
+          <p:cNvSpPr>
+            <a:spLocks noGrp="1"/>
+          </p:cNvSpPr>
           <p:nvPr>
             <p:ph type="body" sz="quarter" idx="40"/>
           </p:nvPr>
@@ -10155,13 +10369,16 @@
                 <a:sym typeface="Arial"/>
               </a:defRPr>
             </a:pPr>
+            <a:endParaRPr/>
           </a:p>
         </p:txBody>
       </p:sp>
       <p:sp>
         <p:nvSpPr>
           <p:cNvPr id="199" name="Segnaposto immagine 42"/>
-          <p:cNvSpPr/>
+          <p:cNvSpPr>
+            <a:spLocks noGrp="1"/>
+          </p:cNvSpPr>
           <p:nvPr>
             <p:ph type="pic" sz="quarter" idx="41"/>
           </p:nvPr>
@@ -10181,14 +10398,16 @@
           </a:bodyPr>
           <a:lstStyle/>
           <a:p>
-            <a:pPr/>
+            <a:endParaRPr/>
           </a:p>
         </p:txBody>
       </p:sp>
       <p:sp>
         <p:nvSpPr>
           <p:cNvPr id="200" name="Segnaposto immagine 42"/>
-          <p:cNvSpPr/>
+          <p:cNvSpPr>
+            <a:spLocks noGrp="1"/>
+          </p:cNvSpPr>
           <p:nvPr>
             <p:ph type="pic" sz="quarter" idx="42"/>
           </p:nvPr>
@@ -10208,14 +10427,16 @@
           </a:bodyPr>
           <a:lstStyle/>
           <a:p>
-            <a:pPr/>
+            <a:endParaRPr/>
           </a:p>
         </p:txBody>
       </p:sp>
       <p:sp>
         <p:nvSpPr>
           <p:cNvPr id="201" name="Segnaposto testo 47"/>
-          <p:cNvSpPr/>
+          <p:cNvSpPr>
+            <a:spLocks noGrp="1"/>
+          </p:cNvSpPr>
           <p:nvPr>
             <p:ph type="body" sz="quarter" idx="43"/>
           </p:nvPr>
@@ -10244,13 +10465,16 @@
                 <a:sym typeface="Arial"/>
               </a:defRPr>
             </a:pPr>
+            <a:endParaRPr/>
           </a:p>
         </p:txBody>
       </p:sp>
       <p:sp>
         <p:nvSpPr>
           <p:cNvPr id="202" name="Segnaposto testo 47"/>
-          <p:cNvSpPr/>
+          <p:cNvSpPr>
+            <a:spLocks noGrp="1"/>
+          </p:cNvSpPr>
           <p:nvPr>
             <p:ph type="body" sz="quarter" idx="44"/>
           </p:nvPr>
@@ -10279,13 +10503,16 @@
                 <a:sym typeface="Arial"/>
               </a:defRPr>
             </a:pPr>
+            <a:endParaRPr/>
           </a:p>
         </p:txBody>
       </p:sp>
       <p:sp>
         <p:nvSpPr>
           <p:cNvPr id="203" name="Numero diapositiva"/>
-          <p:cNvSpPr txBox="1"/>
+          <p:cNvSpPr txBox="1">
+            <a:spLocks noGrp="1"/>
+          </p:cNvSpPr>
           <p:nvPr>
             <p:ph type="sldNum" sz="quarter" idx="2"/>
           </p:nvPr>
@@ -10299,8 +10526,10 @@
           <a:bodyPr/>
           <a:lstStyle/>
           <a:p>
-            <a:pPr/>
-            <a:fld id="{86CB4B4D-7CA3-9044-876B-883B54F8677D}" type="slidenum"/>
+            <a:fld id="{86CB4B4D-7CA3-9044-876B-883B54F8677D}" type="slidenum">
+              <a:t>‹N›</a:t>
+            </a:fld>
+            <a:endParaRPr/>
           </a:p>
         </p:txBody>
       </p:sp>
@@ -10309,18 +10538,19 @@
   <p:clrMapOvr>
     <a:masterClrMapping/>
   </p:clrMapOvr>
-  <p:transition xmlns:p14="http://schemas.microsoft.com/office/powerpoint/2010/main" spd="med" advClick="1"/>
+  <p:transition spd="med"/>
 </p:sldLayout>
 </file>
 
 <file path=ppt/slideMasters/slideMaster1.xml><?xml version="1.0" encoding="utf-8"?>
-<p:sldMaster xmlns:a="http://schemas.openxmlformats.org/drawingml/2006/main" xmlns:r="http://schemas.openxmlformats.org/officeDocument/2006/relationships" xmlns:p="http://schemas.openxmlformats.org/presentationml/2006/main" xmlns:m="http://schemas.openxmlformats.org/officeDocument/2006/math" xmlns:a14="http://schemas.microsoft.com/office/drawing/2010/main">
+<p:sldMaster xmlns:a="http://schemas.openxmlformats.org/drawingml/2006/main" xmlns:r="http://schemas.openxmlformats.org/officeDocument/2006/relationships" xmlns:p="http://schemas.openxmlformats.org/presentationml/2006/main">
   <p:cSld>
     <p:bg>
       <p:bgPr>
         <a:solidFill>
           <a:srgbClr val="FDF9E2"/>
         </a:solidFill>
+        <a:effectLst/>
       </p:bgPr>
     </p:bg>
     <p:spTree>
@@ -10372,6 +10602,7 @@
                 </a:solidFill>
               </a:defRPr>
             </a:pPr>
+            <a:endParaRPr/>
           </a:p>
         </p:txBody>
       </p:sp>
@@ -10410,6 +10641,7 @@
                 </a:solidFill>
               </a:defRPr>
             </a:pPr>
+            <a:endParaRPr/>
           </a:p>
         </p:txBody>
       </p:sp>
@@ -10438,7 +10670,7 @@
           <a:bodyPr lIns="45719" rIns="45719"/>
           <a:lstStyle/>
           <a:p>
-            <a:pPr/>
+            <a:endParaRPr/>
           </a:p>
         </p:txBody>
       </p:sp>
@@ -10451,9 +10683,7 @@
           <p:nvPr/>
         </p:nvPicPr>
         <p:blipFill>
-          <a:blip r:embed="rId2">
-            <a:extLst/>
-          </a:blip>
+          <a:blip r:embed="rId23"/>
           <a:stretch>
             <a:fillRect/>
           </a:stretch>
@@ -10496,14 +10726,16 @@
           <a:bodyPr lIns="45719" rIns="45719"/>
           <a:lstStyle/>
           <a:p>
-            <a:pPr/>
+            <a:endParaRPr/>
           </a:p>
         </p:txBody>
       </p:sp>
       <p:sp>
         <p:nvSpPr>
           <p:cNvPr id="7" name="Titolo Testo"/>
-          <p:cNvSpPr txBox="1"/>
+          <p:cNvSpPr txBox="1">
+            <a:spLocks noGrp="1"/>
+          </p:cNvSpPr>
           <p:nvPr>
             <p:ph type="title"/>
           </p:nvPr>
@@ -10521,17 +10753,16 @@
           </a:ln>
           <a:extLst>
             <a:ext uri="{C572A759-6A51-4108-AA02-DFA0A04FC94B}">
-              <ma14:wrappingTextBoxFlag xmlns:ma14="http://schemas.microsoft.com/office/mac/drawingml/2011/main" val="1"/>
+              <ma14:wrappingTextBoxFlag xmlns:ma14="http://schemas.microsoft.com/office/mac/drawingml/2011/main" xmlns:a14="http://schemas.microsoft.com/office/drawing/2010/main" xmlns:m="http://schemas.openxmlformats.org/officeDocument/2006/math" xmlns="" val="1"/>
             </a:ext>
           </a:extLst>
         </p:spPr>
         <p:txBody>
           <a:bodyPr lIns="45719" rIns="45719" anchor="ctr">
-            <a:normAutofit fontScale="100000" lnSpcReduction="0"/>
+            <a:normAutofit/>
           </a:bodyPr>
           <a:lstStyle/>
           <a:p>
-            <a:pPr/>
             <a:r>
               <a:t>Titolo Testo</a:t>
             </a:r>
@@ -10541,7 +10772,9 @@
       <p:sp>
         <p:nvSpPr>
           <p:cNvPr id="8" name="Corpo livello uno…"/>
-          <p:cNvSpPr txBox="1"/>
+          <p:cNvSpPr txBox="1">
+            <a:spLocks noGrp="1"/>
+          </p:cNvSpPr>
           <p:nvPr>
             <p:ph type="body" idx="1"/>
           </p:nvPr>
@@ -10559,17 +10792,16 @@
           </a:ln>
           <a:extLst>
             <a:ext uri="{C572A759-6A51-4108-AA02-DFA0A04FC94B}">
-              <ma14:wrappingTextBoxFlag xmlns:ma14="http://schemas.microsoft.com/office/mac/drawingml/2011/main" val="1"/>
+              <ma14:wrappingTextBoxFlag xmlns:ma14="http://schemas.microsoft.com/office/mac/drawingml/2011/main" xmlns:a14="http://schemas.microsoft.com/office/drawing/2010/main" xmlns:m="http://schemas.openxmlformats.org/officeDocument/2006/math" xmlns="" val="1"/>
             </a:ext>
           </a:extLst>
         </p:spPr>
         <p:txBody>
           <a:bodyPr lIns="45719" rIns="45719">
-            <a:normAutofit fontScale="100000" lnSpcReduction="0"/>
+            <a:normAutofit/>
           </a:bodyPr>
           <a:lstStyle/>
           <a:p>
-            <a:pPr/>
             <a:r>
               <a:t>Corpo livello uno</a:t>
             </a:r>
@@ -10603,7 +10835,9 @@
       <p:sp>
         <p:nvSpPr>
           <p:cNvPr id="9" name="Numero diapositiva"/>
-          <p:cNvSpPr txBox="1"/>
+          <p:cNvSpPr txBox="1">
+            <a:spLocks noGrp="1"/>
+          </p:cNvSpPr>
           <p:nvPr>
             <p:ph type="sldNum" sz="quarter" idx="2"/>
           </p:nvPr>
@@ -10634,8 +10868,10 @@
             </a:lvl1pPr>
           </a:lstStyle>
           <a:p>
-            <a:pPr/>
-            <a:fld id="{86CB4B4D-7CA3-9044-876B-883B54F8677D}" type="slidenum"/>
+            <a:fld id="{86CB4B4D-7CA3-9044-876B-883B54F8677D}" type="slidenum">
+              <a:t>‹N›</a:t>
+            </a:fld>
+            <a:endParaRPr/>
           </a:p>
         </p:txBody>
       </p:sp>
@@ -10643,29 +10879,29 @@
   </p:cSld>
   <p:clrMap bg1="lt1" tx1="dk1" bg2="lt2" tx2="dk2" accent1="accent1" accent2="accent2" accent3="accent3" accent4="accent4" accent5="accent5" accent6="accent6" hlink="hlink" folHlink="folHlink"/>
   <p:sldLayoutIdLst>
-    <p:sldLayoutId id="2147483649" r:id="rId3"/>
-    <p:sldLayoutId id="2147483650" r:id="rId4"/>
-    <p:sldLayoutId id="2147483651" r:id="rId5"/>
-    <p:sldLayoutId id="2147483652" r:id="rId6"/>
-    <p:sldLayoutId id="2147483653" r:id="rId7"/>
-    <p:sldLayoutId id="2147483654" r:id="rId8"/>
-    <p:sldLayoutId id="2147483655" r:id="rId9"/>
-    <p:sldLayoutId id="2147483656" r:id="rId10"/>
-    <p:sldLayoutId id="2147483657" r:id="rId11"/>
-    <p:sldLayoutId id="2147483658" r:id="rId12"/>
-    <p:sldLayoutId id="2147483659" r:id="rId13"/>
-    <p:sldLayoutId id="2147483660" r:id="rId14"/>
-    <p:sldLayoutId id="2147483661" r:id="rId15"/>
-    <p:sldLayoutId id="2147483662" r:id="rId16"/>
-    <p:sldLayoutId id="2147483663" r:id="rId17"/>
-    <p:sldLayoutId id="2147483664" r:id="rId18"/>
-    <p:sldLayoutId id="2147483665" r:id="rId19"/>
-    <p:sldLayoutId id="2147483666" r:id="rId20"/>
-    <p:sldLayoutId id="2147483667" r:id="rId21"/>
-    <p:sldLayoutId id="2147483668" r:id="rId22"/>
-    <p:sldLayoutId id="2147483669" r:id="rId23"/>
+    <p:sldLayoutId id="2147483649" r:id="rId1"/>
+    <p:sldLayoutId id="2147483650" r:id="rId2"/>
+    <p:sldLayoutId id="2147483651" r:id="rId3"/>
+    <p:sldLayoutId id="2147483652" r:id="rId4"/>
+    <p:sldLayoutId id="2147483653" r:id="rId5"/>
+    <p:sldLayoutId id="2147483654" r:id="rId6"/>
+    <p:sldLayoutId id="2147483655" r:id="rId7"/>
+    <p:sldLayoutId id="2147483656" r:id="rId8"/>
+    <p:sldLayoutId id="2147483657" r:id="rId9"/>
+    <p:sldLayoutId id="2147483658" r:id="rId10"/>
+    <p:sldLayoutId id="2147483659" r:id="rId11"/>
+    <p:sldLayoutId id="2147483660" r:id="rId12"/>
+    <p:sldLayoutId id="2147483661" r:id="rId13"/>
+    <p:sldLayoutId id="2147483662" r:id="rId14"/>
+    <p:sldLayoutId id="2147483663" r:id="rId15"/>
+    <p:sldLayoutId id="2147483664" r:id="rId16"/>
+    <p:sldLayoutId id="2147483665" r:id="rId17"/>
+    <p:sldLayoutId id="2147483666" r:id="rId18"/>
+    <p:sldLayoutId id="2147483667" r:id="rId19"/>
+    <p:sldLayoutId id="2147483668" r:id="rId20"/>
+    <p:sldLayoutId id="2147483669" r:id="rId21"/>
   </p:sldLayoutIdLst>
-  <p:transition xmlns:p14="http://schemas.microsoft.com/office/powerpoint/2010/main" spd="med" advClick="1"/>
+  <p:transition spd="med"/>
   <p:txStyles>
     <p:titleStyle>
       <a:lvl1pPr marL="0" marR="0" indent="0" algn="l" defTabSz="914400" rtl="0" latinLnBrk="0">
@@ -10683,7 +10919,7 @@
         <a:buFontTx/>
         <a:buNone/>
         <a:tabLst/>
-        <a:defRPr b="0" baseline="0" cap="none" i="0" spc="0" strike="noStrike" sz="4000" u="none">
+        <a:defRPr sz="4000" b="0" i="0" u="none" strike="noStrike" cap="none" spc="0" baseline="0">
           <a:solidFill>
             <a:srgbClr val="231F20"/>
           </a:solidFill>
@@ -10709,7 +10945,7 @@
         <a:buFontTx/>
         <a:buNone/>
         <a:tabLst/>
-        <a:defRPr b="0" baseline="0" cap="none" i="0" spc="0" strike="noStrike" sz="4000" u="none">
+        <a:defRPr sz="4000" b="0" i="0" u="none" strike="noStrike" cap="none" spc="0" baseline="0">
           <a:solidFill>
             <a:srgbClr val="231F20"/>
           </a:solidFill>
@@ -10735,7 +10971,7 @@
         <a:buFontTx/>
         <a:buNone/>
         <a:tabLst/>
-        <a:defRPr b="0" baseline="0" cap="none" i="0" spc="0" strike="noStrike" sz="4000" u="none">
+        <a:defRPr sz="4000" b="0" i="0" u="none" strike="noStrike" cap="none" spc="0" baseline="0">
           <a:solidFill>
             <a:srgbClr val="231F20"/>
           </a:solidFill>
@@ -10761,7 +10997,7 @@
         <a:buFontTx/>
         <a:buNone/>
         <a:tabLst/>
-        <a:defRPr b="0" baseline="0" cap="none" i="0" spc="0" strike="noStrike" sz="4000" u="none">
+        <a:defRPr sz="4000" b="0" i="0" u="none" strike="noStrike" cap="none" spc="0" baseline="0">
           <a:solidFill>
             <a:srgbClr val="231F20"/>
           </a:solidFill>
@@ -10787,7 +11023,7 @@
         <a:buFontTx/>
         <a:buNone/>
         <a:tabLst/>
-        <a:defRPr b="0" baseline="0" cap="none" i="0" spc="0" strike="noStrike" sz="4000" u="none">
+        <a:defRPr sz="4000" b="0" i="0" u="none" strike="noStrike" cap="none" spc="0" baseline="0">
           <a:solidFill>
             <a:srgbClr val="231F20"/>
           </a:solidFill>
@@ -10813,7 +11049,7 @@
         <a:buFontTx/>
         <a:buNone/>
         <a:tabLst/>
-        <a:defRPr b="0" baseline="0" cap="none" i="0" spc="0" strike="noStrike" sz="4000" u="none">
+        <a:defRPr sz="4000" b="0" i="0" u="none" strike="noStrike" cap="none" spc="0" baseline="0">
           <a:solidFill>
             <a:srgbClr val="231F20"/>
           </a:solidFill>
@@ -10839,7 +11075,7 @@
         <a:buFontTx/>
         <a:buNone/>
         <a:tabLst/>
-        <a:defRPr b="0" baseline="0" cap="none" i="0" spc="0" strike="noStrike" sz="4000" u="none">
+        <a:defRPr sz="4000" b="0" i="0" u="none" strike="noStrike" cap="none" spc="0" baseline="0">
           <a:solidFill>
             <a:srgbClr val="231F20"/>
           </a:solidFill>
@@ -10865,7 +11101,7 @@
         <a:buFontTx/>
         <a:buNone/>
         <a:tabLst/>
-        <a:defRPr b="0" baseline="0" cap="none" i="0" spc="0" strike="noStrike" sz="4000" u="none">
+        <a:defRPr sz="4000" b="0" i="0" u="none" strike="noStrike" cap="none" spc="0" baseline="0">
           <a:solidFill>
             <a:srgbClr val="231F20"/>
           </a:solidFill>
@@ -10891,7 +11127,7 @@
         <a:buFontTx/>
         <a:buNone/>
         <a:tabLst/>
-        <a:defRPr b="0" baseline="0" cap="none" i="0" spc="0" strike="noStrike" sz="4000" u="none">
+        <a:defRPr sz="4000" b="0" i="0" u="none" strike="noStrike" cap="none" spc="0" baseline="0">
           <a:solidFill>
             <a:srgbClr val="231F20"/>
           </a:solidFill>
@@ -10919,7 +11155,7 @@
         <a:buFont typeface="Arial"/>
         <a:buChar char="•"/>
         <a:tabLst/>
-        <a:defRPr b="0" baseline="0" cap="none" i="0" spc="0" strike="noStrike" sz="2800" u="none">
+        <a:defRPr sz="2800" b="0" i="0" u="none" strike="noStrike" cap="none" spc="0" baseline="0">
           <a:solidFill>
             <a:srgbClr val="231F20"/>
           </a:solidFill>
@@ -10945,7 +11181,7 @@
         <a:buFont typeface="Arial"/>
         <a:buChar char="•"/>
         <a:tabLst/>
-        <a:defRPr b="0" baseline="0" cap="none" i="0" spc="0" strike="noStrike" sz="2800" u="none">
+        <a:defRPr sz="2800" b="0" i="0" u="none" strike="noStrike" cap="none" spc="0" baseline="0">
           <a:solidFill>
             <a:srgbClr val="231F20"/>
           </a:solidFill>
@@ -10971,7 +11207,7 @@
         <a:buFont typeface="Arial"/>
         <a:buChar char="•"/>
         <a:tabLst/>
-        <a:defRPr b="0" baseline="0" cap="none" i="0" spc="0" strike="noStrike" sz="2800" u="none">
+        <a:defRPr sz="2800" b="0" i="0" u="none" strike="noStrike" cap="none" spc="0" baseline="0">
           <a:solidFill>
             <a:srgbClr val="231F20"/>
           </a:solidFill>
@@ -10997,7 +11233,7 @@
         <a:buFont typeface="Arial"/>
         <a:buChar char="•"/>
         <a:tabLst/>
-        <a:defRPr b="0" baseline="0" cap="none" i="0" spc="0" strike="noStrike" sz="2800" u="none">
+        <a:defRPr sz="2800" b="0" i="0" u="none" strike="noStrike" cap="none" spc="0" baseline="0">
           <a:solidFill>
             <a:srgbClr val="231F20"/>
           </a:solidFill>
@@ -11023,7 +11259,7 @@
         <a:buFont typeface="Arial"/>
         <a:buChar char="•"/>
         <a:tabLst/>
-        <a:defRPr b="0" baseline="0" cap="none" i="0" spc="0" strike="noStrike" sz="2800" u="none">
+        <a:defRPr sz="2800" b="0" i="0" u="none" strike="noStrike" cap="none" spc="0" baseline="0">
           <a:solidFill>
             <a:srgbClr val="231F20"/>
           </a:solidFill>
@@ -11049,7 +11285,7 @@
         <a:buFont typeface="Arial"/>
         <a:buChar char="•"/>
         <a:tabLst/>
-        <a:defRPr b="0" baseline="0" cap="none" i="0" spc="0" strike="noStrike" sz="2800" u="none">
+        <a:defRPr sz="2800" b="0" i="0" u="none" strike="noStrike" cap="none" spc="0" baseline="0">
           <a:solidFill>
             <a:srgbClr val="231F20"/>
           </a:solidFill>
@@ -11075,7 +11311,7 @@
         <a:buFont typeface="Arial"/>
         <a:buChar char="•"/>
         <a:tabLst/>
-        <a:defRPr b="0" baseline="0" cap="none" i="0" spc="0" strike="noStrike" sz="2800" u="none">
+        <a:defRPr sz="2800" b="0" i="0" u="none" strike="noStrike" cap="none" spc="0" baseline="0">
           <a:solidFill>
             <a:srgbClr val="231F20"/>
           </a:solidFill>
@@ -11101,7 +11337,7 @@
         <a:buFont typeface="Arial"/>
         <a:buChar char="•"/>
         <a:tabLst/>
-        <a:defRPr b="0" baseline="0" cap="none" i="0" spc="0" strike="noStrike" sz="2800" u="none">
+        <a:defRPr sz="2800" b="0" i="0" u="none" strike="noStrike" cap="none" spc="0" baseline="0">
           <a:solidFill>
             <a:srgbClr val="231F20"/>
           </a:solidFill>
@@ -11127,7 +11363,7 @@
         <a:buFont typeface="Arial"/>
         <a:buChar char="•"/>
         <a:tabLst/>
-        <a:defRPr b="0" baseline="0" cap="none" i="0" spc="0" strike="noStrike" sz="2800" u="none">
+        <a:defRPr sz="2800" b="0" i="0" u="none" strike="noStrike" cap="none" spc="0" baseline="0">
           <a:solidFill>
             <a:srgbClr val="231F20"/>
           </a:solidFill>
@@ -11155,7 +11391,7 @@
         <a:buFontTx/>
         <a:buNone/>
         <a:tabLst/>
-        <a:defRPr b="0" baseline="0" cap="none" i="0" spc="0" strike="noStrike" sz="3200" u="none">
+        <a:defRPr sz="3200" b="0" i="0" u="none" strike="noStrike" cap="none" spc="0" baseline="0">
           <a:solidFill>
             <a:schemeClr val="tx1"/>
           </a:solidFill>
@@ -11181,7 +11417,7 @@
         <a:buFontTx/>
         <a:buNone/>
         <a:tabLst/>
-        <a:defRPr b="0" baseline="0" cap="none" i="0" spc="0" strike="noStrike" sz="3200" u="none">
+        <a:defRPr sz="3200" b="0" i="0" u="none" strike="noStrike" cap="none" spc="0" baseline="0">
           <a:solidFill>
             <a:schemeClr val="tx1"/>
           </a:solidFill>
@@ -11207,7 +11443,7 @@
         <a:buFontTx/>
         <a:buNone/>
         <a:tabLst/>
-        <a:defRPr b="0" baseline="0" cap="none" i="0" spc="0" strike="noStrike" sz="3200" u="none">
+        <a:defRPr sz="3200" b="0" i="0" u="none" strike="noStrike" cap="none" spc="0" baseline="0">
           <a:solidFill>
             <a:schemeClr val="tx1"/>
           </a:solidFill>
@@ -11233,7 +11469,7 @@
         <a:buFontTx/>
         <a:buNone/>
         <a:tabLst/>
-        <a:defRPr b="0" baseline="0" cap="none" i="0" spc="0" strike="noStrike" sz="3200" u="none">
+        <a:defRPr sz="3200" b="0" i="0" u="none" strike="noStrike" cap="none" spc="0" baseline="0">
           <a:solidFill>
             <a:schemeClr val="tx1"/>
           </a:solidFill>
@@ -11259,7 +11495,7 @@
         <a:buFontTx/>
         <a:buNone/>
         <a:tabLst/>
-        <a:defRPr b="0" baseline="0" cap="none" i="0" spc="0" strike="noStrike" sz="3200" u="none">
+        <a:defRPr sz="3200" b="0" i="0" u="none" strike="noStrike" cap="none" spc="0" baseline="0">
           <a:solidFill>
             <a:schemeClr val="tx1"/>
           </a:solidFill>
@@ -11285,7 +11521,7 @@
         <a:buFontTx/>
         <a:buNone/>
         <a:tabLst/>
-        <a:defRPr b="0" baseline="0" cap="none" i="0" spc="0" strike="noStrike" sz="3200" u="none">
+        <a:defRPr sz="3200" b="0" i="0" u="none" strike="noStrike" cap="none" spc="0" baseline="0">
           <a:solidFill>
             <a:schemeClr val="tx1"/>
           </a:solidFill>
@@ -11311,7 +11547,7 @@
         <a:buFontTx/>
         <a:buNone/>
         <a:tabLst/>
-        <a:defRPr b="0" baseline="0" cap="none" i="0" spc="0" strike="noStrike" sz="3200" u="none">
+        <a:defRPr sz="3200" b="0" i="0" u="none" strike="noStrike" cap="none" spc="0" baseline="0">
           <a:solidFill>
             <a:schemeClr val="tx1"/>
           </a:solidFill>
@@ -11337,7 +11573,7 @@
         <a:buFontTx/>
         <a:buNone/>
         <a:tabLst/>
-        <a:defRPr b="0" baseline="0" cap="none" i="0" spc="0" strike="noStrike" sz="3200" u="none">
+        <a:defRPr sz="3200" b="0" i="0" u="none" strike="noStrike" cap="none" spc="0" baseline="0">
           <a:solidFill>
             <a:schemeClr val="tx1"/>
           </a:solidFill>
@@ -11363,7 +11599,7 @@
         <a:buFontTx/>
         <a:buNone/>
         <a:tabLst/>
-        <a:defRPr b="0" baseline="0" cap="none" i="0" spc="0" strike="noStrike" sz="3200" u="none">
+        <a:defRPr sz="3200" b="0" i="0" u="none" strike="noStrike" cap="none" spc="0" baseline="0">
           <a:solidFill>
             <a:schemeClr val="tx1"/>
           </a:solidFill>
@@ -11380,7 +11616,7 @@
 </file>
 
 <file path=ppt/slides/slide1.xml><?xml version="1.0" encoding="utf-8"?>
-<p:sld xmlns:a="http://schemas.openxmlformats.org/drawingml/2006/main" xmlns:r="http://schemas.openxmlformats.org/officeDocument/2006/relationships" xmlns:p="http://schemas.openxmlformats.org/presentationml/2006/main" xmlns:m="http://schemas.openxmlformats.org/officeDocument/2006/math" xmlns:a14="http://schemas.microsoft.com/office/drawing/2010/main" showMasterSp="1" showMasterPhAnim="1">
+<p:sld xmlns:a="http://schemas.openxmlformats.org/drawingml/2006/main" xmlns:r="http://schemas.openxmlformats.org/officeDocument/2006/relationships" xmlns:p="http://schemas.openxmlformats.org/presentationml/2006/main">
   <p:cSld>
     <p:spTree>
       <p:nvGrpSpPr>
@@ -11399,7 +11635,9 @@
       <p:sp>
         <p:nvSpPr>
           <p:cNvPr id="390" name="Titolo 52"/>
-          <p:cNvSpPr txBox="1"/>
+          <p:cNvSpPr txBox="1">
+            <a:spLocks noGrp="1"/>
+          </p:cNvSpPr>
           <p:nvPr>
             <p:ph type="ctrTitle"/>
           </p:nvPr>
@@ -11417,7 +11655,6 @@
           <a:bodyPr/>
           <a:lstStyle/>
           <a:p>
-            <a:pPr/>
             <a:r>
               <a:t>Smart Warehouse</a:t>
             </a:r>
@@ -11427,7 +11664,9 @@
       <p:sp>
         <p:nvSpPr>
           <p:cNvPr id="391" name="Sottotitolo 2"/>
-          <p:cNvSpPr txBox="1"/>
+          <p:cNvSpPr txBox="1">
+            <a:spLocks noGrp="1"/>
+          </p:cNvSpPr>
           <p:nvPr>
             <p:ph type="subTitle" sz="quarter" idx="1"/>
           </p:nvPr>
@@ -11487,7 +11726,7 @@
           </a:ln>
           <a:extLst>
             <a:ext uri="{C572A759-6A51-4108-AA02-DFA0A04FC94B}">
-              <ma14:wrappingTextBoxFlag xmlns:ma14="http://schemas.microsoft.com/office/mac/drawingml/2011/main" val="1"/>
+              <ma14:wrappingTextBoxFlag xmlns:ma14="http://schemas.microsoft.com/office/mac/drawingml/2011/main" xmlns:a14="http://schemas.microsoft.com/office/drawing/2010/main" xmlns:m="http://schemas.openxmlformats.org/officeDocument/2006/math" xmlns="" val="1"/>
             </a:ext>
           </a:extLst>
         </p:spPr>
@@ -11497,25 +11736,21 @@
           </a:bodyPr>
           <a:lstStyle/>
           <a:p>
-            <a:pPr/>
             <a:r>
               <a:t>Giulia Trespiolli</a:t>
             </a:r>
           </a:p>
           <a:p>
-            <a:pPr/>
             <a:r>
               <a:t>Vincenzo Del Grosso</a:t>
             </a:r>
           </a:p>
           <a:p>
-            <a:pPr/>
             <a:r>
               <a:t>Francesco Borderi </a:t>
             </a:r>
           </a:p>
           <a:p>
-            <a:pPr/>
             <a:r>
               <a:t>Aurora Rosciano</a:t>
             </a:r>
@@ -11541,7 +11776,7 @@
           </a:ln>
           <a:extLst>
             <a:ext uri="{C572A759-6A51-4108-AA02-DFA0A04FC94B}">
-              <ma14:wrappingTextBoxFlag xmlns:ma14="http://schemas.microsoft.com/office/mac/drawingml/2011/main" val="1"/>
+              <ma14:wrappingTextBoxFlag xmlns:ma14="http://schemas.microsoft.com/office/mac/drawingml/2011/main" xmlns:a14="http://schemas.microsoft.com/office/drawing/2010/main" xmlns:m="http://schemas.openxmlformats.org/officeDocument/2006/math" xmlns="" val="1"/>
             </a:ext>
           </a:extLst>
         </p:spPr>
@@ -11561,7 +11796,6 @@
             </a:r>
           </a:p>
           <a:p>
-            <a:pPr/>
             <a:r>
               <a:t>A.A. 2023/2024</a:t>
             </a:r>
@@ -11577,10 +11811,8 @@
           <p:nvPr/>
         </p:nvPicPr>
         <p:blipFill>
-          <a:blip r:embed="rId2">
-            <a:extLst/>
-          </a:blip>
-          <a:srcRect l="56" t="0" r="56" b="0"/>
+          <a:blip r:embed="rId2"/>
+          <a:srcRect l="56" r="56"/>
           <a:stretch>
             <a:fillRect/>
           </a:stretch>
@@ -11610,7 +11842,7 @@
             </a:cxnLst>
             <a:rect l="0" t="0" r="r" b="b"/>
             <a:pathLst>
-              <a:path w="21600" h="21600" fill="norm" stroke="1" extrusionOk="0">
+              <a:path w="21600" h="21600" extrusionOk="0">
                 <a:moveTo>
                   <a:pt x="10798" y="0"/>
                 </a:moveTo>
@@ -11648,12 +11880,12 @@
   <p:clrMapOvr>
     <a:masterClrMapping/>
   </p:clrMapOvr>
-  <p:transition xmlns:p14="http://schemas.microsoft.com/office/powerpoint/2010/main" spd="med" advClick="1"/>
+  <p:transition spd="med"/>
 </p:sld>
 </file>
 
 <file path=ppt/slides/slide10.xml><?xml version="1.0" encoding="utf-8"?>
-<p:sld xmlns:a="http://schemas.openxmlformats.org/drawingml/2006/main" xmlns:r="http://schemas.openxmlformats.org/officeDocument/2006/relationships" xmlns:p="http://schemas.openxmlformats.org/presentationml/2006/main" xmlns:m="http://schemas.openxmlformats.org/officeDocument/2006/math" xmlns:a14="http://schemas.microsoft.com/office/drawing/2010/main" showMasterSp="1" showMasterPhAnim="1">
+<p:sld xmlns:a="http://schemas.openxmlformats.org/drawingml/2006/main" xmlns:r="http://schemas.openxmlformats.org/officeDocument/2006/relationships" xmlns:p="http://schemas.openxmlformats.org/presentationml/2006/main">
   <p:cSld>
     <p:spTree>
       <p:nvGrpSpPr>
@@ -11672,7 +11904,9 @@
       <p:sp>
         <p:nvSpPr>
           <p:cNvPr id="482" name="Titolo 1"/>
-          <p:cNvSpPr txBox="1"/>
+          <p:cNvSpPr txBox="1">
+            <a:spLocks noGrp="1"/>
+          </p:cNvSpPr>
           <p:nvPr>
             <p:ph type="title"/>
           </p:nvPr>
@@ -11694,7 +11928,6 @@
             </a:lvl1pPr>
           </a:lstStyle>
           <a:p>
-            <a:pPr/>
             <a:r>
               <a:t>Progettazione Architetturale</a:t>
             </a:r>
@@ -11710,10 +11943,8 @@
           <p:nvPr/>
         </p:nvPicPr>
         <p:blipFill>
-          <a:blip r:embed="rId2">
-            <a:extLst/>
-          </a:blip>
-          <a:srcRect l="56" t="0" r="68" b="11"/>
+          <a:blip r:embed="rId2"/>
+          <a:srcRect l="56" r="68" b="11"/>
           <a:stretch>
             <a:fillRect/>
           </a:stretch>
@@ -11743,7 +11974,7 @@
             </a:cxnLst>
             <a:rect l="0" t="0" r="r" b="b"/>
             <a:pathLst>
-              <a:path w="21600" h="21600" fill="norm" stroke="1" extrusionOk="0">
+              <a:path w="21600" h="21600" extrusionOk="0">
                 <a:moveTo>
                   <a:pt x="10800" y="0"/>
                 </a:moveTo>
@@ -11781,12 +12012,12 @@
   <p:clrMapOvr>
     <a:masterClrMapping/>
   </p:clrMapOvr>
-  <p:transition xmlns:p14="http://schemas.microsoft.com/office/powerpoint/2010/main" spd="med" advClick="1"/>
+  <p:transition spd="med"/>
 </p:sld>
 </file>
 
 <file path=ppt/slides/slide11.xml><?xml version="1.0" encoding="utf-8"?>
-<p:sld xmlns:a="http://schemas.openxmlformats.org/drawingml/2006/main" xmlns:r="http://schemas.openxmlformats.org/officeDocument/2006/relationships" xmlns:p="http://schemas.openxmlformats.org/presentationml/2006/main" xmlns:m="http://schemas.openxmlformats.org/officeDocument/2006/math" xmlns:a14="http://schemas.microsoft.com/office/drawing/2010/main" showMasterSp="1" showMasterPhAnim="1">
+<p:sld xmlns:a="http://schemas.openxmlformats.org/drawingml/2006/main" xmlns:r="http://schemas.openxmlformats.org/officeDocument/2006/relationships" xmlns:p="http://schemas.openxmlformats.org/presentationml/2006/main">
   <p:cSld>
     <p:spTree>
       <p:nvGrpSpPr>
@@ -11821,7 +12052,7 @@
           </a:ln>
           <a:extLst>
             <a:ext uri="{C572A759-6A51-4108-AA02-DFA0A04FC94B}">
-              <ma14:wrappingTextBoxFlag xmlns:ma14="http://schemas.microsoft.com/office/mac/drawingml/2011/main" val="1"/>
+              <ma14:wrappingTextBoxFlag xmlns:ma14="http://schemas.microsoft.com/office/mac/drawingml/2011/main" xmlns:a14="http://schemas.microsoft.com/office/drawing/2010/main" xmlns:m="http://schemas.openxmlformats.org/officeDocument/2006/math" xmlns="" val="1"/>
             </a:ext>
           </a:extLst>
         </p:spPr>
@@ -11835,7 +12066,6 @@
             </a:lvl1pPr>
           </a:lstStyle>
           <a:p>
-            <a:pPr/>
             <a:r>
               <a:t>Progetto J24 università degli studi di pavia</a:t>
             </a:r>
@@ -11845,7 +12075,9 @@
       <p:sp>
         <p:nvSpPr>
           <p:cNvPr id="486" name="Titolo 1"/>
-          <p:cNvSpPr txBox="1"/>
+          <p:cNvSpPr txBox="1">
+            <a:spLocks noGrp="1"/>
+          </p:cNvSpPr>
           <p:nvPr>
             <p:ph type="title"/>
           </p:nvPr>
@@ -11867,7 +12099,6 @@
             </a:lvl1pPr>
           </a:lstStyle>
           <a:p>
-            <a:pPr/>
             <a:r>
               <a:t>Architettura MVC</a:t>
             </a:r>
@@ -11877,7 +12108,9 @@
       <p:sp>
         <p:nvSpPr>
           <p:cNvPr id="487" name="Segnaposto contenuto 2"/>
-          <p:cNvSpPr txBox="1"/>
+          <p:cNvSpPr txBox="1">
+            <a:spLocks noGrp="1"/>
+          </p:cNvSpPr>
           <p:nvPr>
             <p:ph type="body" sz="half" idx="1"/>
           </p:nvPr>
@@ -11906,6 +12139,7 @@
             <a:pPr defTabSz="475487">
               <a:defRPr sz="2184"/>
             </a:pPr>
+            <a:endParaRPr/>
           </a:p>
           <a:p>
             <a:pPr defTabSz="475487">
@@ -11919,18 +12153,22 @@
             <a:pPr defTabSz="475487">
               <a:defRPr sz="1924"/>
             </a:pPr>
+            <a:endParaRPr/>
           </a:p>
           <a:p>
             <a:pPr defTabSz="475487">
               <a:defRPr sz="1924"/>
             </a:pPr>
+            <a:endParaRPr/>
           </a:p>
         </p:txBody>
       </p:sp>
       <p:sp>
         <p:nvSpPr>
           <p:cNvPr id="488" name="Segnaposto testo 3"/>
-          <p:cNvSpPr/>
+          <p:cNvSpPr>
+            <a:spLocks noGrp="1"/>
+          </p:cNvSpPr>
           <p:nvPr>
             <p:ph type="body" idx="21"/>
           </p:nvPr>
@@ -11944,7 +12182,7 @@
           <a:bodyPr/>
           <a:lstStyle/>
           <a:p>
-            <a:pPr/>
+            <a:endParaRPr/>
           </a:p>
         </p:txBody>
       </p:sp>
@@ -11957,10 +12195,8 @@
           <p:nvPr/>
         </p:nvPicPr>
         <p:blipFill>
-          <a:blip r:embed="rId2">
-            <a:extLst/>
-          </a:blip>
-          <a:srcRect l="56" t="0" r="31" b="0"/>
+          <a:blip r:embed="rId2"/>
+          <a:srcRect l="56" r="31"/>
           <a:stretch>
             <a:fillRect/>
           </a:stretch>
@@ -11990,7 +12226,7 @@
             </a:cxnLst>
             <a:rect l="0" t="0" r="r" b="b"/>
             <a:pathLst>
-              <a:path w="21600" h="21600" fill="norm" stroke="1" extrusionOk="0">
+              <a:path w="21600" h="21600" extrusionOk="0">
                 <a:moveTo>
                   <a:pt x="10800" y="0"/>
                 </a:moveTo>
@@ -12028,12 +12264,12 @@
   <p:clrMapOvr>
     <a:masterClrMapping/>
   </p:clrMapOvr>
-  <p:transition xmlns:p14="http://schemas.microsoft.com/office/powerpoint/2010/main" spd="med" advClick="1"/>
+  <p:transition spd="med"/>
 </p:sld>
 </file>
 
 <file path=ppt/slides/slide12.xml><?xml version="1.0" encoding="utf-8"?>
-<p:sld xmlns:a="http://schemas.openxmlformats.org/drawingml/2006/main" xmlns:r="http://schemas.openxmlformats.org/officeDocument/2006/relationships" xmlns:p="http://schemas.openxmlformats.org/presentationml/2006/main" xmlns:m="http://schemas.openxmlformats.org/officeDocument/2006/math" xmlns:a14="http://schemas.microsoft.com/office/drawing/2010/main" showMasterSp="1" showMasterPhAnim="1">
+<p:sld xmlns:a="http://schemas.openxmlformats.org/drawingml/2006/main" xmlns:r="http://schemas.openxmlformats.org/officeDocument/2006/relationships" xmlns:p="http://schemas.openxmlformats.org/presentationml/2006/main">
   <p:cSld>
     <p:spTree>
       <p:nvGrpSpPr>
@@ -12052,7 +12288,9 @@
       <p:sp>
         <p:nvSpPr>
           <p:cNvPr id="491" name="Inventario"/>
-          <p:cNvSpPr txBox="1"/>
+          <p:cNvSpPr txBox="1">
+            <a:spLocks noGrp="1"/>
+          </p:cNvSpPr>
           <p:nvPr>
             <p:ph type="title"/>
           </p:nvPr>
@@ -12070,7 +12308,6 @@
             </a:lvl1pPr>
           </a:lstStyle>
           <a:p>
-            <a:pPr/>
             <a:r>
               <a:t>Inventario</a:t>
             </a:r>
@@ -12080,7 +12317,9 @@
       <p:sp>
         <p:nvSpPr>
           <p:cNvPr id="492" name="Elenco di tutti gli articoli…"/>
-          <p:cNvSpPr txBox="1"/>
+          <p:cNvSpPr txBox="1">
+            <a:spLocks noGrp="1"/>
+          </p:cNvSpPr>
           <p:nvPr>
             <p:ph type="body" sz="quarter" idx="1"/>
           </p:nvPr>
@@ -12186,9 +12425,7 @@
           <p:nvPr/>
         </p:nvPicPr>
         <p:blipFill>
-          <a:blip r:embed="rId3">
-            <a:extLst/>
-          </a:blip>
+          <a:blip r:embed="rId3"/>
           <a:stretch>
             <a:fillRect/>
           </a:stretch>
@@ -12211,12 +12448,12 @@
   <p:clrMapOvr>
     <a:masterClrMapping/>
   </p:clrMapOvr>
-  <p:transition xmlns:p14="http://schemas.microsoft.com/office/powerpoint/2010/main" spd="med" advClick="1"/>
+  <p:transition spd="med"/>
 </p:sld>
 </file>
 
 <file path=ppt/slides/slide13.xml><?xml version="1.0" encoding="utf-8"?>
-<p:sld xmlns:a="http://schemas.openxmlformats.org/drawingml/2006/main" xmlns:r="http://schemas.openxmlformats.org/officeDocument/2006/relationships" xmlns:p="http://schemas.openxmlformats.org/presentationml/2006/main" xmlns:m="http://schemas.openxmlformats.org/officeDocument/2006/math" xmlns:a14="http://schemas.microsoft.com/office/drawing/2010/main" showMasterSp="1" showMasterPhAnim="1">
+<p:sld xmlns:a="http://schemas.openxmlformats.org/drawingml/2006/main" xmlns:r="http://schemas.openxmlformats.org/officeDocument/2006/relationships" xmlns:p="http://schemas.openxmlformats.org/presentationml/2006/main">
   <p:cSld>
     <p:spTree>
       <p:nvGrpSpPr>
@@ -12235,7 +12472,9 @@
       <p:sp>
         <p:nvSpPr>
           <p:cNvPr id="495" name="Rifornimento"/>
-          <p:cNvSpPr txBox="1"/>
+          <p:cNvSpPr txBox="1">
+            <a:spLocks noGrp="1"/>
+          </p:cNvSpPr>
           <p:nvPr>
             <p:ph type="title"/>
           </p:nvPr>
@@ -12253,7 +12492,6 @@
             </a:lvl1pPr>
           </a:lstStyle>
           <a:p>
-            <a:pPr/>
             <a:r>
               <a:t>Rifornimento</a:t>
             </a:r>
@@ -12263,7 +12501,9 @@
       <p:sp>
         <p:nvSpPr>
           <p:cNvPr id="496" name="Controllo dell’autorizzazione (SupplyOperator)…"/>
-          <p:cNvSpPr txBox="1"/>
+          <p:cNvSpPr txBox="1">
+            <a:spLocks noGrp="1"/>
+          </p:cNvSpPr>
           <p:nvPr>
             <p:ph type="body" sz="half" idx="1"/>
           </p:nvPr>
@@ -12330,9 +12570,7 @@
           <p:nvPr/>
         </p:nvPicPr>
         <p:blipFill>
-          <a:blip r:embed="rId3">
-            <a:extLst/>
-          </a:blip>
+          <a:blip r:embed="rId3"/>
           <a:srcRect l="16201" t="13953" r="21459" b="19047"/>
           <a:stretch>
             <a:fillRect/>
@@ -12360,9 +12598,7 @@
           <p:nvPr/>
         </p:nvPicPr>
         <p:blipFill>
-          <a:blip r:embed="rId4">
-            <a:extLst/>
-          </a:blip>
+          <a:blip r:embed="rId4"/>
           <a:stretch>
             <a:fillRect/>
           </a:stretch>
@@ -12385,12 +12621,12 @@
   <p:clrMapOvr>
     <a:masterClrMapping/>
   </p:clrMapOvr>
-  <p:transition xmlns:p14="http://schemas.microsoft.com/office/powerpoint/2010/main" spd="med" advClick="1"/>
+  <p:transition spd="med"/>
 </p:sld>
 </file>
 
 <file path=ppt/slides/slide14.xml><?xml version="1.0" encoding="utf-8"?>
-<p:sld xmlns:a="http://schemas.openxmlformats.org/drawingml/2006/main" xmlns:r="http://schemas.openxmlformats.org/officeDocument/2006/relationships" xmlns:p="http://schemas.openxmlformats.org/presentationml/2006/main" xmlns:m="http://schemas.openxmlformats.org/officeDocument/2006/math" xmlns:a14="http://schemas.microsoft.com/office/drawing/2010/main" showMasterSp="1" showMasterPhAnim="1">
+<p:sld xmlns:a="http://schemas.openxmlformats.org/drawingml/2006/main" xmlns:r="http://schemas.openxmlformats.org/officeDocument/2006/relationships" xmlns:p="http://schemas.openxmlformats.org/presentationml/2006/main">
   <p:cSld>
     <p:spTree>
       <p:nvGrpSpPr>
@@ -12409,7 +12645,9 @@
       <p:sp>
         <p:nvSpPr>
           <p:cNvPr id="500" name="Rifornimento"/>
-          <p:cNvSpPr txBox="1"/>
+          <p:cNvSpPr txBox="1">
+            <a:spLocks noGrp="1"/>
+          </p:cNvSpPr>
           <p:nvPr>
             <p:ph type="title"/>
           </p:nvPr>
@@ -12427,7 +12665,6 @@
             </a:lvl1pPr>
           </a:lstStyle>
           <a:p>
-            <a:pPr/>
             <a:r>
               <a:t>Rifornimento</a:t>
             </a:r>
@@ -12437,7 +12674,9 @@
       <p:sp>
         <p:nvSpPr>
           <p:cNvPr id="501" name="Gestione efficiente delle forniture con:…"/>
-          <p:cNvSpPr txBox="1"/>
+          <p:cNvSpPr txBox="1">
+            <a:spLocks noGrp="1"/>
+          </p:cNvSpPr>
           <p:nvPr>
             <p:ph type="body" sz="quarter" idx="1"/>
           </p:nvPr>
@@ -12502,10 +12741,8 @@
           <p:nvPr/>
         </p:nvPicPr>
         <p:blipFill>
-          <a:blip r:embed="rId3">
-            <a:extLst/>
-          </a:blip>
-          <a:srcRect l="5777" t="0" r="5777" b="0"/>
+          <a:blip r:embed="rId3"/>
+          <a:srcRect l="5777" r="5777"/>
           <a:stretch>
             <a:fillRect/>
           </a:stretch>
@@ -12532,10 +12769,8 @@
           <p:nvPr/>
         </p:nvPicPr>
         <p:blipFill>
-          <a:blip r:embed="rId4">
-            <a:extLst/>
-          </a:blip>
-          <a:srcRect l="0" t="12457" r="0" b="0"/>
+          <a:blip r:embed="rId4"/>
+          <a:srcRect t="12457"/>
           <a:stretch>
             <a:fillRect/>
           </a:stretch>
@@ -12558,12 +12793,12 @@
   <p:clrMapOvr>
     <a:masterClrMapping/>
   </p:clrMapOvr>
-  <p:transition xmlns:p14="http://schemas.microsoft.com/office/powerpoint/2010/main" spd="med" advClick="1"/>
+  <p:transition spd="med"/>
 </p:sld>
 </file>
 
 <file path=ppt/slides/slide15.xml><?xml version="1.0" encoding="utf-8"?>
-<p:sld xmlns:a="http://schemas.openxmlformats.org/drawingml/2006/main" xmlns:r="http://schemas.openxmlformats.org/officeDocument/2006/relationships" xmlns:p="http://schemas.openxmlformats.org/presentationml/2006/main" xmlns:m="http://schemas.openxmlformats.org/officeDocument/2006/math" xmlns:a14="http://schemas.microsoft.com/office/drawing/2010/main" showMasterSp="1" showMasterPhAnim="1">
+<p:sld xmlns:a="http://schemas.openxmlformats.org/drawingml/2006/main" xmlns:r="http://schemas.openxmlformats.org/officeDocument/2006/relationships" xmlns:p="http://schemas.openxmlformats.org/presentationml/2006/main">
   <p:cSld>
     <p:spTree>
       <p:nvGrpSpPr>
@@ -12582,7 +12817,9 @@
       <p:sp>
         <p:nvSpPr>
           <p:cNvPr id="505" name="Pattern"/>
-          <p:cNvSpPr txBox="1"/>
+          <p:cNvSpPr txBox="1">
+            <a:spLocks noGrp="1"/>
+          </p:cNvSpPr>
           <p:nvPr>
             <p:ph type="title"/>
           </p:nvPr>
@@ -12600,7 +12837,6 @@
             </a:lvl1pPr>
           </a:lstStyle>
           <a:p>
-            <a:pPr/>
             <a:r>
               <a:t>Pattern </a:t>
             </a:r>
@@ -12610,7 +12846,9 @@
       <p:sp>
         <p:nvSpPr>
           <p:cNvPr id="506" name="DAO…"/>
-          <p:cNvSpPr txBox="1"/>
+          <p:cNvSpPr txBox="1">
+            <a:spLocks noGrp="1"/>
+          </p:cNvSpPr>
           <p:nvPr>
             <p:ph type="body" sz="quarter" idx="1"/>
           </p:nvPr>
@@ -12699,9 +12937,7 @@
           <p:nvPr/>
         </p:nvPicPr>
         <p:blipFill>
-          <a:blip r:embed="rId3">
-            <a:extLst/>
-          </a:blip>
+          <a:blip r:embed="rId3"/>
           <a:stretch>
             <a:fillRect/>
           </a:stretch>
@@ -12738,7 +12974,7 @@
           </a:ln>
           <a:extLst>
             <a:ext uri="{C572A759-6A51-4108-AA02-DFA0A04FC94B}">
-              <ma14:wrappingTextBoxFlag xmlns:ma14="http://schemas.microsoft.com/office/mac/drawingml/2011/main" val="1"/>
+              <ma14:wrappingTextBoxFlag xmlns:ma14="http://schemas.microsoft.com/office/mac/drawingml/2011/main" xmlns:a14="http://schemas.microsoft.com/office/drawing/2010/main" xmlns:m="http://schemas.openxmlformats.org/officeDocument/2006/math" xmlns="" val="1"/>
             </a:ext>
           </a:extLst>
         </p:spPr>
@@ -12748,7 +12984,6 @@
           </a:bodyPr>
           <a:lstStyle/>
           <a:p>
-            <a:pPr/>
             <a:r>
               <a:t>Strategy</a:t>
             </a:r>
@@ -12771,12 +13006,12 @@
   <p:clrMapOvr>
     <a:masterClrMapping/>
   </p:clrMapOvr>
-  <p:transition xmlns:p14="http://schemas.microsoft.com/office/powerpoint/2010/main" spd="med" advClick="1"/>
+  <p:transition spd="med"/>
 </p:sld>
 </file>
 
 <file path=ppt/slides/slide16.xml><?xml version="1.0" encoding="utf-8"?>
-<p:sld xmlns:a="http://schemas.openxmlformats.org/drawingml/2006/main" xmlns:r="http://schemas.openxmlformats.org/officeDocument/2006/relationships" xmlns:p="http://schemas.openxmlformats.org/presentationml/2006/main" xmlns:m="http://schemas.openxmlformats.org/officeDocument/2006/math" xmlns:a14="http://schemas.microsoft.com/office/drawing/2010/main" showMasterSp="1" showMasterPhAnim="1">
+<p:sld xmlns:a="http://schemas.openxmlformats.org/drawingml/2006/main" xmlns:r="http://schemas.openxmlformats.org/officeDocument/2006/relationships" xmlns:p="http://schemas.openxmlformats.org/presentationml/2006/main">
   <p:cSld>
     <p:spTree>
       <p:nvGrpSpPr>
@@ -12794,117 +13029,66 @@
       </p:grpSpPr>
       <p:sp>
         <p:nvSpPr>
-          <p:cNvPr id="510" name="Titolo 1"/>
-          <p:cNvSpPr txBox="1"/>
+          <p:cNvPr id="2" name="Titolo 1">
+            <a:extLst>
+              <a:ext uri="{FF2B5EF4-FFF2-40B4-BE49-F238E27FC236}">
+                <a16:creationId xmlns:a16="http://schemas.microsoft.com/office/drawing/2014/main" id="{96377B9A-5C4A-81DF-F91C-6B77DDF6E412}"/>
+              </a:ext>
+            </a:extLst>
+          </p:cNvPr>
+          <p:cNvSpPr>
+            <a:spLocks noGrp="1"/>
+          </p:cNvSpPr>
           <p:nvPr>
             <p:ph type="title"/>
           </p:nvPr>
         </p:nvSpPr>
-        <p:spPr>
-          <a:xfrm>
-            <a:off x="5170935" y="2015318"/>
-            <a:ext cx="5718738" cy="1975105"/>
-          </a:xfrm>
-          <a:prstGeom prst="rect">
-            <a:avLst/>
-          </a:prstGeom>
-        </p:spPr>
+        <p:spPr/>
         <p:txBody>
           <a:bodyPr/>
-          <a:lstStyle>
-            <a:lvl1pPr defTabSz="768095">
-              <a:defRPr sz="5544"/>
-            </a:lvl1pPr>
-          </a:lstStyle>
-          <a:p>
-            <a:pPr/>
-            <a:r>
-              <a:t>Grazie per l’attenzione</a:t>
-            </a:r>
-          </a:p>
-        </p:txBody>
-      </p:sp>
-      <p:sp>
-        <p:nvSpPr>
-          <p:cNvPr id="511" name="Segnaposto testo 2"/>
-          <p:cNvSpPr txBox="1"/>
-          <p:nvPr>
-            <p:ph type="body" sz="quarter" idx="1"/>
-          </p:nvPr>
-        </p:nvSpPr>
-        <p:spPr>
-          <a:xfrm>
-            <a:off x="5170935" y="4336424"/>
-            <a:ext cx="3081529" cy="1170433"/>
-          </a:xfrm>
-          <a:prstGeom prst="rect">
-            <a:avLst/>
-          </a:prstGeom>
-        </p:spPr>
+          <a:lstStyle/>
+          <a:p>
+            <a:endParaRPr lang="it-IT" dirty="0"/>
+          </a:p>
+        </p:txBody>
+      </p:sp>
+      <p:sp>
+        <p:nvSpPr>
+          <p:cNvPr id="3" name="Segnaposto testo 2">
+            <a:extLst>
+              <a:ext uri="{FF2B5EF4-FFF2-40B4-BE49-F238E27FC236}">
+                <a16:creationId xmlns:a16="http://schemas.microsoft.com/office/drawing/2014/main" id="{C9C3239A-32AA-CFB4-114F-A41357D91C11}"/>
+              </a:ext>
+            </a:extLst>
+          </p:cNvPr>
+          <p:cNvSpPr>
+            <a:spLocks noGrp="1"/>
+          </p:cNvSpPr>
+          <p:nvPr>
+            <p:ph type="body" idx="1"/>
+          </p:nvPr>
+        </p:nvSpPr>
+        <p:spPr/>
         <p:txBody>
           <a:bodyPr/>
           <a:lstStyle/>
           <a:p>
-            <a:pPr defTabSz="795527">
-              <a:lnSpc>
-                <a:spcPct val="72000"/>
-              </a:lnSpc>
-              <a:spcBef>
-                <a:spcPts val="800"/>
-              </a:spcBef>
-              <a:defRPr sz="1305"/>
+            <a:pPr marL="0" indent="0">
+              <a:buNone/>
             </a:pPr>
-            <a:r>
-              <a:t>giul02</a:t>
-            </a:r>
-          </a:p>
-          <a:p>
-            <a:pPr defTabSz="795527">
-              <a:lnSpc>
-                <a:spcPct val="72000"/>
-              </a:lnSpc>
-              <a:spcBef>
-                <a:spcPts val="800"/>
-              </a:spcBef>
-              <a:defRPr sz="1305"/>
-            </a:pPr>
-            <a:r>
-              <a:t>cienzman</a:t>
-            </a:r>
-          </a:p>
-          <a:p>
-            <a:pPr defTabSz="795527">
-              <a:lnSpc>
-                <a:spcPct val="72000"/>
-              </a:lnSpc>
-              <a:spcBef>
-                <a:spcPts val="800"/>
-              </a:spcBef>
-              <a:defRPr sz="1305"/>
-            </a:pPr>
-            <a:r>
-              <a:t>frazz02</a:t>
-            </a:r>
-          </a:p>
-          <a:p>
-            <a:pPr defTabSz="795527">
-              <a:lnSpc>
-                <a:spcPct val="72000"/>
-              </a:lnSpc>
-              <a:spcBef>
-                <a:spcPts val="800"/>
-              </a:spcBef>
-              <a:defRPr sz="1305"/>
-            </a:pPr>
-            <a:r>
-              <a:t>rosci01</a:t>
-            </a:r>
+            <a:endParaRPr lang="it-IT" dirty="0"/>
           </a:p>
         </p:txBody>
       </p:sp>
       <p:pic>
         <p:nvPicPr>
-          <p:cNvPr id="512" name="Segnaposto immagine 17" descr="Segnaposto immagine 17"/>
+          <p:cNvPr id="7" name="Immagine 6" descr="Immagine che contiene testo, schermata, Carattere, numero&#10;&#10;Descrizione generata automaticamente">
+            <a:extLst>
+              <a:ext uri="{FF2B5EF4-FFF2-40B4-BE49-F238E27FC236}">
+                <a16:creationId xmlns:a16="http://schemas.microsoft.com/office/drawing/2014/main" id="{1B4419C1-8834-F3DA-55E6-5AE76712BD01}"/>
+              </a:ext>
+            </a:extLst>
+          </p:cNvPr>
           <p:cNvPicPr>
             <a:picLocks noChangeAspect="1"/>
           </p:cNvPicPr>
@@ -12912,17 +13096,456 @@
         </p:nvPicPr>
         <p:blipFill>
           <a:blip r:embed="rId2">
-            <a:extLst/>
+            <a:extLst>
+              <a:ext uri="{28A0092B-C50C-407E-A947-70E740481C1C}">
+                <a14:useLocalDpi xmlns:a14="http://schemas.microsoft.com/office/drawing/2010/main" val="0"/>
+              </a:ext>
+            </a:extLst>
           </a:blip>
-          <a:srcRect l="56" t="0" r="51" b="0"/>
           <a:stretch>
             <a:fillRect/>
           </a:stretch>
         </p:blipFill>
         <p:spPr>
           <a:xfrm>
-            <a:off x="10016534" y="4738254"/>
-            <a:ext cx="1363664" cy="1363591"/>
+            <a:off x="0" y="0"/>
+            <a:ext cx="12192000" cy="6858000"/>
+          </a:xfrm>
+          <a:prstGeom prst="rect">
+            <a:avLst/>
+          </a:prstGeom>
+        </p:spPr>
+      </p:pic>
+    </p:spTree>
+    <p:extLst>
+      <p:ext uri="{BB962C8B-B14F-4D97-AF65-F5344CB8AC3E}">
+        <p14:creationId xmlns:p14="http://schemas.microsoft.com/office/powerpoint/2010/main" val="920774086"/>
+      </p:ext>
+    </p:extLst>
+  </p:cSld>
+  <p:clrMapOvr>
+    <a:masterClrMapping/>
+  </p:clrMapOvr>
+  <p:transition spd="med"/>
+</p:sld>
+</file>
+
+<file path=ppt/slides/slide17.xml><?xml version="1.0" encoding="utf-8"?>
+<p:sld xmlns:a="http://schemas.openxmlformats.org/drawingml/2006/main" xmlns:r="http://schemas.openxmlformats.org/officeDocument/2006/relationships" xmlns:p="http://schemas.openxmlformats.org/presentationml/2006/main">
+  <p:cSld>
+    <p:spTree>
+      <p:nvGrpSpPr>
+        <p:cNvPr id="1" name=""/>
+        <p:cNvGrpSpPr/>
+        <p:nvPr/>
+      </p:nvGrpSpPr>
+      <p:grpSpPr>
+        <a:xfrm>
+          <a:off x="0" y="0"/>
+          <a:ext cx="0" cy="0"/>
+          <a:chOff x="0" y="0"/>
+          <a:chExt cx="0" cy="0"/>
+        </a:xfrm>
+      </p:grpSpPr>
+      <p:sp>
+        <p:nvSpPr>
+          <p:cNvPr id="2" name="Titolo 1">
+            <a:extLst>
+              <a:ext uri="{FF2B5EF4-FFF2-40B4-BE49-F238E27FC236}">
+                <a16:creationId xmlns:a16="http://schemas.microsoft.com/office/drawing/2014/main" id="{FB3EF436-E420-2F39-9984-EE510408238C}"/>
+              </a:ext>
+            </a:extLst>
+          </p:cNvPr>
+          <p:cNvSpPr>
+            <a:spLocks noGrp="1"/>
+          </p:cNvSpPr>
+          <p:nvPr>
+            <p:ph type="title"/>
+          </p:nvPr>
+        </p:nvSpPr>
+        <p:spPr/>
+        <p:txBody>
+          <a:bodyPr/>
+          <a:lstStyle/>
+          <a:p>
+            <a:endParaRPr lang="it-IT"/>
+          </a:p>
+        </p:txBody>
+      </p:sp>
+      <p:sp>
+        <p:nvSpPr>
+          <p:cNvPr id="3" name="Segnaposto testo 2">
+            <a:extLst>
+              <a:ext uri="{FF2B5EF4-FFF2-40B4-BE49-F238E27FC236}">
+                <a16:creationId xmlns:a16="http://schemas.microsoft.com/office/drawing/2014/main" id="{AB9F886D-7BAB-B73D-8D94-A9FE48983D64}"/>
+              </a:ext>
+            </a:extLst>
+          </p:cNvPr>
+          <p:cNvSpPr>
+            <a:spLocks noGrp="1"/>
+          </p:cNvSpPr>
+          <p:nvPr>
+            <p:ph type="body" idx="1"/>
+          </p:nvPr>
+        </p:nvSpPr>
+        <p:spPr/>
+        <p:txBody>
+          <a:bodyPr/>
+          <a:lstStyle/>
+          <a:p>
+            <a:endParaRPr lang="it-IT"/>
+          </a:p>
+        </p:txBody>
+      </p:sp>
+      <p:pic>
+        <p:nvPicPr>
+          <p:cNvPr id="5" name="Immagine 4" descr="Immagine che contiene testo, schermata, software, Pagina Web&#10;&#10;Descrizione generata automaticamente">
+            <a:extLst>
+              <a:ext uri="{FF2B5EF4-FFF2-40B4-BE49-F238E27FC236}">
+                <a16:creationId xmlns:a16="http://schemas.microsoft.com/office/drawing/2014/main" id="{645A7A0B-9EE2-3BF1-4979-0A1072DD9EF4}"/>
+              </a:ext>
+            </a:extLst>
+          </p:cNvPr>
+          <p:cNvPicPr>
+            <a:picLocks noChangeAspect="1"/>
+          </p:cNvPicPr>
+          <p:nvPr/>
+        </p:nvPicPr>
+        <p:blipFill>
+          <a:blip r:embed="rId2">
+            <a:extLst>
+              <a:ext uri="{28A0092B-C50C-407E-A947-70E740481C1C}">
+                <a14:useLocalDpi xmlns:a14="http://schemas.microsoft.com/office/drawing/2010/main" val="0"/>
+              </a:ext>
+            </a:extLst>
+          </a:blip>
+          <a:stretch>
+            <a:fillRect/>
+          </a:stretch>
+        </p:blipFill>
+        <p:spPr>
+          <a:xfrm>
+            <a:off x="0" y="0"/>
+            <a:ext cx="12192000" cy="6858000"/>
+          </a:xfrm>
+          <a:prstGeom prst="rect">
+            <a:avLst/>
+          </a:prstGeom>
+        </p:spPr>
+      </p:pic>
+    </p:spTree>
+    <p:extLst>
+      <p:ext uri="{BB962C8B-B14F-4D97-AF65-F5344CB8AC3E}">
+        <p14:creationId xmlns:p14="http://schemas.microsoft.com/office/powerpoint/2010/main" val="1428952338"/>
+      </p:ext>
+    </p:extLst>
+  </p:cSld>
+  <p:clrMapOvr>
+    <a:masterClrMapping/>
+  </p:clrMapOvr>
+  <p:transition spd="med"/>
+</p:sld>
+</file>
+
+<file path=ppt/slides/slide18.xml><?xml version="1.0" encoding="utf-8"?>
+<p:sld xmlns:a="http://schemas.openxmlformats.org/drawingml/2006/main" xmlns:r="http://schemas.openxmlformats.org/officeDocument/2006/relationships" xmlns:p="http://schemas.openxmlformats.org/presentationml/2006/main">
+  <p:cSld>
+    <p:spTree>
+      <p:nvGrpSpPr>
+        <p:cNvPr id="1" name=""/>
+        <p:cNvGrpSpPr/>
+        <p:nvPr/>
+      </p:nvGrpSpPr>
+      <p:grpSpPr>
+        <a:xfrm>
+          <a:off x="0" y="0"/>
+          <a:ext cx="0" cy="0"/>
+          <a:chOff x="0" y="0"/>
+          <a:chExt cx="0" cy="0"/>
+        </a:xfrm>
+      </p:grpSpPr>
+      <p:sp>
+        <p:nvSpPr>
+          <p:cNvPr id="2" name="Titolo 1">
+            <a:extLst>
+              <a:ext uri="{FF2B5EF4-FFF2-40B4-BE49-F238E27FC236}">
+                <a16:creationId xmlns:a16="http://schemas.microsoft.com/office/drawing/2014/main" id="{8573BE18-824A-6C8E-B2C3-BCDC7E01EC67}"/>
+              </a:ext>
+            </a:extLst>
+          </p:cNvPr>
+          <p:cNvSpPr>
+            <a:spLocks noGrp="1"/>
+          </p:cNvSpPr>
+          <p:nvPr>
+            <p:ph type="title"/>
+          </p:nvPr>
+        </p:nvSpPr>
+        <p:spPr/>
+        <p:txBody>
+          <a:bodyPr/>
+          <a:lstStyle/>
+          <a:p>
+            <a:endParaRPr lang="it-IT"/>
+          </a:p>
+        </p:txBody>
+      </p:sp>
+      <p:sp>
+        <p:nvSpPr>
+          <p:cNvPr id="3" name="Segnaposto testo 2">
+            <a:extLst>
+              <a:ext uri="{FF2B5EF4-FFF2-40B4-BE49-F238E27FC236}">
+                <a16:creationId xmlns:a16="http://schemas.microsoft.com/office/drawing/2014/main" id="{FE06A926-347D-070F-133A-D12A33520966}"/>
+              </a:ext>
+            </a:extLst>
+          </p:cNvPr>
+          <p:cNvSpPr>
+            <a:spLocks noGrp="1"/>
+          </p:cNvSpPr>
+          <p:nvPr>
+            <p:ph type="body" idx="1"/>
+          </p:nvPr>
+        </p:nvSpPr>
+        <p:spPr/>
+        <p:txBody>
+          <a:bodyPr/>
+          <a:lstStyle/>
+          <a:p>
+            <a:endParaRPr lang="it-IT"/>
+          </a:p>
+        </p:txBody>
+      </p:sp>
+      <p:pic>
+        <p:nvPicPr>
+          <p:cNvPr id="5" name="Immagine 4" descr="Immagine che contiene testo, schermata, Carattere, diagramma&#10;&#10;Descrizione generata automaticamente">
+            <a:extLst>
+              <a:ext uri="{FF2B5EF4-FFF2-40B4-BE49-F238E27FC236}">
+                <a16:creationId xmlns:a16="http://schemas.microsoft.com/office/drawing/2014/main" id="{8DFD3B37-A0A0-BD30-31B4-02A17CFAE4F5}"/>
+              </a:ext>
+            </a:extLst>
+          </p:cNvPr>
+          <p:cNvPicPr>
+            <a:picLocks noChangeAspect="1"/>
+          </p:cNvPicPr>
+          <p:nvPr/>
+        </p:nvPicPr>
+        <p:blipFill>
+          <a:blip r:embed="rId2">
+            <a:extLst>
+              <a:ext uri="{28A0092B-C50C-407E-A947-70E740481C1C}">
+                <a14:useLocalDpi xmlns:a14="http://schemas.microsoft.com/office/drawing/2010/main" val="0"/>
+              </a:ext>
+            </a:extLst>
+          </a:blip>
+          <a:stretch>
+            <a:fillRect/>
+          </a:stretch>
+        </p:blipFill>
+        <p:spPr>
+          <a:xfrm>
+            <a:off x="0" y="0"/>
+            <a:ext cx="12192000" cy="6858000"/>
+          </a:xfrm>
+          <a:prstGeom prst="rect">
+            <a:avLst/>
+          </a:prstGeom>
+        </p:spPr>
+      </p:pic>
+    </p:spTree>
+    <p:extLst>
+      <p:ext uri="{BB962C8B-B14F-4D97-AF65-F5344CB8AC3E}">
+        <p14:creationId xmlns:p14="http://schemas.microsoft.com/office/powerpoint/2010/main" val="2449833664"/>
+      </p:ext>
+    </p:extLst>
+  </p:cSld>
+  <p:clrMapOvr>
+    <a:masterClrMapping/>
+  </p:clrMapOvr>
+  <p:transition spd="med"/>
+</p:sld>
+</file>
+
+<file path=ppt/slides/slide19.xml><?xml version="1.0" encoding="utf-8"?>
+<p:sld xmlns:a="http://schemas.openxmlformats.org/drawingml/2006/main" xmlns:r="http://schemas.openxmlformats.org/officeDocument/2006/relationships" xmlns:p="http://schemas.openxmlformats.org/presentationml/2006/main">
+  <p:cSld>
+    <p:spTree>
+      <p:nvGrpSpPr>
+        <p:cNvPr id="1" name=""/>
+        <p:cNvGrpSpPr/>
+        <p:nvPr/>
+      </p:nvGrpSpPr>
+      <p:grpSpPr>
+        <a:xfrm>
+          <a:off x="0" y="0"/>
+          <a:ext cx="0" cy="0"/>
+          <a:chOff x="0" y="0"/>
+          <a:chExt cx="0" cy="0"/>
+        </a:xfrm>
+      </p:grpSpPr>
+      <p:sp>
+        <p:nvSpPr>
+          <p:cNvPr id="2" name="Titolo 1">
+            <a:extLst>
+              <a:ext uri="{FF2B5EF4-FFF2-40B4-BE49-F238E27FC236}">
+                <a16:creationId xmlns:a16="http://schemas.microsoft.com/office/drawing/2014/main" id="{695B74F2-9BB3-BAB6-3FE5-DE8E5C21CAB4}"/>
+              </a:ext>
+            </a:extLst>
+          </p:cNvPr>
+          <p:cNvSpPr>
+            <a:spLocks noGrp="1"/>
+          </p:cNvSpPr>
+          <p:nvPr>
+            <p:ph type="title"/>
+          </p:nvPr>
+        </p:nvSpPr>
+        <p:spPr/>
+        <p:txBody>
+          <a:bodyPr/>
+          <a:lstStyle/>
+          <a:p>
+            <a:endParaRPr lang="it-IT"/>
+          </a:p>
+        </p:txBody>
+      </p:sp>
+      <p:sp>
+        <p:nvSpPr>
+          <p:cNvPr id="3" name="Segnaposto testo 2">
+            <a:extLst>
+              <a:ext uri="{FF2B5EF4-FFF2-40B4-BE49-F238E27FC236}">
+                <a16:creationId xmlns:a16="http://schemas.microsoft.com/office/drawing/2014/main" id="{87CD6DFF-B1ED-8E71-BCBF-8F33A69A3993}"/>
+              </a:ext>
+            </a:extLst>
+          </p:cNvPr>
+          <p:cNvSpPr>
+            <a:spLocks noGrp="1"/>
+          </p:cNvSpPr>
+          <p:nvPr>
+            <p:ph type="body" idx="1"/>
+          </p:nvPr>
+        </p:nvSpPr>
+        <p:spPr/>
+        <p:txBody>
+          <a:bodyPr/>
+          <a:lstStyle/>
+          <a:p>
+            <a:endParaRPr lang="it-IT"/>
+          </a:p>
+        </p:txBody>
+      </p:sp>
+      <p:pic>
+        <p:nvPicPr>
+          <p:cNvPr id="5" name="Immagine 4" descr="Immagine che contiene testo, schermata, Carattere, numero&#10;&#10;Descrizione generata automaticamente">
+            <a:extLst>
+              <a:ext uri="{FF2B5EF4-FFF2-40B4-BE49-F238E27FC236}">
+                <a16:creationId xmlns:a16="http://schemas.microsoft.com/office/drawing/2014/main" id="{716E856C-34C7-2720-E9A6-0D1F45B9DF30}"/>
+              </a:ext>
+            </a:extLst>
+          </p:cNvPr>
+          <p:cNvPicPr>
+            <a:picLocks noChangeAspect="1"/>
+          </p:cNvPicPr>
+          <p:nvPr/>
+        </p:nvPicPr>
+        <p:blipFill>
+          <a:blip r:embed="rId2">
+            <a:extLst>
+              <a:ext uri="{28A0092B-C50C-407E-A947-70E740481C1C}">
+                <a14:useLocalDpi xmlns:a14="http://schemas.microsoft.com/office/drawing/2010/main" val="0"/>
+              </a:ext>
+            </a:extLst>
+          </a:blip>
+          <a:stretch>
+            <a:fillRect/>
+          </a:stretch>
+        </p:blipFill>
+        <p:spPr>
+          <a:xfrm>
+            <a:off x="0" y="0"/>
+            <a:ext cx="12192000" cy="6858000"/>
+          </a:xfrm>
+          <a:prstGeom prst="rect">
+            <a:avLst/>
+          </a:prstGeom>
+        </p:spPr>
+      </p:pic>
+    </p:spTree>
+    <p:extLst>
+      <p:ext uri="{BB962C8B-B14F-4D97-AF65-F5344CB8AC3E}">
+        <p14:creationId xmlns:p14="http://schemas.microsoft.com/office/powerpoint/2010/main" val="997239693"/>
+      </p:ext>
+    </p:extLst>
+  </p:cSld>
+  <p:clrMapOvr>
+    <a:masterClrMapping/>
+  </p:clrMapOvr>
+  <p:transition spd="med"/>
+</p:sld>
+</file>
+
+<file path=ppt/slides/slide2.xml><?xml version="1.0" encoding="utf-8"?>
+<p:sld xmlns:a="http://schemas.openxmlformats.org/drawingml/2006/main" xmlns:r="http://schemas.openxmlformats.org/officeDocument/2006/relationships" xmlns:p="http://schemas.openxmlformats.org/presentationml/2006/main">
+  <p:cSld>
+    <p:spTree>
+      <p:nvGrpSpPr>
+        <p:cNvPr id="1" name=""/>
+        <p:cNvGrpSpPr/>
+        <p:nvPr/>
+      </p:nvGrpSpPr>
+      <p:grpSpPr>
+        <a:xfrm>
+          <a:off x="0" y="0"/>
+          <a:ext cx="0" cy="0"/>
+          <a:chOff x="0" y="0"/>
+          <a:chExt cx="0" cy="0"/>
+        </a:xfrm>
+      </p:grpSpPr>
+      <p:sp>
+        <p:nvSpPr>
+          <p:cNvPr id="396" name="Titolo 1"/>
+          <p:cNvSpPr txBox="1">
+            <a:spLocks noGrp="1"/>
+          </p:cNvSpPr>
+          <p:nvPr>
+            <p:ph type="title"/>
+          </p:nvPr>
+        </p:nvSpPr>
+        <p:spPr>
+          <a:xfrm>
+            <a:off x="5952742" y="2304288"/>
+            <a:ext cx="6017584" cy="2432305"/>
+          </a:xfrm>
+          <a:prstGeom prst="rect">
+            <a:avLst/>
+          </a:prstGeom>
+        </p:spPr>
+        <p:txBody>
+          <a:bodyPr/>
+          <a:lstStyle/>
+          <a:p>
+            <a:r>
+              <a:t>Introduzione</a:t>
+            </a:r>
+          </a:p>
+        </p:txBody>
+      </p:sp>
+      <p:pic>
+        <p:nvPicPr>
+          <p:cNvPr id="397" name="Segnaposto immagine 17" descr="Segnaposto immagine 17"/>
+          <p:cNvPicPr>
+            <a:picLocks noChangeAspect="1"/>
+          </p:cNvPicPr>
+          <p:nvPr/>
+        </p:nvPicPr>
+        <p:blipFill>
+          <a:blip r:embed="rId2"/>
+          <a:srcRect l="56" r="73" b="16"/>
+          <a:stretch>
+            <a:fillRect/>
+          </a:stretch>
+        </p:blipFill>
+        <p:spPr>
+          <a:xfrm>
+            <a:off x="1072040" y="3938268"/>
+            <a:ext cx="999332" cy="999332"/>
           </a:xfrm>
           <a:custGeom>
             <a:avLst/>
@@ -12944,7 +13567,219 @@
             </a:cxnLst>
             <a:rect l="0" t="0" r="r" b="b"/>
             <a:pathLst>
-              <a:path w="21600" h="21600" fill="norm" stroke="1" extrusionOk="0">
+              <a:path w="21600" h="21600" extrusionOk="0">
+                <a:moveTo>
+                  <a:pt x="10800" y="0"/>
+                </a:moveTo>
+                <a:cubicBezTo>
+                  <a:pt x="4834" y="0"/>
+                  <a:pt x="0" y="4834"/>
+                  <a:pt x="0" y="10800"/>
+                </a:cubicBezTo>
+                <a:cubicBezTo>
+                  <a:pt x="0" y="16766"/>
+                  <a:pt x="4834" y="21600"/>
+                  <a:pt x="10800" y="21600"/>
+                </a:cubicBezTo>
+                <a:cubicBezTo>
+                  <a:pt x="16766" y="21600"/>
+                  <a:pt x="21600" y="16766"/>
+                  <a:pt x="21600" y="10800"/>
+                </a:cubicBezTo>
+                <a:cubicBezTo>
+                  <a:pt x="21600" y="4834"/>
+                  <a:pt x="16766" y="0"/>
+                  <a:pt x="10800" y="0"/>
+                </a:cubicBezTo>
+                <a:close/>
+              </a:path>
+            </a:pathLst>
+          </a:custGeom>
+          <a:ln w="12700">
+            <a:miter lim="400000"/>
+          </a:ln>
+        </p:spPr>
+      </p:pic>
+    </p:spTree>
+  </p:cSld>
+  <p:clrMapOvr>
+    <a:masterClrMapping/>
+  </p:clrMapOvr>
+  <p:transition spd="med"/>
+</p:sld>
+</file>
+
+<file path=ppt/slides/slide20.xml><?xml version="1.0" encoding="utf-8"?>
+<p:sld xmlns:a="http://schemas.openxmlformats.org/drawingml/2006/main" xmlns:r="http://schemas.openxmlformats.org/officeDocument/2006/relationships" xmlns:p="http://schemas.openxmlformats.org/presentationml/2006/main">
+  <p:cSld>
+    <p:spTree>
+      <p:nvGrpSpPr>
+        <p:cNvPr id="1" name=""/>
+        <p:cNvGrpSpPr/>
+        <p:nvPr/>
+      </p:nvGrpSpPr>
+      <p:grpSpPr>
+        <a:xfrm>
+          <a:off x="0" y="0"/>
+          <a:ext cx="0" cy="0"/>
+          <a:chOff x="0" y="0"/>
+          <a:chExt cx="0" cy="0"/>
+        </a:xfrm>
+      </p:grpSpPr>
+      <p:sp>
+        <p:nvSpPr>
+          <p:cNvPr id="510" name="Titolo 1"/>
+          <p:cNvSpPr txBox="1">
+            <a:spLocks noGrp="1"/>
+          </p:cNvSpPr>
+          <p:nvPr>
+            <p:ph type="title"/>
+          </p:nvPr>
+        </p:nvSpPr>
+        <p:spPr>
+          <a:xfrm>
+            <a:off x="5170935" y="2015318"/>
+            <a:ext cx="5718738" cy="1975105"/>
+          </a:xfrm>
+          <a:prstGeom prst="rect">
+            <a:avLst/>
+          </a:prstGeom>
+        </p:spPr>
+        <p:txBody>
+          <a:bodyPr/>
+          <a:lstStyle>
+            <a:lvl1pPr defTabSz="768095">
+              <a:defRPr sz="5544"/>
+            </a:lvl1pPr>
+          </a:lstStyle>
+          <a:p>
+            <a:r>
+              <a:t>Grazie per l’attenzione</a:t>
+            </a:r>
+          </a:p>
+        </p:txBody>
+      </p:sp>
+      <p:sp>
+        <p:nvSpPr>
+          <p:cNvPr id="511" name="Segnaposto testo 2"/>
+          <p:cNvSpPr txBox="1">
+            <a:spLocks noGrp="1"/>
+          </p:cNvSpPr>
+          <p:nvPr>
+            <p:ph type="body" sz="quarter" idx="1"/>
+          </p:nvPr>
+        </p:nvSpPr>
+        <p:spPr>
+          <a:xfrm>
+            <a:off x="5170935" y="4336424"/>
+            <a:ext cx="3081529" cy="1170433"/>
+          </a:xfrm>
+          <a:prstGeom prst="rect">
+            <a:avLst/>
+          </a:prstGeom>
+        </p:spPr>
+        <p:txBody>
+          <a:bodyPr/>
+          <a:lstStyle/>
+          <a:p>
+            <a:pPr defTabSz="795527">
+              <a:lnSpc>
+                <a:spcPct val="72000"/>
+              </a:lnSpc>
+              <a:spcBef>
+                <a:spcPts val="800"/>
+              </a:spcBef>
+              <a:defRPr sz="1305"/>
+            </a:pPr>
+            <a:r>
+              <a:t>giul02</a:t>
+            </a:r>
+          </a:p>
+          <a:p>
+            <a:pPr defTabSz="795527">
+              <a:lnSpc>
+                <a:spcPct val="72000"/>
+              </a:lnSpc>
+              <a:spcBef>
+                <a:spcPts val="800"/>
+              </a:spcBef>
+              <a:defRPr sz="1305"/>
+            </a:pPr>
+            <a:r>
+              <a:t>cienzman</a:t>
+            </a:r>
+          </a:p>
+          <a:p>
+            <a:pPr defTabSz="795527">
+              <a:lnSpc>
+                <a:spcPct val="72000"/>
+              </a:lnSpc>
+              <a:spcBef>
+                <a:spcPts val="800"/>
+              </a:spcBef>
+              <a:defRPr sz="1305"/>
+            </a:pPr>
+            <a:r>
+              <a:t>frazz02</a:t>
+            </a:r>
+          </a:p>
+          <a:p>
+            <a:pPr defTabSz="795527">
+              <a:lnSpc>
+                <a:spcPct val="72000"/>
+              </a:lnSpc>
+              <a:spcBef>
+                <a:spcPts val="800"/>
+              </a:spcBef>
+              <a:defRPr sz="1305"/>
+            </a:pPr>
+            <a:r>
+              <a:t>rosci01</a:t>
+            </a:r>
+          </a:p>
+        </p:txBody>
+      </p:sp>
+      <p:pic>
+        <p:nvPicPr>
+          <p:cNvPr id="512" name="Segnaposto immagine 17" descr="Segnaposto immagine 17"/>
+          <p:cNvPicPr>
+            <a:picLocks noChangeAspect="1"/>
+          </p:cNvPicPr>
+          <p:nvPr/>
+        </p:nvPicPr>
+        <p:blipFill>
+          <a:blip r:embed="rId2"/>
+          <a:srcRect l="56" r="51"/>
+          <a:stretch>
+            <a:fillRect/>
+          </a:stretch>
+        </p:blipFill>
+        <p:spPr>
+          <a:xfrm>
+            <a:off x="10016534" y="4738254"/>
+            <a:ext cx="1363664" cy="1363591"/>
+          </a:xfrm>
+          <a:custGeom>
+            <a:avLst/>
+            <a:gdLst/>
+            <a:ahLst/>
+            <a:cxnLst>
+              <a:cxn ang="0">
+                <a:pos x="wd2" y="hd2"/>
+              </a:cxn>
+              <a:cxn ang="5400000">
+                <a:pos x="wd2" y="hd2"/>
+              </a:cxn>
+              <a:cxn ang="10800000">
+                <a:pos x="wd2" y="hd2"/>
+              </a:cxn>
+              <a:cxn ang="16200000">
+                <a:pos x="wd2" y="hd2"/>
+              </a:cxn>
+            </a:cxnLst>
+            <a:rect l="0" t="0" r="r" b="b"/>
+            <a:pathLst>
+              <a:path w="21600" h="21600" extrusionOk="0">
                 <a:moveTo>
                   <a:pt x="10800" y="0"/>
                 </a:moveTo>
@@ -12982,147 +13817,19 @@
   <p:clrMapOvr>
     <a:masterClrMapping/>
   </p:clrMapOvr>
-  <p:transition xmlns:p14="http://schemas.microsoft.com/office/powerpoint/2010/main" spd="med" advClick="1"/>
-</p:sld>
-</file>
-
-<file path=ppt/slides/slide2.xml><?xml version="1.0" encoding="utf-8"?>
-<p:sld xmlns:a="http://schemas.openxmlformats.org/drawingml/2006/main" xmlns:r="http://schemas.openxmlformats.org/officeDocument/2006/relationships" xmlns:p="http://schemas.openxmlformats.org/presentationml/2006/main" xmlns:m="http://schemas.openxmlformats.org/officeDocument/2006/math" xmlns:a14="http://schemas.microsoft.com/office/drawing/2010/main" showMasterSp="1" showMasterPhAnim="1">
-  <p:cSld>
-    <p:spTree>
-      <p:nvGrpSpPr>
-        <p:cNvPr id="1" name=""/>
-        <p:cNvGrpSpPr/>
-        <p:nvPr/>
-      </p:nvGrpSpPr>
-      <p:grpSpPr>
-        <a:xfrm>
-          <a:off x="0" y="0"/>
-          <a:ext cx="0" cy="0"/>
-          <a:chOff x="0" y="0"/>
-          <a:chExt cx="0" cy="0"/>
-        </a:xfrm>
-      </p:grpSpPr>
-      <p:sp>
-        <p:nvSpPr>
-          <p:cNvPr id="396" name="Titolo 1"/>
-          <p:cNvSpPr txBox="1"/>
-          <p:nvPr>
-            <p:ph type="title"/>
-          </p:nvPr>
-        </p:nvSpPr>
-        <p:spPr>
-          <a:xfrm>
-            <a:off x="5952742" y="2304288"/>
-            <a:ext cx="6017584" cy="2432305"/>
-          </a:xfrm>
-          <a:prstGeom prst="rect">
-            <a:avLst/>
-          </a:prstGeom>
-        </p:spPr>
-        <p:txBody>
-          <a:bodyPr/>
-          <a:lstStyle/>
-          <a:p>
-            <a:pPr/>
-            <a:r>
-              <a:t>Introduzione</a:t>
-            </a:r>
-          </a:p>
-        </p:txBody>
-      </p:sp>
-      <p:pic>
-        <p:nvPicPr>
-          <p:cNvPr id="397" name="Segnaposto immagine 17" descr="Segnaposto immagine 17"/>
-          <p:cNvPicPr>
-            <a:picLocks noChangeAspect="1"/>
-          </p:cNvPicPr>
-          <p:nvPr/>
-        </p:nvPicPr>
-        <p:blipFill>
-          <a:blip r:embed="rId2">
-            <a:extLst/>
-          </a:blip>
-          <a:srcRect l="56" t="0" r="73" b="16"/>
-          <a:stretch>
-            <a:fillRect/>
-          </a:stretch>
-        </p:blipFill>
-        <p:spPr>
-          <a:xfrm>
-            <a:off x="1072040" y="3938268"/>
-            <a:ext cx="999332" cy="999332"/>
-          </a:xfrm>
-          <a:custGeom>
-            <a:avLst/>
-            <a:gdLst/>
-            <a:ahLst/>
-            <a:cxnLst>
-              <a:cxn ang="0">
-                <a:pos x="wd2" y="hd2"/>
-              </a:cxn>
-              <a:cxn ang="5400000">
-                <a:pos x="wd2" y="hd2"/>
-              </a:cxn>
-              <a:cxn ang="10800000">
-                <a:pos x="wd2" y="hd2"/>
-              </a:cxn>
-              <a:cxn ang="16200000">
-                <a:pos x="wd2" y="hd2"/>
-              </a:cxn>
-            </a:cxnLst>
-            <a:rect l="0" t="0" r="r" b="b"/>
-            <a:pathLst>
-              <a:path w="21600" h="21600" fill="norm" stroke="1" extrusionOk="0">
-                <a:moveTo>
-                  <a:pt x="10800" y="0"/>
-                </a:moveTo>
-                <a:cubicBezTo>
-                  <a:pt x="4834" y="0"/>
-                  <a:pt x="0" y="4834"/>
-                  <a:pt x="0" y="10800"/>
-                </a:cubicBezTo>
-                <a:cubicBezTo>
-                  <a:pt x="0" y="16766"/>
-                  <a:pt x="4834" y="21600"/>
-                  <a:pt x="10800" y="21600"/>
-                </a:cubicBezTo>
-                <a:cubicBezTo>
-                  <a:pt x="16766" y="21600"/>
-                  <a:pt x="21600" y="16766"/>
-                  <a:pt x="21600" y="10800"/>
-                </a:cubicBezTo>
-                <a:cubicBezTo>
-                  <a:pt x="21600" y="4834"/>
-                  <a:pt x="16766" y="0"/>
-                  <a:pt x="10800" y="0"/>
-                </a:cubicBezTo>
-                <a:close/>
-              </a:path>
-            </a:pathLst>
-          </a:custGeom>
-          <a:ln w="12700">
-            <a:miter lim="400000"/>
-          </a:ln>
-        </p:spPr>
-      </p:pic>
-    </p:spTree>
-  </p:cSld>
-  <p:clrMapOvr>
-    <a:masterClrMapping/>
-  </p:clrMapOvr>
-  <p:transition xmlns:p14="http://schemas.microsoft.com/office/powerpoint/2010/main" spd="med" advClick="1"/>
+  <p:transition spd="med"/>
 </p:sld>
 </file>
 
 <file path=ppt/slides/slide3.xml><?xml version="1.0" encoding="utf-8"?>
-<p:sld xmlns:a="http://schemas.openxmlformats.org/drawingml/2006/main" xmlns:r="http://schemas.openxmlformats.org/officeDocument/2006/relationships" xmlns:p="http://schemas.openxmlformats.org/presentationml/2006/main" xmlns:m="http://schemas.openxmlformats.org/officeDocument/2006/math" xmlns:a14="http://schemas.microsoft.com/office/drawing/2010/main" showMasterSp="1" showMasterPhAnim="1">
+<p:sld xmlns:a="http://schemas.openxmlformats.org/drawingml/2006/main" xmlns:r="http://schemas.openxmlformats.org/officeDocument/2006/relationships" xmlns:p="http://schemas.openxmlformats.org/presentationml/2006/main">
   <p:cSld>
     <p:bg>
       <p:bgPr>
         <a:solidFill>
           <a:srgbClr val="FAF0B5"/>
         </a:solidFill>
+        <a:effectLst/>
       </p:bgPr>
     </p:bg>
     <p:spTree>
@@ -13192,6 +13899,7 @@
                   </a:solidFill>
                 </a:defRPr>
               </a:pPr>
+              <a:endParaRPr/>
             </a:p>
           </p:txBody>
         </p:sp>
@@ -13217,7 +13925,7 @@
             <a:effectLst/>
             <a:extLst>
               <a:ext uri="{C572A759-6A51-4108-AA02-DFA0A04FC94B}">
-                <ma14:wrappingTextBoxFlag xmlns:ma14="http://schemas.microsoft.com/office/mac/drawingml/2011/main" val="1"/>
+                <ma14:wrappingTextBoxFlag xmlns:ma14="http://schemas.microsoft.com/office/mac/drawingml/2011/main" xmlns:a14="http://schemas.microsoft.com/office/drawing/2010/main" xmlns:m="http://schemas.openxmlformats.org/officeDocument/2006/math" xmlns="" val="1"/>
               </a:ext>
             </a:extLst>
           </p:spPr>
@@ -13231,7 +13939,6 @@
               </a:lvl1pPr>
             </a:lstStyle>
             <a:p>
-              <a:pPr/>
               <a:r>
                 <a:t>Progetto J24 università degli studi di pavia</a:t>
               </a:r>
@@ -13242,7 +13949,9 @@
       <p:sp>
         <p:nvSpPr>
           <p:cNvPr id="402" name="Titolo 1"/>
-          <p:cNvSpPr txBox="1"/>
+          <p:cNvSpPr txBox="1">
+            <a:spLocks noGrp="1"/>
+          </p:cNvSpPr>
           <p:nvPr>
             <p:ph type="title"/>
           </p:nvPr>
@@ -13264,7 +13973,6 @@
             </a:lvl1pPr>
           </a:lstStyle>
           <a:p>
-            <a:pPr/>
             <a:r>
               <a:t>Introduzione</a:t>
             </a:r>
@@ -13274,7 +13982,9 @@
       <p:sp>
         <p:nvSpPr>
           <p:cNvPr id="403" name="Segnaposto contenuto 2"/>
-          <p:cNvSpPr txBox="1"/>
+          <p:cNvSpPr txBox="1">
+            <a:spLocks noGrp="1"/>
+          </p:cNvSpPr>
           <p:nvPr>
             <p:ph type="body" idx="1"/>
           </p:nvPr>
@@ -13350,10 +14060,8 @@
           <p:nvPr/>
         </p:nvPicPr>
         <p:blipFill>
-          <a:blip r:embed="rId2">
-            <a:extLst/>
-          </a:blip>
-          <a:srcRect l="56" t="0" r="43" b="0"/>
+          <a:blip r:embed="rId2"/>
+          <a:srcRect l="56" r="43"/>
           <a:stretch>
             <a:fillRect/>
           </a:stretch>
@@ -13383,7 +14091,7 @@
             </a:cxnLst>
             <a:rect l="0" t="0" r="r" b="b"/>
             <a:pathLst>
-              <a:path w="21600" h="21600" fill="norm" stroke="1" extrusionOk="0">
+              <a:path w="21600" h="21600" extrusionOk="0">
                 <a:moveTo>
                   <a:pt x="10800" y="0"/>
                 </a:moveTo>
@@ -13421,12 +14129,12 @@
   <p:clrMapOvr>
     <a:masterClrMapping/>
   </p:clrMapOvr>
-  <p:transition xmlns:p14="http://schemas.microsoft.com/office/powerpoint/2010/main" spd="med" advClick="1"/>
+  <p:transition spd="med"/>
 </p:sld>
 </file>
 
 <file path=ppt/slides/slide4.xml><?xml version="1.0" encoding="utf-8"?>
-<p:sld xmlns:a="http://schemas.openxmlformats.org/drawingml/2006/main" xmlns:r="http://schemas.openxmlformats.org/officeDocument/2006/relationships" xmlns:p="http://schemas.openxmlformats.org/presentationml/2006/main" xmlns:m="http://schemas.openxmlformats.org/officeDocument/2006/math" xmlns:a14="http://schemas.microsoft.com/office/drawing/2010/main" showMasterSp="1" showMasterPhAnim="1">
+<p:sld xmlns:a="http://schemas.openxmlformats.org/drawingml/2006/main" xmlns:r="http://schemas.openxmlformats.org/officeDocument/2006/relationships" xmlns:p="http://schemas.openxmlformats.org/presentationml/2006/main">
   <p:cSld>
     <p:spTree>
       <p:nvGrpSpPr>
@@ -13492,6 +14200,7 @@
                   </a:solidFill>
                 </a:defRPr>
               </a:pPr>
+              <a:endParaRPr/>
             </a:p>
           </p:txBody>
         </p:sp>
@@ -13517,7 +14226,7 @@
             <a:effectLst/>
             <a:extLst>
               <a:ext uri="{C572A759-6A51-4108-AA02-DFA0A04FC94B}">
-                <ma14:wrappingTextBoxFlag xmlns:ma14="http://schemas.microsoft.com/office/mac/drawingml/2011/main" val="1"/>
+                <ma14:wrappingTextBoxFlag xmlns:ma14="http://schemas.microsoft.com/office/mac/drawingml/2011/main" xmlns:a14="http://schemas.microsoft.com/office/drawing/2010/main" xmlns:m="http://schemas.openxmlformats.org/officeDocument/2006/math" xmlns="" val="1"/>
               </a:ext>
             </a:extLst>
           </p:spPr>
@@ -13531,7 +14240,6 @@
               </a:lvl1pPr>
             </a:lstStyle>
             <a:p>
-              <a:pPr/>
               <a:r>
                 <a:t>Progetto J24 università degli studi di pavia</a:t>
               </a:r>
@@ -13542,7 +14250,9 @@
       <p:sp>
         <p:nvSpPr>
           <p:cNvPr id="409" name="Titolo 1"/>
-          <p:cNvSpPr txBox="1"/>
+          <p:cNvSpPr txBox="1">
+            <a:spLocks noGrp="1"/>
+          </p:cNvSpPr>
           <p:nvPr>
             <p:ph type="title"/>
           </p:nvPr>
@@ -13564,7 +14274,6 @@
             </a:lvl1pPr>
           </a:lstStyle>
           <a:p>
-            <a:pPr/>
             <a:r>
               <a:t>Unified Process</a:t>
             </a:r>
@@ -13574,7 +14283,9 @@
       <p:sp>
         <p:nvSpPr>
           <p:cNvPr id="410" name="Segnaposto contenuto 2"/>
-          <p:cNvSpPr txBox="1"/>
+          <p:cNvSpPr txBox="1">
+            <a:spLocks noGrp="1"/>
+          </p:cNvSpPr>
           <p:nvPr>
             <p:ph type="body" idx="1"/>
           </p:nvPr>
@@ -13592,25 +14303,21 @@
           <a:bodyPr/>
           <a:lstStyle/>
           <a:p>
-            <a:pPr/>
             <a:r>
               <a:t>Permette un approccio iterativo e incrementale</a:t>
             </a:r>
           </a:p>
           <a:p>
-            <a:pPr/>
             <a:r>
               <a:t>Permette di gestire in modo flessibile cambiamenti nei requisiti</a:t>
             </a:r>
           </a:p>
           <a:p>
-            <a:pPr/>
             <a:r>
               <a:t>Si basa su casi d’uso e fattori di rischio</a:t>
             </a:r>
           </a:p>
           <a:p>
-            <a:pPr/>
             <a:r>
               <a:t>Fa ampio uso di di UML (Unified Modeling Language)</a:t>
             </a:r>
@@ -13636,7 +14343,7 @@
           </a:ln>
           <a:extLst>
             <a:ext uri="{C572A759-6A51-4108-AA02-DFA0A04FC94B}">
-              <ma14:wrappingTextBoxFlag xmlns:ma14="http://schemas.microsoft.com/office/mac/drawingml/2011/main" val="1"/>
+              <ma14:wrappingTextBoxFlag xmlns:ma14="http://schemas.microsoft.com/office/mac/drawingml/2011/main" xmlns:a14="http://schemas.microsoft.com/office/drawing/2010/main" xmlns:m="http://schemas.openxmlformats.org/officeDocument/2006/math" xmlns="" val="1"/>
             </a:ext>
           </a:extLst>
         </p:spPr>
@@ -13650,7 +14357,6 @@
             </a:lvl1pPr>
           </a:lstStyle>
           <a:p>
-            <a:pPr/>
             <a:r>
               <a:t>Abbiamo scelto UP perché:</a:t>
             </a:r>
@@ -13666,10 +14372,8 @@
           <p:nvPr/>
         </p:nvPicPr>
         <p:blipFill>
-          <a:blip r:embed="rId2">
-            <a:extLst/>
-          </a:blip>
-          <a:srcRect l="56" t="0" r="43" b="0"/>
+          <a:blip r:embed="rId2"/>
+          <a:srcRect l="56" r="43"/>
           <a:stretch>
             <a:fillRect/>
           </a:stretch>
@@ -13699,7 +14403,7 @@
             </a:cxnLst>
             <a:rect l="0" t="0" r="r" b="b"/>
             <a:pathLst>
-              <a:path w="21600" h="21600" fill="norm" stroke="1" extrusionOk="0">
+              <a:path w="21600" h="21600" extrusionOk="0">
                 <a:moveTo>
                   <a:pt x="10800" y="0"/>
                 </a:moveTo>
@@ -13737,12 +14441,12 @@
   <p:clrMapOvr>
     <a:masterClrMapping/>
   </p:clrMapOvr>
-  <p:transition xmlns:p14="http://schemas.microsoft.com/office/powerpoint/2010/main" spd="med" advClick="1"/>
+  <p:transition spd="med"/>
 </p:sld>
 </file>
 
 <file path=ppt/slides/slide5.xml><?xml version="1.0" encoding="utf-8"?>
-<p:sld xmlns:a="http://schemas.openxmlformats.org/drawingml/2006/main" xmlns:r="http://schemas.openxmlformats.org/officeDocument/2006/relationships" xmlns:p="http://schemas.openxmlformats.org/presentationml/2006/main" xmlns:m="http://schemas.openxmlformats.org/officeDocument/2006/math" xmlns:a14="http://schemas.microsoft.com/office/drawing/2010/main" showMasterSp="1" showMasterPhAnim="1">
+<p:sld xmlns:a="http://schemas.openxmlformats.org/drawingml/2006/main" xmlns:r="http://schemas.openxmlformats.org/officeDocument/2006/relationships" xmlns:p="http://schemas.openxmlformats.org/presentationml/2006/main">
   <p:cSld>
     <p:spTree>
       <p:nvGrpSpPr>
@@ -13761,7 +14465,9 @@
       <p:sp>
         <p:nvSpPr>
           <p:cNvPr id="414" name="Titolo 1"/>
-          <p:cNvSpPr txBox="1"/>
+          <p:cNvSpPr txBox="1">
+            <a:spLocks noGrp="1"/>
+          </p:cNvSpPr>
           <p:nvPr>
             <p:ph type="title"/>
           </p:nvPr>
@@ -13779,7 +14485,6 @@
           <a:bodyPr/>
           <a:lstStyle/>
           <a:p>
-            <a:pPr/>
             <a:r>
               <a:t>Fasi di UP</a:t>
             </a:r>
@@ -13789,7 +14494,9 @@
       <p:sp>
         <p:nvSpPr>
           <p:cNvPr id="415" name="Segnaposto testo 2"/>
-          <p:cNvSpPr txBox="1"/>
+          <p:cNvSpPr txBox="1">
+            <a:spLocks noGrp="1"/>
+          </p:cNvSpPr>
           <p:nvPr>
             <p:ph type="body" sz="quarter" idx="1"/>
           </p:nvPr>
@@ -13811,7 +14518,6 @@
             </a:lvl1pPr>
           </a:lstStyle>
           <a:p>
-            <a:pPr/>
             <a:r>
               <a:t>Ideazione</a:t>
             </a:r>
@@ -13821,7 +14527,9 @@
       <p:sp>
         <p:nvSpPr>
           <p:cNvPr id="416" name="Segnaposto testo 3"/>
-          <p:cNvSpPr/>
+          <p:cNvSpPr>
+            <a:spLocks noGrp="1"/>
+          </p:cNvSpPr>
           <p:nvPr>
             <p:ph type="body" idx="21"/>
           </p:nvPr>
@@ -13832,7 +14540,7 @@
           </a:prstGeom>
           <a:extLst>
             <a:ext uri="{C572A759-6A51-4108-AA02-DFA0A04FC94B}">
-              <ma14:wrappingTextBoxFlag xmlns:ma14="http://schemas.microsoft.com/office/mac/drawingml/2011/main" val="1"/>
+              <ma14:wrappingTextBoxFlag xmlns:ma14="http://schemas.microsoft.com/office/mac/drawingml/2011/main" xmlns:a14="http://schemas.microsoft.com/office/drawing/2010/main" xmlns:m="http://schemas.openxmlformats.org/officeDocument/2006/math" xmlns="" val="1"/>
             </a:ext>
           </a:extLst>
         </p:spPr>
@@ -13840,7 +14548,6 @@
           <a:bodyPr/>
           <a:lstStyle/>
           <a:p>
-            <a:pPr/>
             <a:r>
               <a:t>1</a:t>
             </a:r>
@@ -13850,7 +14557,9 @@
       <p:sp>
         <p:nvSpPr>
           <p:cNvPr id="417" name="Segnaposto testo 4"/>
-          <p:cNvSpPr/>
+          <p:cNvSpPr>
+            <a:spLocks noGrp="1"/>
+          </p:cNvSpPr>
           <p:nvPr>
             <p:ph type="body" idx="22"/>
           </p:nvPr>
@@ -13865,7 +14574,7 @@
           </a:prstGeom>
           <a:extLst>
             <a:ext uri="{C572A759-6A51-4108-AA02-DFA0A04FC94B}">
-              <ma14:wrappingTextBoxFlag xmlns:ma14="http://schemas.microsoft.com/office/mac/drawingml/2011/main" val="1"/>
+              <ma14:wrappingTextBoxFlag xmlns:ma14="http://schemas.microsoft.com/office/mac/drawingml/2011/main" xmlns:a14="http://schemas.microsoft.com/office/drawing/2010/main" xmlns:m="http://schemas.openxmlformats.org/officeDocument/2006/math" xmlns="" val="1"/>
             </a:ext>
           </a:extLst>
         </p:spPr>
@@ -13884,7 +14593,6 @@
             </a:lvl1pPr>
           </a:lstStyle>
           <a:p>
-            <a:pPr/>
             <a:r>
               <a:t>Elaborazione</a:t>
             </a:r>
@@ -13894,7 +14602,9 @@
       <p:sp>
         <p:nvSpPr>
           <p:cNvPr id="418" name="Segnaposto testo 5"/>
-          <p:cNvSpPr/>
+          <p:cNvSpPr>
+            <a:spLocks noGrp="1"/>
+          </p:cNvSpPr>
           <p:nvPr>
             <p:ph type="body" idx="23"/>
           </p:nvPr>
@@ -13905,7 +14615,7 @@
           </a:prstGeom>
           <a:extLst>
             <a:ext uri="{C572A759-6A51-4108-AA02-DFA0A04FC94B}">
-              <ma14:wrappingTextBoxFlag xmlns:ma14="http://schemas.microsoft.com/office/mac/drawingml/2011/main" val="1"/>
+              <ma14:wrappingTextBoxFlag xmlns:ma14="http://schemas.microsoft.com/office/mac/drawingml/2011/main" xmlns:a14="http://schemas.microsoft.com/office/drawing/2010/main" xmlns:m="http://schemas.openxmlformats.org/officeDocument/2006/math" xmlns="" val="1"/>
             </a:ext>
           </a:extLst>
         </p:spPr>
@@ -13913,7 +14623,6 @@
           <a:bodyPr/>
           <a:lstStyle/>
           <a:p>
-            <a:pPr/>
             <a:r>
               <a:t>2</a:t>
             </a:r>
@@ -13923,7 +14632,9 @@
       <p:sp>
         <p:nvSpPr>
           <p:cNvPr id="419" name="Segnaposto testo 6"/>
-          <p:cNvSpPr/>
+          <p:cNvSpPr>
+            <a:spLocks noGrp="1"/>
+          </p:cNvSpPr>
           <p:nvPr>
             <p:ph type="body" idx="24"/>
           </p:nvPr>
@@ -13938,7 +14649,7 @@
           </a:prstGeom>
           <a:extLst>
             <a:ext uri="{C572A759-6A51-4108-AA02-DFA0A04FC94B}">
-              <ma14:wrappingTextBoxFlag xmlns:ma14="http://schemas.microsoft.com/office/mac/drawingml/2011/main" val="1"/>
+              <ma14:wrappingTextBoxFlag xmlns:ma14="http://schemas.microsoft.com/office/mac/drawingml/2011/main" xmlns:a14="http://schemas.microsoft.com/office/drawing/2010/main" xmlns:m="http://schemas.openxmlformats.org/officeDocument/2006/math" xmlns="" val="1"/>
             </a:ext>
           </a:extLst>
         </p:spPr>
@@ -13957,7 +14668,6 @@
             </a:lvl1pPr>
           </a:lstStyle>
           <a:p>
-            <a:pPr/>
             <a:r>
               <a:t>Costruzione</a:t>
             </a:r>
@@ -13967,7 +14677,9 @@
       <p:sp>
         <p:nvSpPr>
           <p:cNvPr id="420" name="Segnaposto testo 7"/>
-          <p:cNvSpPr/>
+          <p:cNvSpPr>
+            <a:spLocks noGrp="1"/>
+          </p:cNvSpPr>
           <p:nvPr>
             <p:ph type="body" idx="25"/>
           </p:nvPr>
@@ -13982,7 +14694,7 @@
           </a:prstGeom>
           <a:extLst>
             <a:ext uri="{C572A759-6A51-4108-AA02-DFA0A04FC94B}">
-              <ma14:wrappingTextBoxFlag xmlns:ma14="http://schemas.microsoft.com/office/mac/drawingml/2011/main" val="1"/>
+              <ma14:wrappingTextBoxFlag xmlns:ma14="http://schemas.microsoft.com/office/mac/drawingml/2011/main" xmlns:a14="http://schemas.microsoft.com/office/drawing/2010/main" xmlns:m="http://schemas.openxmlformats.org/officeDocument/2006/math" xmlns="" val="1"/>
             </a:ext>
           </a:extLst>
         </p:spPr>
@@ -13990,7 +14702,6 @@
           <a:bodyPr/>
           <a:lstStyle/>
           <a:p>
-            <a:pPr/>
             <a:r>
               <a:t>3</a:t>
             </a:r>
@@ -14000,7 +14711,9 @@
       <p:sp>
         <p:nvSpPr>
           <p:cNvPr id="421" name="Segnaposto testo 8"/>
-          <p:cNvSpPr/>
+          <p:cNvSpPr>
+            <a:spLocks noGrp="1"/>
+          </p:cNvSpPr>
           <p:nvPr>
             <p:ph type="body" idx="26"/>
           </p:nvPr>
@@ -14015,7 +14728,7 @@
           </a:prstGeom>
           <a:extLst>
             <a:ext uri="{C572A759-6A51-4108-AA02-DFA0A04FC94B}">
-              <ma14:wrappingTextBoxFlag xmlns:ma14="http://schemas.microsoft.com/office/mac/drawingml/2011/main" val="1"/>
+              <ma14:wrappingTextBoxFlag xmlns:ma14="http://schemas.microsoft.com/office/mac/drawingml/2011/main" xmlns:a14="http://schemas.microsoft.com/office/drawing/2010/main" xmlns:m="http://schemas.openxmlformats.org/officeDocument/2006/math" xmlns="" val="1"/>
             </a:ext>
           </a:extLst>
         </p:spPr>
@@ -14034,7 +14747,6 @@
             </a:lvl1pPr>
           </a:lstStyle>
           <a:p>
-            <a:pPr/>
             <a:r>
               <a:t>Transizione</a:t>
             </a:r>
@@ -14044,7 +14756,9 @@
       <p:sp>
         <p:nvSpPr>
           <p:cNvPr id="422" name="Segnaposto testo 9"/>
-          <p:cNvSpPr/>
+          <p:cNvSpPr>
+            <a:spLocks noGrp="1"/>
+          </p:cNvSpPr>
           <p:nvPr>
             <p:ph type="body" idx="27"/>
           </p:nvPr>
@@ -14059,7 +14773,7 @@
           </a:prstGeom>
           <a:extLst>
             <a:ext uri="{C572A759-6A51-4108-AA02-DFA0A04FC94B}">
-              <ma14:wrappingTextBoxFlag xmlns:ma14="http://schemas.microsoft.com/office/mac/drawingml/2011/main" val="1"/>
+              <ma14:wrappingTextBoxFlag xmlns:ma14="http://schemas.microsoft.com/office/mac/drawingml/2011/main" xmlns:a14="http://schemas.microsoft.com/office/drawing/2010/main" xmlns:m="http://schemas.openxmlformats.org/officeDocument/2006/math" xmlns="" val="1"/>
             </a:ext>
           </a:extLst>
         </p:spPr>
@@ -14067,7 +14781,6 @@
           <a:bodyPr/>
           <a:lstStyle/>
           <a:p>
-            <a:pPr/>
             <a:r>
               <a:t>4</a:t>
             </a:r>
@@ -14083,10 +14796,8 @@
           <p:nvPr/>
         </p:nvPicPr>
         <p:blipFill>
-          <a:blip r:embed="rId2">
-            <a:extLst/>
-          </a:blip>
-          <a:srcRect l="56" t="0" r="70" b="13"/>
+          <a:blip r:embed="rId2"/>
+          <a:srcRect l="56" r="70" b="13"/>
           <a:stretch>
             <a:fillRect/>
           </a:stretch>
@@ -14116,7 +14827,7 @@
             </a:cxnLst>
             <a:rect l="0" t="0" r="r" b="b"/>
             <a:pathLst>
-              <a:path w="21600" h="21600" fill="norm" stroke="1" extrusionOk="0">
+              <a:path w="21600" h="21600" extrusionOk="0">
                 <a:moveTo>
                   <a:pt x="10800" y="0"/>
                 </a:moveTo>
@@ -14154,12 +14865,12 @@
   <p:clrMapOvr>
     <a:masterClrMapping/>
   </p:clrMapOvr>
-  <p:transition xmlns:p14="http://schemas.microsoft.com/office/powerpoint/2010/main" spd="med" advClick="1"/>
+  <p:transition spd="med"/>
 </p:sld>
 </file>
 
 <file path=ppt/slides/slide6.xml><?xml version="1.0" encoding="utf-8"?>
-<p:sld xmlns:a="http://schemas.openxmlformats.org/drawingml/2006/main" xmlns:r="http://schemas.openxmlformats.org/officeDocument/2006/relationships" xmlns:p="http://schemas.openxmlformats.org/presentationml/2006/main" xmlns:m="http://schemas.openxmlformats.org/officeDocument/2006/math" xmlns:a14="http://schemas.microsoft.com/office/drawing/2010/main" showMasterSp="1" showMasterPhAnim="1">
+<p:sld xmlns:a="http://schemas.openxmlformats.org/drawingml/2006/main" xmlns:r="http://schemas.openxmlformats.org/officeDocument/2006/relationships" xmlns:p="http://schemas.openxmlformats.org/presentationml/2006/main">
   <p:cSld>
     <p:spTree>
       <p:nvGrpSpPr>
@@ -14194,7 +14905,7 @@
           </a:ln>
           <a:extLst>
             <a:ext uri="{C572A759-6A51-4108-AA02-DFA0A04FC94B}">
-              <ma14:wrappingTextBoxFlag xmlns:ma14="http://schemas.microsoft.com/office/mac/drawingml/2011/main" val="1"/>
+              <ma14:wrappingTextBoxFlag xmlns:ma14="http://schemas.microsoft.com/office/mac/drawingml/2011/main" xmlns:a14="http://schemas.microsoft.com/office/drawing/2010/main" xmlns:m="http://schemas.openxmlformats.org/officeDocument/2006/math" xmlns="" val="1"/>
             </a:ext>
           </a:extLst>
         </p:spPr>
@@ -14212,7 +14923,6 @@
             </a:lvl1pPr>
           </a:lstStyle>
           <a:p>
-            <a:pPr/>
             <a:r>
               <a:t>Progetto J24 università degli studi di pavia</a:t>
             </a:r>
@@ -14222,7 +14932,9 @@
       <p:sp>
         <p:nvSpPr>
           <p:cNvPr id="426" name="Segnaposto testo 1"/>
-          <p:cNvSpPr txBox="1"/>
+          <p:cNvSpPr txBox="1">
+            <a:spLocks noGrp="1"/>
+          </p:cNvSpPr>
           <p:nvPr>
             <p:ph type="body" sz="quarter" idx="1"/>
           </p:nvPr>
@@ -14243,13 +14955,16 @@
             <a:pPr defTabSz="786384">
               <a:defRPr sz="1032"/>
             </a:pPr>
+            <a:endParaRPr/>
           </a:p>
         </p:txBody>
       </p:sp>
       <p:sp>
         <p:nvSpPr>
           <p:cNvPr id="427" name="Segnaposto testo 2"/>
-          <p:cNvSpPr/>
+          <p:cNvSpPr>
+            <a:spLocks noGrp="1"/>
+          </p:cNvSpPr>
           <p:nvPr>
             <p:ph type="body" idx="21"/>
           </p:nvPr>
@@ -14263,14 +14978,16 @@
           <a:bodyPr/>
           <a:lstStyle/>
           <a:p>
-            <a:pPr/>
+            <a:endParaRPr/>
           </a:p>
         </p:txBody>
       </p:sp>
       <p:sp>
         <p:nvSpPr>
           <p:cNvPr id="428" name="Segnaposto testo 3"/>
-          <p:cNvSpPr/>
+          <p:cNvSpPr>
+            <a:spLocks noGrp="1"/>
+          </p:cNvSpPr>
           <p:nvPr>
             <p:ph type="body" idx="22"/>
           </p:nvPr>
@@ -14284,14 +15001,16 @@
           <a:bodyPr/>
           <a:lstStyle/>
           <a:p>
-            <a:pPr/>
+            <a:endParaRPr/>
           </a:p>
         </p:txBody>
       </p:sp>
       <p:sp>
         <p:nvSpPr>
           <p:cNvPr id="429" name="Segnaposto testo 4"/>
-          <p:cNvSpPr/>
+          <p:cNvSpPr>
+            <a:spLocks noGrp="1"/>
+          </p:cNvSpPr>
           <p:nvPr>
             <p:ph type="body" idx="23"/>
           </p:nvPr>
@@ -14305,14 +15024,16 @@
           <a:bodyPr/>
           <a:lstStyle/>
           <a:p>
-            <a:pPr/>
+            <a:endParaRPr/>
           </a:p>
         </p:txBody>
       </p:sp>
       <p:sp>
         <p:nvSpPr>
           <p:cNvPr id="430" name="Segnaposto testo 5"/>
-          <p:cNvSpPr/>
+          <p:cNvSpPr>
+            <a:spLocks noGrp="1"/>
+          </p:cNvSpPr>
           <p:nvPr>
             <p:ph type="body" idx="24"/>
           </p:nvPr>
@@ -14327,7 +15048,7 @@
           </a:prstGeom>
           <a:extLst>
             <a:ext uri="{C572A759-6A51-4108-AA02-DFA0A04FC94B}">
-              <ma14:wrappingTextBoxFlag xmlns:ma14="http://schemas.microsoft.com/office/mac/drawingml/2011/main" val="1"/>
+              <ma14:wrappingTextBoxFlag xmlns:ma14="http://schemas.microsoft.com/office/mac/drawingml/2011/main" xmlns:a14="http://schemas.microsoft.com/office/drawing/2010/main" xmlns:m="http://schemas.openxmlformats.org/officeDocument/2006/math" xmlns="" val="1"/>
             </a:ext>
           </a:extLst>
         </p:spPr>
@@ -14342,7 +15063,6 @@
             </a:lvl1pPr>
           </a:lstStyle>
           <a:p>
-            <a:pPr/>
             <a:r>
               <a:t>Requisiti</a:t>
             </a:r>
@@ -14352,7 +15072,9 @@
       <p:sp>
         <p:nvSpPr>
           <p:cNvPr id="431" name="Segnaposto testo 6"/>
-          <p:cNvSpPr/>
+          <p:cNvSpPr>
+            <a:spLocks noGrp="1"/>
+          </p:cNvSpPr>
           <p:nvPr>
             <p:ph type="body" idx="25"/>
           </p:nvPr>
@@ -14367,7 +15089,7 @@
           </a:prstGeom>
           <a:extLst>
             <a:ext uri="{C572A759-6A51-4108-AA02-DFA0A04FC94B}">
-              <ma14:wrappingTextBoxFlag xmlns:ma14="http://schemas.microsoft.com/office/mac/drawingml/2011/main" val="1"/>
+              <ma14:wrappingTextBoxFlag xmlns:ma14="http://schemas.microsoft.com/office/mac/drawingml/2011/main" xmlns:a14="http://schemas.microsoft.com/office/drawing/2010/main" xmlns:m="http://schemas.openxmlformats.org/officeDocument/2006/math" xmlns="" val="1"/>
             </a:ext>
           </a:extLst>
         </p:spPr>
@@ -14382,7 +15104,6 @@
             </a:lvl1pPr>
           </a:lstStyle>
           <a:p>
-            <a:pPr/>
             <a:r>
               <a:t>Analisi</a:t>
             </a:r>
@@ -14392,7 +15113,9 @@
       <p:sp>
         <p:nvSpPr>
           <p:cNvPr id="432" name="Titolo 7"/>
-          <p:cNvSpPr txBox="1"/>
+          <p:cNvSpPr txBox="1">
+            <a:spLocks noGrp="1"/>
+          </p:cNvSpPr>
           <p:nvPr>
             <p:ph type="title"/>
           </p:nvPr>
@@ -14414,7 +15137,6 @@
             </a:lvl1pPr>
           </a:lstStyle>
           <a:p>
-            <a:pPr/>
             <a:r>
               <a:t>Flussi di Progetto</a:t>
             </a:r>
@@ -14424,7 +15146,9 @@
       <p:sp>
         <p:nvSpPr>
           <p:cNvPr id="433" name="Segnaposto testo 8"/>
-          <p:cNvSpPr/>
+          <p:cNvSpPr>
+            <a:spLocks noGrp="1"/>
+          </p:cNvSpPr>
           <p:nvPr>
             <p:ph type="body" idx="26"/>
           </p:nvPr>
@@ -14439,7 +15163,7 @@
           </a:prstGeom>
           <a:extLst>
             <a:ext uri="{C572A759-6A51-4108-AA02-DFA0A04FC94B}">
-              <ma14:wrappingTextBoxFlag xmlns:ma14="http://schemas.microsoft.com/office/mac/drawingml/2011/main" val="1"/>
+              <ma14:wrappingTextBoxFlag xmlns:ma14="http://schemas.microsoft.com/office/mac/drawingml/2011/main" xmlns:a14="http://schemas.microsoft.com/office/drawing/2010/main" xmlns:m="http://schemas.openxmlformats.org/officeDocument/2006/math" xmlns="" val="1"/>
             </a:ext>
           </a:extLst>
         </p:spPr>
@@ -14447,7 +15171,6 @@
           <a:bodyPr/>
           <a:lstStyle/>
           <a:p>
-            <a:pPr/>
             <a:r>
               <a:t>R</a:t>
             </a:r>
@@ -14457,7 +15180,9 @@
       <p:sp>
         <p:nvSpPr>
           <p:cNvPr id="434" name="Segnaposto testo 9"/>
-          <p:cNvSpPr/>
+          <p:cNvSpPr>
+            <a:spLocks noGrp="1"/>
+          </p:cNvSpPr>
           <p:nvPr>
             <p:ph type="body" idx="27"/>
           </p:nvPr>
@@ -14468,7 +15193,7 @@
           </a:prstGeom>
           <a:extLst>
             <a:ext uri="{C572A759-6A51-4108-AA02-DFA0A04FC94B}">
-              <ma14:wrappingTextBoxFlag xmlns:ma14="http://schemas.microsoft.com/office/mac/drawingml/2011/main" val="1"/>
+              <ma14:wrappingTextBoxFlag xmlns:ma14="http://schemas.microsoft.com/office/mac/drawingml/2011/main" xmlns:a14="http://schemas.microsoft.com/office/drawing/2010/main" xmlns:m="http://schemas.openxmlformats.org/officeDocument/2006/math" xmlns="" val="1"/>
             </a:ext>
           </a:extLst>
         </p:spPr>
@@ -14476,7 +15201,6 @@
           <a:bodyPr/>
           <a:lstStyle/>
           <a:p>
-            <a:pPr/>
             <a:r>
               <a:t>A</a:t>
             </a:r>
@@ -14486,7 +15210,9 @@
       <p:sp>
         <p:nvSpPr>
           <p:cNvPr id="435" name="Segnaposto testo 10"/>
-          <p:cNvSpPr/>
+          <p:cNvSpPr>
+            <a:spLocks noGrp="1"/>
+          </p:cNvSpPr>
           <p:nvPr>
             <p:ph type="body" idx="28"/>
           </p:nvPr>
@@ -14497,7 +15223,7 @@
           </a:prstGeom>
           <a:extLst>
             <a:ext uri="{C572A759-6A51-4108-AA02-DFA0A04FC94B}">
-              <ma14:wrappingTextBoxFlag xmlns:ma14="http://schemas.microsoft.com/office/mac/drawingml/2011/main" val="1"/>
+              <ma14:wrappingTextBoxFlag xmlns:ma14="http://schemas.microsoft.com/office/mac/drawingml/2011/main" xmlns:a14="http://schemas.microsoft.com/office/drawing/2010/main" xmlns:m="http://schemas.openxmlformats.org/officeDocument/2006/math" xmlns="" val="1"/>
             </a:ext>
           </a:extLst>
         </p:spPr>
@@ -14505,7 +15231,6 @@
           <a:bodyPr/>
           <a:lstStyle/>
           <a:p>
-            <a:pPr/>
             <a:r>
               <a:t>P</a:t>
             </a:r>
@@ -14515,7 +15240,9 @@
       <p:sp>
         <p:nvSpPr>
           <p:cNvPr id="436" name="Segnaposto testo 11"/>
-          <p:cNvSpPr/>
+          <p:cNvSpPr>
+            <a:spLocks noGrp="1"/>
+          </p:cNvSpPr>
           <p:nvPr>
             <p:ph type="body" idx="29"/>
           </p:nvPr>
@@ -14526,7 +15253,7 @@
           </a:prstGeom>
           <a:extLst>
             <a:ext uri="{C572A759-6A51-4108-AA02-DFA0A04FC94B}">
-              <ma14:wrappingTextBoxFlag xmlns:ma14="http://schemas.microsoft.com/office/mac/drawingml/2011/main" val="1"/>
+              <ma14:wrappingTextBoxFlag xmlns:ma14="http://schemas.microsoft.com/office/mac/drawingml/2011/main" xmlns:a14="http://schemas.microsoft.com/office/drawing/2010/main" xmlns:m="http://schemas.openxmlformats.org/officeDocument/2006/math" xmlns="" val="1"/>
             </a:ext>
           </a:extLst>
         </p:spPr>
@@ -14534,7 +15261,6 @@
           <a:bodyPr/>
           <a:lstStyle/>
           <a:p>
-            <a:pPr/>
             <a:r>
               <a:t>I</a:t>
             </a:r>
@@ -14544,7 +15270,9 @@
       <p:sp>
         <p:nvSpPr>
           <p:cNvPr id="437" name="Segnaposto testo 12"/>
-          <p:cNvSpPr/>
+          <p:cNvSpPr>
+            <a:spLocks noGrp="1"/>
+          </p:cNvSpPr>
           <p:nvPr>
             <p:ph type="body" idx="30"/>
           </p:nvPr>
@@ -14555,7 +15283,7 @@
           </a:prstGeom>
           <a:extLst>
             <a:ext uri="{C572A759-6A51-4108-AA02-DFA0A04FC94B}">
-              <ma14:wrappingTextBoxFlag xmlns:ma14="http://schemas.microsoft.com/office/mac/drawingml/2011/main" val="1"/>
+              <ma14:wrappingTextBoxFlag xmlns:ma14="http://schemas.microsoft.com/office/mac/drawingml/2011/main" xmlns:a14="http://schemas.microsoft.com/office/drawing/2010/main" xmlns:m="http://schemas.openxmlformats.org/officeDocument/2006/math" xmlns="" val="1"/>
             </a:ext>
           </a:extLst>
         </p:spPr>
@@ -14563,7 +15291,6 @@
           <a:bodyPr/>
           <a:lstStyle/>
           <a:p>
-            <a:pPr/>
             <a:r>
               <a:t>T</a:t>
             </a:r>
@@ -14573,7 +15300,9 @@
       <p:sp>
         <p:nvSpPr>
           <p:cNvPr id="438" name="Segnaposto testo 13"/>
-          <p:cNvSpPr/>
+          <p:cNvSpPr>
+            <a:spLocks noGrp="1"/>
+          </p:cNvSpPr>
           <p:nvPr>
             <p:ph type="body" idx="31"/>
           </p:nvPr>
@@ -14588,7 +15317,7 @@
           </a:prstGeom>
           <a:extLst>
             <a:ext uri="{C572A759-6A51-4108-AA02-DFA0A04FC94B}">
-              <ma14:wrappingTextBoxFlag xmlns:ma14="http://schemas.microsoft.com/office/mac/drawingml/2011/main" val="1"/>
+              <ma14:wrappingTextBoxFlag xmlns:ma14="http://schemas.microsoft.com/office/mac/drawingml/2011/main" xmlns:a14="http://schemas.microsoft.com/office/drawing/2010/main" xmlns:m="http://schemas.openxmlformats.org/officeDocument/2006/math" xmlns="" val="1"/>
             </a:ext>
           </a:extLst>
         </p:spPr>
@@ -14603,7 +15332,6 @@
             </a:lvl1pPr>
           </a:lstStyle>
           <a:p>
-            <a:pPr/>
             <a:r>
               <a:t>Progetto</a:t>
             </a:r>
@@ -14613,7 +15341,9 @@
       <p:sp>
         <p:nvSpPr>
           <p:cNvPr id="439" name="Segnaposto testo 14"/>
-          <p:cNvSpPr/>
+          <p:cNvSpPr>
+            <a:spLocks noGrp="1"/>
+          </p:cNvSpPr>
           <p:nvPr>
             <p:ph type="body" idx="32"/>
           </p:nvPr>
@@ -14628,7 +15358,7 @@
           </a:prstGeom>
           <a:extLst>
             <a:ext uri="{C572A759-6A51-4108-AA02-DFA0A04FC94B}">
-              <ma14:wrappingTextBoxFlag xmlns:ma14="http://schemas.microsoft.com/office/mac/drawingml/2011/main" val="1"/>
+              <ma14:wrappingTextBoxFlag xmlns:ma14="http://schemas.microsoft.com/office/mac/drawingml/2011/main" xmlns:a14="http://schemas.microsoft.com/office/drawing/2010/main" xmlns:m="http://schemas.openxmlformats.org/officeDocument/2006/math" xmlns="" val="1"/>
             </a:ext>
           </a:extLst>
         </p:spPr>
@@ -14643,7 +15373,6 @@
             </a:lvl1pPr>
           </a:lstStyle>
           <a:p>
-            <a:pPr/>
             <a:r>
               <a:t>Implementazione</a:t>
             </a:r>
@@ -14653,7 +15382,9 @@
       <p:sp>
         <p:nvSpPr>
           <p:cNvPr id="440" name="Segnaposto testo 15"/>
-          <p:cNvSpPr/>
+          <p:cNvSpPr>
+            <a:spLocks noGrp="1"/>
+          </p:cNvSpPr>
           <p:nvPr>
             <p:ph type="body" idx="33"/>
           </p:nvPr>
@@ -14668,7 +15399,7 @@
           </a:prstGeom>
           <a:extLst>
             <a:ext uri="{C572A759-6A51-4108-AA02-DFA0A04FC94B}">
-              <ma14:wrappingTextBoxFlag xmlns:ma14="http://schemas.microsoft.com/office/mac/drawingml/2011/main" val="1"/>
+              <ma14:wrappingTextBoxFlag xmlns:ma14="http://schemas.microsoft.com/office/mac/drawingml/2011/main" xmlns:a14="http://schemas.microsoft.com/office/drawing/2010/main" xmlns:m="http://schemas.openxmlformats.org/officeDocument/2006/math" xmlns="" val="1"/>
             </a:ext>
           </a:extLst>
         </p:spPr>
@@ -14683,7 +15414,6 @@
             </a:lvl1pPr>
           </a:lstStyle>
           <a:p>
-            <a:pPr/>
             <a:r>
               <a:t>Test</a:t>
             </a:r>
@@ -14693,7 +15423,9 @@
       <p:sp>
         <p:nvSpPr>
           <p:cNvPr id="441" name="Segnaposto testo 17"/>
-          <p:cNvSpPr/>
+          <p:cNvSpPr>
+            <a:spLocks noGrp="1"/>
+          </p:cNvSpPr>
           <p:nvPr>
             <p:ph type="body" idx="34"/>
           </p:nvPr>
@@ -14707,7 +15439,7 @@
           <a:bodyPr/>
           <a:lstStyle/>
           <a:p>
-            <a:pPr/>
+            <a:endParaRPr/>
           </a:p>
         </p:txBody>
       </p:sp>
@@ -14720,10 +15452,8 @@
           <p:nvPr/>
         </p:nvPicPr>
         <p:blipFill>
-          <a:blip r:embed="rId2">
-            <a:extLst/>
-          </a:blip>
-          <a:srcRect l="56" t="0" r="43" b="0"/>
+          <a:blip r:embed="rId2"/>
+          <a:srcRect l="56" r="43"/>
           <a:stretch>
             <a:fillRect/>
           </a:stretch>
@@ -14753,7 +15483,7 @@
             </a:cxnLst>
             <a:rect l="0" t="0" r="r" b="b"/>
             <a:pathLst>
-              <a:path w="21600" h="21600" fill="norm" stroke="1" extrusionOk="0">
+              <a:path w="21600" h="21600" extrusionOk="0">
                 <a:moveTo>
                   <a:pt x="10800" y="0"/>
                 </a:moveTo>
@@ -14791,12 +15521,12 @@
   <p:clrMapOvr>
     <a:masterClrMapping/>
   </p:clrMapOvr>
-  <p:transition xmlns:p14="http://schemas.microsoft.com/office/powerpoint/2010/main" spd="med" advClick="1"/>
+  <p:transition spd="med"/>
 </p:sld>
 </file>
 
 <file path=ppt/slides/slide7.xml><?xml version="1.0" encoding="utf-8"?>
-<p:sld xmlns:a="http://schemas.openxmlformats.org/drawingml/2006/main" xmlns:r="http://schemas.openxmlformats.org/officeDocument/2006/relationships" xmlns:p="http://schemas.openxmlformats.org/presentationml/2006/main" xmlns:m="http://schemas.openxmlformats.org/officeDocument/2006/math" xmlns:a14="http://schemas.microsoft.com/office/drawing/2010/main" showMasterSp="1" showMasterPhAnim="1">
+<p:sld xmlns:a="http://schemas.openxmlformats.org/drawingml/2006/main" xmlns:r="http://schemas.openxmlformats.org/officeDocument/2006/relationships" xmlns:p="http://schemas.openxmlformats.org/presentationml/2006/main">
   <p:cSld>
     <p:spTree>
       <p:nvGrpSpPr>
@@ -14831,7 +15561,7 @@
           </a:ln>
           <a:extLst>
             <a:ext uri="{C572A759-6A51-4108-AA02-DFA0A04FC94B}">
-              <ma14:wrappingTextBoxFlag xmlns:ma14="http://schemas.microsoft.com/office/mac/drawingml/2011/main" val="1"/>
+              <ma14:wrappingTextBoxFlag xmlns:ma14="http://schemas.microsoft.com/office/mac/drawingml/2011/main" xmlns:a14="http://schemas.microsoft.com/office/drawing/2010/main" xmlns:m="http://schemas.openxmlformats.org/officeDocument/2006/math" xmlns="" val="1"/>
             </a:ext>
           </a:extLst>
         </p:spPr>
@@ -14845,7 +15575,6 @@
             </a:lvl1pPr>
           </a:lstStyle>
           <a:p>
-            <a:pPr/>
             <a:r>
               <a:t>Progetto J24 università degli studi di pavia</a:t>
             </a:r>
@@ -14855,7 +15584,9 @@
       <p:sp>
         <p:nvSpPr>
           <p:cNvPr id="445" name="Titolo 1"/>
-          <p:cNvSpPr txBox="1"/>
+          <p:cNvSpPr txBox="1">
+            <a:spLocks noGrp="1"/>
+          </p:cNvSpPr>
           <p:nvPr>
             <p:ph type="title"/>
           </p:nvPr>
@@ -14877,7 +15608,6 @@
             </a:lvl1pPr>
           </a:lstStyle>
           <a:p>
-            <a:pPr/>
             <a:r>
               <a:t>Requisiti </a:t>
             </a:r>
@@ -14887,7 +15617,9 @@
       <p:sp>
         <p:nvSpPr>
           <p:cNvPr id="446" name="Segnaposto contenuto 2"/>
-          <p:cNvSpPr txBox="1"/>
+          <p:cNvSpPr txBox="1">
+            <a:spLocks noGrp="1"/>
+          </p:cNvSpPr>
           <p:nvPr>
             <p:ph type="body" idx="1"/>
           </p:nvPr>
@@ -15007,6 +15739,7 @@
             <a:pPr>
               <a:defRPr sz="1900"/>
             </a:pPr>
+            <a:endParaRPr/>
           </a:p>
           <a:p>
             <a:pPr>
@@ -15021,7 +15754,9 @@
       <p:sp>
         <p:nvSpPr>
           <p:cNvPr id="447" name="Segnaposto testo 3"/>
-          <p:cNvSpPr/>
+          <p:cNvSpPr>
+            <a:spLocks noGrp="1"/>
+          </p:cNvSpPr>
           <p:nvPr>
             <p:ph type="body" idx="21"/>
           </p:nvPr>
@@ -15035,7 +15770,7 @@
           <a:bodyPr/>
           <a:lstStyle/>
           <a:p>
-            <a:pPr/>
+            <a:endParaRPr/>
           </a:p>
         </p:txBody>
       </p:sp>
@@ -15048,10 +15783,8 @@
           <p:nvPr/>
         </p:nvPicPr>
         <p:blipFill>
-          <a:blip r:embed="rId2">
-            <a:extLst/>
-          </a:blip>
-          <a:srcRect l="56" t="0" r="56" b="0"/>
+          <a:blip r:embed="rId2"/>
+          <a:srcRect l="56" r="56"/>
           <a:stretch>
             <a:fillRect/>
           </a:stretch>
@@ -15081,7 +15814,7 @@
             </a:cxnLst>
             <a:rect l="0" t="0" r="r" b="b"/>
             <a:pathLst>
-              <a:path w="21600" h="21600" fill="norm" stroke="1" extrusionOk="0">
+              <a:path w="21600" h="21600" extrusionOk="0">
                 <a:moveTo>
                   <a:pt x="10798" y="0"/>
                 </a:moveTo>
@@ -15123,10 +15856,8 @@
           <p:nvPr/>
         </p:nvPicPr>
         <p:blipFill>
-          <a:blip r:embed="rId2">
-            <a:extLst/>
-          </a:blip>
-          <a:srcRect l="56" t="0" r="43" b="0"/>
+          <a:blip r:embed="rId2"/>
+          <a:srcRect l="56" r="43"/>
           <a:stretch>
             <a:fillRect/>
           </a:stretch>
@@ -15156,7 +15887,7 @@
             </a:cxnLst>
             <a:rect l="0" t="0" r="r" b="b"/>
             <a:pathLst>
-              <a:path w="21600" h="21600" fill="norm" stroke="1" extrusionOk="0">
+              <a:path w="21600" h="21600" extrusionOk="0">
                 <a:moveTo>
                   <a:pt x="10800" y="0"/>
                 </a:moveTo>
@@ -15194,12 +15925,12 @@
   <p:clrMapOvr>
     <a:masterClrMapping/>
   </p:clrMapOvr>
-  <p:transition xmlns:p14="http://schemas.microsoft.com/office/powerpoint/2010/main" spd="med" advClick="1"/>
+  <p:transition spd="med"/>
 </p:sld>
 </file>
 
 <file path=ppt/slides/slide8.xml><?xml version="1.0" encoding="utf-8"?>
-<p:sld xmlns:a="http://schemas.openxmlformats.org/drawingml/2006/main" xmlns:r="http://schemas.openxmlformats.org/officeDocument/2006/relationships" xmlns:p="http://schemas.openxmlformats.org/presentationml/2006/main" xmlns:m="http://schemas.openxmlformats.org/officeDocument/2006/math" xmlns:a14="http://schemas.microsoft.com/office/drawing/2010/main" showMasterSp="1" showMasterPhAnim="1">
+<p:sld xmlns:a="http://schemas.openxmlformats.org/drawingml/2006/main" xmlns:r="http://schemas.openxmlformats.org/officeDocument/2006/relationships" xmlns:p="http://schemas.openxmlformats.org/presentationml/2006/main">
   <p:cSld>
     <p:spTree>
       <p:nvGrpSpPr>
@@ -15234,7 +15965,7 @@
           </a:ln>
           <a:extLst>
             <a:ext uri="{C572A759-6A51-4108-AA02-DFA0A04FC94B}">
-              <ma14:wrappingTextBoxFlag xmlns:ma14="http://schemas.microsoft.com/office/mac/drawingml/2011/main" val="1"/>
+              <ma14:wrappingTextBoxFlag xmlns:ma14="http://schemas.microsoft.com/office/mac/drawingml/2011/main" xmlns:a14="http://schemas.microsoft.com/office/drawing/2010/main" xmlns:m="http://schemas.openxmlformats.org/officeDocument/2006/math" xmlns="" val="1"/>
             </a:ext>
           </a:extLst>
         </p:spPr>
@@ -15252,7 +15983,6 @@
             </a:lvl1pPr>
           </a:lstStyle>
           <a:p>
-            <a:pPr/>
             <a:r>
               <a:t>Progetto J24 università degli studi di pavia</a:t>
             </a:r>
@@ -15262,7 +15992,9 @@
       <p:sp>
         <p:nvSpPr>
           <p:cNvPr id="452" name="Titolo 1"/>
-          <p:cNvSpPr txBox="1"/>
+          <p:cNvSpPr txBox="1">
+            <a:spLocks noGrp="1"/>
+          </p:cNvSpPr>
           <p:nvPr>
             <p:ph type="title"/>
           </p:nvPr>
@@ -15284,7 +16016,6 @@
             </a:lvl1pPr>
           </a:lstStyle>
           <a:p>
-            <a:pPr/>
             <a:r>
               <a:t>Casi d’uso (divisione interna)</a:t>
             </a:r>
@@ -15294,7 +16025,9 @@
       <p:sp>
         <p:nvSpPr>
           <p:cNvPr id="453" name="Segnaposto testo 2"/>
-          <p:cNvSpPr txBox="1"/>
+          <p:cNvSpPr txBox="1">
+            <a:spLocks noGrp="1"/>
+          </p:cNvSpPr>
           <p:nvPr>
             <p:ph type="body" sz="quarter" idx="1"/>
           </p:nvPr>
@@ -15315,6 +16048,7 @@
             <a:pPr defTabSz="713231">
               <a:defRPr sz="2496"/>
             </a:pPr>
+            <a:endParaRPr/>
           </a:p>
         </p:txBody>
       </p:sp>
@@ -15361,7 +16095,7 @@
             </a:bodyPr>
             <a:lstStyle/>
             <a:p>
-              <a:pPr/>
+              <a:endParaRPr/>
             </a:p>
           </p:txBody>
         </p:sp>
@@ -15374,9 +16108,7 @@
             <p:nvPr/>
           </p:nvPicPr>
           <p:blipFill>
-            <a:blip r:embed="rId2">
-              <a:extLst/>
-            </a:blip>
+            <a:blip r:embed="rId2"/>
             <a:stretch>
               <a:fillRect/>
             </a:stretch>
@@ -15400,7 +16132,9 @@
       <p:sp>
         <p:nvSpPr>
           <p:cNvPr id="457" name="Segnaposto testo 5"/>
-          <p:cNvSpPr/>
+          <p:cNvSpPr>
+            <a:spLocks noGrp="1"/>
+          </p:cNvSpPr>
           <p:nvPr>
             <p:ph type="body" idx="23"/>
           </p:nvPr>
@@ -15415,7 +16149,7 @@
           </a:prstGeom>
           <a:extLst>
             <a:ext uri="{C572A759-6A51-4108-AA02-DFA0A04FC94B}">
-              <ma14:wrappingTextBoxFlag xmlns:ma14="http://schemas.microsoft.com/office/mac/drawingml/2011/main" val="1"/>
+              <ma14:wrappingTextBoxFlag xmlns:ma14="http://schemas.microsoft.com/office/mac/drawingml/2011/main" xmlns:a14="http://schemas.microsoft.com/office/drawing/2010/main" xmlns:m="http://schemas.openxmlformats.org/officeDocument/2006/math" xmlns="" val="1"/>
             </a:ext>
           </a:extLst>
         </p:spPr>
@@ -15460,7 +16194,9 @@
       <p:sp>
         <p:nvSpPr>
           <p:cNvPr id="458" name="Segnaposto testo 6"/>
-          <p:cNvSpPr/>
+          <p:cNvSpPr>
+            <a:spLocks noGrp="1"/>
+          </p:cNvSpPr>
           <p:nvPr>
             <p:ph type="body" idx="24"/>
           </p:nvPr>
@@ -15471,7 +16207,7 @@
           </a:prstGeom>
           <a:extLst>
             <a:ext uri="{C572A759-6A51-4108-AA02-DFA0A04FC94B}">
-              <ma14:wrappingTextBoxFlag xmlns:ma14="http://schemas.microsoft.com/office/mac/drawingml/2011/main" val="1"/>
+              <ma14:wrappingTextBoxFlag xmlns:ma14="http://schemas.microsoft.com/office/mac/drawingml/2011/main" xmlns:a14="http://schemas.microsoft.com/office/drawing/2010/main" xmlns:m="http://schemas.openxmlformats.org/officeDocument/2006/math" xmlns="" val="1"/>
             </a:ext>
           </a:extLst>
         </p:spPr>
@@ -15486,7 +16222,6 @@
             </a:lvl1pPr>
           </a:lstStyle>
           <a:p>
-            <a:pPr/>
             <a:r>
               <a:t>Gestione Picking</a:t>
             </a:r>
@@ -15496,7 +16231,9 @@
       <p:sp>
         <p:nvSpPr>
           <p:cNvPr id="459" name="Segnaposto testo 7"/>
-          <p:cNvSpPr/>
+          <p:cNvSpPr>
+            <a:spLocks noGrp="1"/>
+          </p:cNvSpPr>
           <p:nvPr>
             <p:ph type="body" idx="25"/>
           </p:nvPr>
@@ -15507,7 +16244,7 @@
           </a:prstGeom>
           <a:extLst>
             <a:ext uri="{C572A759-6A51-4108-AA02-DFA0A04FC94B}">
-              <ma14:wrappingTextBoxFlag xmlns:ma14="http://schemas.microsoft.com/office/mac/drawingml/2011/main" val="1"/>
+              <ma14:wrappingTextBoxFlag xmlns:ma14="http://schemas.microsoft.com/office/mac/drawingml/2011/main" xmlns:a14="http://schemas.microsoft.com/office/drawing/2010/main" xmlns:m="http://schemas.openxmlformats.org/officeDocument/2006/math" xmlns="" val="1"/>
             </a:ext>
           </a:extLst>
         </p:spPr>
@@ -15522,7 +16259,6 @@
             </a:lvl1pPr>
           </a:lstStyle>
           <a:p>
-            <a:pPr/>
             <a:r>
               <a:t>Gestione Shop</a:t>
             </a:r>
@@ -15532,7 +16268,9 @@
       <p:sp>
         <p:nvSpPr>
           <p:cNvPr id="460" name="Segnaposto testo 8"/>
-          <p:cNvSpPr/>
+          <p:cNvSpPr>
+            <a:spLocks noGrp="1"/>
+          </p:cNvSpPr>
           <p:nvPr>
             <p:ph type="body" idx="26"/>
           </p:nvPr>
@@ -15547,7 +16285,7 @@
           </a:prstGeom>
           <a:extLst>
             <a:ext uri="{C572A759-6A51-4108-AA02-DFA0A04FC94B}">
-              <ma14:wrappingTextBoxFlag xmlns:ma14="http://schemas.microsoft.com/office/mac/drawingml/2011/main" val="1"/>
+              <ma14:wrappingTextBoxFlag xmlns:ma14="http://schemas.microsoft.com/office/mac/drawingml/2011/main" xmlns:a14="http://schemas.microsoft.com/office/drawing/2010/main" xmlns:m="http://schemas.openxmlformats.org/officeDocument/2006/math" xmlns="" val="1"/>
             </a:ext>
           </a:extLst>
         </p:spPr>
@@ -15592,7 +16330,9 @@
       <p:sp>
         <p:nvSpPr>
           <p:cNvPr id="461" name="Segnaposto testo 9"/>
-          <p:cNvSpPr/>
+          <p:cNvSpPr>
+            <a:spLocks noGrp="1"/>
+          </p:cNvSpPr>
           <p:nvPr>
             <p:ph type="body" idx="27"/>
           </p:nvPr>
@@ -15603,7 +16343,7 @@
           </a:prstGeom>
           <a:extLst>
             <a:ext uri="{C572A759-6A51-4108-AA02-DFA0A04FC94B}">
-              <ma14:wrappingTextBoxFlag xmlns:ma14="http://schemas.microsoft.com/office/mac/drawingml/2011/main" val="1"/>
+              <ma14:wrappingTextBoxFlag xmlns:ma14="http://schemas.microsoft.com/office/mac/drawingml/2011/main" xmlns:a14="http://schemas.microsoft.com/office/drawing/2010/main" xmlns:m="http://schemas.openxmlformats.org/officeDocument/2006/math" xmlns="" val="1"/>
             </a:ext>
           </a:extLst>
         </p:spPr>
@@ -15623,7 +16363,6 @@
             </a:lvl1pPr>
           </a:lstStyle>
           <a:p>
-            <a:pPr/>
             <a:r>
               <a:t>frazz02</a:t>
             </a:r>
@@ -15633,7 +16372,9 @@
       <p:sp>
         <p:nvSpPr>
           <p:cNvPr id="462" name="Segnaposto testo 10"/>
-          <p:cNvSpPr/>
+          <p:cNvSpPr>
+            <a:spLocks noGrp="1"/>
+          </p:cNvSpPr>
           <p:nvPr>
             <p:ph type="body" idx="28"/>
           </p:nvPr>
@@ -15644,7 +16385,7 @@
           </a:prstGeom>
           <a:extLst>
             <a:ext uri="{C572A759-6A51-4108-AA02-DFA0A04FC94B}">
-              <ma14:wrappingTextBoxFlag xmlns:ma14="http://schemas.microsoft.com/office/mac/drawingml/2011/main" val="1"/>
+              <ma14:wrappingTextBoxFlag xmlns:ma14="http://schemas.microsoft.com/office/mac/drawingml/2011/main" xmlns:a14="http://schemas.microsoft.com/office/drawing/2010/main" xmlns:m="http://schemas.openxmlformats.org/officeDocument/2006/math" xmlns="" val="1"/>
             </a:ext>
           </a:extLst>
         </p:spPr>
@@ -15664,7 +16405,6 @@
             </a:lvl1pPr>
           </a:lstStyle>
           <a:p>
-            <a:pPr/>
             <a:r>
               <a:t>giul02</a:t>
             </a:r>
@@ -15714,7 +16454,7 @@
             </a:bodyPr>
             <a:lstStyle/>
             <a:p>
-              <a:pPr/>
+              <a:endParaRPr/>
             </a:p>
           </p:txBody>
         </p:sp>
@@ -15727,9 +16467,7 @@
             <p:nvPr/>
           </p:nvPicPr>
           <p:blipFill>
-            <a:blip r:embed="rId3">
-              <a:extLst/>
-            </a:blip>
+            <a:blip r:embed="rId3"/>
             <a:stretch>
               <a:fillRect/>
             </a:stretch>
@@ -15793,7 +16531,7 @@
             </a:bodyPr>
             <a:lstStyle/>
             <a:p>
-              <a:pPr/>
+              <a:endParaRPr/>
             </a:p>
           </p:txBody>
         </p:sp>
@@ -15806,9 +16544,7 @@
             <p:nvPr/>
           </p:nvPicPr>
           <p:blipFill>
-            <a:blip r:embed="rId2">
-              <a:extLst/>
-            </a:blip>
+            <a:blip r:embed="rId2"/>
             <a:stretch>
               <a:fillRect/>
             </a:stretch>
@@ -15832,7 +16568,9 @@
       <p:sp>
         <p:nvSpPr>
           <p:cNvPr id="469" name="Segnaposto testo 13"/>
-          <p:cNvSpPr/>
+          <p:cNvSpPr>
+            <a:spLocks noGrp="1"/>
+          </p:cNvSpPr>
           <p:nvPr>
             <p:ph type="body" idx="31"/>
           </p:nvPr>
@@ -15843,7 +16581,7 @@
           </a:prstGeom>
           <a:extLst>
             <a:ext uri="{C572A759-6A51-4108-AA02-DFA0A04FC94B}">
-              <ma14:wrappingTextBoxFlag xmlns:ma14="http://schemas.microsoft.com/office/mac/drawingml/2011/main" val="1"/>
+              <ma14:wrappingTextBoxFlag xmlns:ma14="http://schemas.microsoft.com/office/mac/drawingml/2011/main" xmlns:a14="http://schemas.microsoft.com/office/drawing/2010/main" xmlns:m="http://schemas.openxmlformats.org/officeDocument/2006/math" xmlns="" val="1"/>
             </a:ext>
           </a:extLst>
         </p:spPr>
@@ -15863,7 +16601,6 @@
             </a:lvl1pPr>
           </a:lstStyle>
           <a:p>
-            <a:pPr/>
             <a:r>
               <a:t>rosci01</a:t>
             </a:r>
@@ -15873,7 +16610,9 @@
       <p:sp>
         <p:nvSpPr>
           <p:cNvPr id="470" name="Segnaposto testo 14"/>
-          <p:cNvSpPr/>
+          <p:cNvSpPr>
+            <a:spLocks noGrp="1"/>
+          </p:cNvSpPr>
           <p:nvPr>
             <p:ph type="body" idx="32"/>
           </p:nvPr>
@@ -15884,7 +16623,7 @@
           </a:prstGeom>
           <a:extLst>
             <a:ext uri="{C572A759-6A51-4108-AA02-DFA0A04FC94B}">
-              <ma14:wrappingTextBoxFlag xmlns:ma14="http://schemas.microsoft.com/office/mac/drawingml/2011/main" val="1"/>
+              <ma14:wrappingTextBoxFlag xmlns:ma14="http://schemas.microsoft.com/office/mac/drawingml/2011/main" xmlns:a14="http://schemas.microsoft.com/office/drawing/2010/main" xmlns:m="http://schemas.openxmlformats.org/officeDocument/2006/math" xmlns="" val="1"/>
             </a:ext>
           </a:extLst>
         </p:spPr>
@@ -15904,7 +16643,6 @@
             </a:lvl1pPr>
           </a:lstStyle>
           <a:p>
-            <a:pPr/>
             <a:r>
               <a:t>cienzman</a:t>
             </a:r>
@@ -15954,7 +16692,7 @@
             </a:bodyPr>
             <a:lstStyle/>
             <a:p>
-              <a:pPr/>
+              <a:endParaRPr/>
             </a:p>
           </p:txBody>
         </p:sp>
@@ -15967,10 +16705,8 @@
             <p:nvPr/>
           </p:nvPicPr>
           <p:blipFill>
-            <a:blip r:embed="rId3">
-              <a:extLst/>
-            </a:blip>
-            <a:srcRect l="56" t="0" r="56" b="0"/>
+            <a:blip r:embed="rId3"/>
+            <a:srcRect l="56" r="56"/>
             <a:stretch>
               <a:fillRect/>
             </a:stretch>
@@ -16000,10 +16736,8 @@
           <p:nvPr/>
         </p:nvPicPr>
         <p:blipFill>
-          <a:blip r:embed="rId4">
-            <a:extLst/>
-          </a:blip>
-          <a:srcRect l="56" t="0" r="43" b="0"/>
+          <a:blip r:embed="rId4"/>
+          <a:srcRect l="56" r="43"/>
           <a:stretch>
             <a:fillRect/>
           </a:stretch>
@@ -16033,7 +16767,7 @@
             </a:cxnLst>
             <a:rect l="0" t="0" r="r" b="b"/>
             <a:pathLst>
-              <a:path w="21600" h="21600" fill="norm" stroke="1" extrusionOk="0">
+              <a:path w="21600" h="21600" extrusionOk="0">
                 <a:moveTo>
                   <a:pt x="10800" y="0"/>
                 </a:moveTo>
@@ -16071,12 +16805,12 @@
   <p:clrMapOvr>
     <a:masterClrMapping/>
   </p:clrMapOvr>
-  <p:transition xmlns:p14="http://schemas.microsoft.com/office/powerpoint/2010/main" spd="med" advClick="1"/>
+  <p:transition spd="med"/>
 </p:sld>
 </file>
 
 <file path=ppt/slides/slide9.xml><?xml version="1.0" encoding="utf-8"?>
-<p:sld xmlns:a="http://schemas.openxmlformats.org/drawingml/2006/main" xmlns:r="http://schemas.openxmlformats.org/officeDocument/2006/relationships" xmlns:p="http://schemas.openxmlformats.org/presentationml/2006/main" xmlns:m="http://schemas.openxmlformats.org/officeDocument/2006/math" xmlns:a14="http://schemas.microsoft.com/office/drawing/2010/main" showMasterSp="1" showMasterPhAnim="1">
+<p:sld xmlns:a="http://schemas.openxmlformats.org/drawingml/2006/main" xmlns:r="http://schemas.openxmlformats.org/officeDocument/2006/relationships" xmlns:p="http://schemas.openxmlformats.org/presentationml/2006/main">
   <p:cSld>
     <p:spTree>
       <p:nvGrpSpPr>
@@ -16111,7 +16845,7 @@
           </a:ln>
           <a:extLst>
             <a:ext uri="{C572A759-6A51-4108-AA02-DFA0A04FC94B}">
-              <ma14:wrappingTextBoxFlag xmlns:ma14="http://schemas.microsoft.com/office/mac/drawingml/2011/main" val="1"/>
+              <ma14:wrappingTextBoxFlag xmlns:ma14="http://schemas.microsoft.com/office/mac/drawingml/2011/main" xmlns:a14="http://schemas.microsoft.com/office/drawing/2010/main" xmlns:m="http://schemas.openxmlformats.org/officeDocument/2006/math" xmlns="" val="1"/>
             </a:ext>
           </a:extLst>
         </p:spPr>
@@ -16129,7 +16863,6 @@
             </a:lvl1pPr>
           </a:lstStyle>
           <a:p>
-            <a:pPr/>
             <a:r>
               <a:t>Progetto J24 università degli studi di pavia</a:t>
             </a:r>
@@ -16139,7 +16872,9 @@
       <p:sp>
         <p:nvSpPr>
           <p:cNvPr id="477" name="Titolo 1"/>
-          <p:cNvSpPr txBox="1"/>
+          <p:cNvSpPr txBox="1">
+            <a:spLocks noGrp="1"/>
+          </p:cNvSpPr>
           <p:nvPr>
             <p:ph type="title"/>
           </p:nvPr>
@@ -16161,7 +16896,6 @@
             </a:lvl1pPr>
           </a:lstStyle>
           <a:p>
-            <a:pPr/>
             <a:r>
               <a:t>Diagramma delle Classi2.0</a:t>
             </a:r>
@@ -16177,9 +16911,7 @@
           <p:nvPr/>
         </p:nvPicPr>
         <p:blipFill>
-          <a:blip r:embed="rId2">
-            <a:extLst/>
-          </a:blip>
+          <a:blip r:embed="rId2"/>
           <a:stretch>
             <a:fillRect/>
           </a:stretch>
@@ -16200,7 +16932,9 @@
       <p:sp>
         <p:nvSpPr>
           <p:cNvPr id="479" name="Segnaposto testo 3"/>
-          <p:cNvSpPr txBox="1"/>
+          <p:cNvSpPr txBox="1">
+            <a:spLocks noGrp="1"/>
+          </p:cNvSpPr>
           <p:nvPr>
             <p:ph type="body" sz="quarter" idx="1"/>
           </p:nvPr>
@@ -16228,6 +16962,7 @@
                 <a:noFill/>
               </a:defRPr>
             </a:pPr>
+            <a:endParaRPr/>
           </a:p>
         </p:txBody>
       </p:sp>
@@ -16240,10 +16975,8 @@
           <p:nvPr/>
         </p:nvPicPr>
         <p:blipFill>
-          <a:blip r:embed="rId3">
-            <a:extLst/>
-          </a:blip>
-          <a:srcRect l="56" t="0" r="31" b="0"/>
+          <a:blip r:embed="rId3"/>
+          <a:srcRect l="56" r="31"/>
           <a:stretch>
             <a:fillRect/>
           </a:stretch>
@@ -16273,7 +17006,7 @@
             </a:cxnLst>
             <a:rect l="0" t="0" r="r" b="b"/>
             <a:pathLst>
-              <a:path w="21600" h="21600" fill="norm" stroke="1" extrusionOk="0">
+              <a:path w="21600" h="21600" extrusionOk="0">
                 <a:moveTo>
                   <a:pt x="10800" y="0"/>
                 </a:moveTo>
@@ -16311,12 +17044,12 @@
   <p:clrMapOvr>
     <a:masterClrMapping/>
   </p:clrMapOvr>
-  <p:transition xmlns:p14="http://schemas.microsoft.com/office/powerpoint/2010/main" spd="med" advClick="1"/>
+  <p:transition spd="med"/>
 </p:sld>
 </file>
 
 <file path=ppt/theme/theme1.xml><?xml version="1.0" encoding="utf-8"?>
-<a:theme xmlns:a="http://schemas.openxmlformats.org/drawingml/2006/main" xmlns:r="http://schemas.openxmlformats.org/officeDocument/2006/relationships" name="Modello Metropolitano">
+<a:theme xmlns:a="http://schemas.openxmlformats.org/drawingml/2006/main" name="Modello Metropolitano">
   <a:themeElements>
     <a:clrScheme name="Modello Metropolitano">
       <a:dk1>
@@ -16518,7 +17251,7 @@
         <a:effectLst/>
         <a:sp3d/>
       </a:spPr>
-      <a:bodyPr rot="0" spcFirstLastPara="1" vertOverflow="overflow" horzOverflow="overflow" vert="horz" wrap="square" lIns="45719" tIns="45719" rIns="45719" bIns="45719" numCol="1" spcCol="38100" rtlCol="0" anchor="ctr" upright="0">
+      <a:bodyPr rot="0" spcFirstLastPara="1" vertOverflow="overflow" horzOverflow="overflow" vert="horz" wrap="square" lIns="45719" tIns="45719" rIns="45719" bIns="45719" numCol="1" spcCol="38100" rtlCol="0" anchor="ctr">
         <a:spAutoFit/>
       </a:bodyPr>
       <a:lstStyle>
@@ -16537,7 +17270,7 @@
           <a:buFontTx/>
           <a:buNone/>
           <a:tabLst/>
-          <a:defRPr b="0" baseline="0" cap="none" i="0" spc="0" strike="noStrike" sz="1800" u="none" kumimoji="0" normalizeH="0">
+          <a:defRPr kumimoji="0" sz="1800" b="0" i="0" u="none" strike="noStrike" cap="none" spc="0" normalizeH="0" baseline="0">
             <a:ln>
               <a:noFill/>
             </a:ln>
@@ -16567,7 +17300,7 @@
           <a:buFontTx/>
           <a:buNone/>
           <a:tabLst/>
-          <a:defRPr b="0" baseline="0" cap="none" i="0" spc="0" strike="noStrike" sz="1800" u="none" kumimoji="0" normalizeH="0">
+          <a:defRPr kumimoji="0" sz="1800" b="0" i="0" u="none" strike="noStrike" cap="none" spc="0" normalizeH="0" baseline="0">
             <a:ln>
               <a:noFill/>
             </a:ln>
@@ -16593,7 +17326,7 @@
           <a:buFontTx/>
           <a:buNone/>
           <a:tabLst/>
-          <a:defRPr b="0" baseline="0" cap="none" i="0" spc="0" strike="noStrike" sz="1800" u="none" kumimoji="0" normalizeH="0">
+          <a:defRPr kumimoji="0" sz="1800" b="0" i="0" u="none" strike="noStrike" cap="none" spc="0" normalizeH="0" baseline="0">
             <a:ln>
               <a:noFill/>
             </a:ln>
@@ -16619,7 +17352,7 @@
           <a:buFontTx/>
           <a:buNone/>
           <a:tabLst/>
-          <a:defRPr b="0" baseline="0" cap="none" i="0" spc="0" strike="noStrike" sz="1800" u="none" kumimoji="0" normalizeH="0">
+          <a:defRPr kumimoji="0" sz="1800" b="0" i="0" u="none" strike="noStrike" cap="none" spc="0" normalizeH="0" baseline="0">
             <a:ln>
               <a:noFill/>
             </a:ln>
@@ -16645,7 +17378,7 @@
           <a:buFontTx/>
           <a:buNone/>
           <a:tabLst/>
-          <a:defRPr b="0" baseline="0" cap="none" i="0" spc="0" strike="noStrike" sz="1800" u="none" kumimoji="0" normalizeH="0">
+          <a:defRPr kumimoji="0" sz="1800" b="0" i="0" u="none" strike="noStrike" cap="none" spc="0" normalizeH="0" baseline="0">
             <a:ln>
               <a:noFill/>
             </a:ln>
@@ -16671,7 +17404,7 @@
           <a:buFontTx/>
           <a:buNone/>
           <a:tabLst/>
-          <a:defRPr b="0" baseline="0" cap="none" i="0" spc="0" strike="noStrike" sz="1800" u="none" kumimoji="0" normalizeH="0">
+          <a:defRPr kumimoji="0" sz="1800" b="0" i="0" u="none" strike="noStrike" cap="none" spc="0" normalizeH="0" baseline="0">
             <a:ln>
               <a:noFill/>
             </a:ln>
@@ -16697,7 +17430,7 @@
           <a:buFontTx/>
           <a:buNone/>
           <a:tabLst/>
-          <a:defRPr b="0" baseline="0" cap="none" i="0" spc="0" strike="noStrike" sz="1800" u="none" kumimoji="0" normalizeH="0">
+          <a:defRPr kumimoji="0" sz="1800" b="0" i="0" u="none" strike="noStrike" cap="none" spc="0" normalizeH="0" baseline="0">
             <a:ln>
               <a:noFill/>
             </a:ln>
@@ -16723,7 +17456,7 @@
           <a:buFontTx/>
           <a:buNone/>
           <a:tabLst/>
-          <a:defRPr b="0" baseline="0" cap="none" i="0" spc="0" strike="noStrike" sz="1800" u="none" kumimoji="0" normalizeH="0">
+          <a:defRPr kumimoji="0" sz="1800" b="0" i="0" u="none" strike="noStrike" cap="none" spc="0" normalizeH="0" baseline="0">
             <a:ln>
               <a:noFill/>
             </a:ln>
@@ -16749,7 +17482,7 @@
           <a:buFontTx/>
           <a:buNone/>
           <a:tabLst/>
-          <a:defRPr b="0" baseline="0" cap="none" i="0" spc="0" strike="noStrike" sz="1800" u="none" kumimoji="0" normalizeH="0">
+          <a:defRPr kumimoji="0" sz="1800" b="0" i="0" u="none" strike="noStrike" cap="none" spc="0" normalizeH="0" baseline="0">
             <a:ln>
               <a:noFill/>
             </a:ln>
@@ -16775,7 +17508,7 @@
           <a:buFontTx/>
           <a:buNone/>
           <a:tabLst/>
-          <a:defRPr b="0" baseline="0" cap="none" i="0" spc="0" strike="noStrike" sz="1800" u="none" kumimoji="0" normalizeH="0">
+          <a:defRPr kumimoji="0" sz="1800" b="0" i="0" u="none" strike="noStrike" cap="none" spc="0" normalizeH="0" baseline="0">
             <a:ln>
               <a:noFill/>
             </a:ln>
@@ -16788,9 +17521,15 @@
         </a:lvl9pPr>
       </a:lstStyle>
       <a:style>
-        <a:lnRef idx="0"/>
-        <a:fillRef idx="0"/>
-        <a:effectRef idx="0"/>
+        <a:lnRef idx="0">
+          <a:scrgbClr r="0" g="0" b="0"/>
+        </a:lnRef>
+        <a:fillRef idx="0">
+          <a:scrgbClr r="0" g="0" b="0"/>
+        </a:fillRef>
+        <a:effectRef idx="0">
+          <a:scrgbClr r="0" g="0" b="0"/>
+        </a:effectRef>
         <a:fontRef idx="none"/>
       </a:style>
     </a:spDef>
@@ -16807,7 +17546,7 @@
         <a:effectLst/>
         <a:sp3d/>
       </a:spPr>
-      <a:bodyPr rot="0" spcFirstLastPara="1" vertOverflow="overflow" horzOverflow="overflow" vert="horz" wrap="square" lIns="91439" tIns="45719" rIns="91439" bIns="45719" numCol="1" spcCol="38100" rtlCol="0" anchor="t" upright="0">
+      <a:bodyPr rot="0" spcFirstLastPara="1" vertOverflow="overflow" horzOverflow="overflow" vert="horz" wrap="square" lIns="91439" tIns="45719" rIns="91439" bIns="45719" numCol="1" spcCol="38100" rtlCol="0" anchor="t">
         <a:noAutofit/>
       </a:bodyPr>
       <a:lstStyle>
@@ -16826,7 +17565,7 @@
           <a:buFontTx/>
           <a:buNone/>
           <a:tabLst/>
-          <a:defRPr b="0" baseline="0" cap="none" i="0" spc="0" strike="noStrike" sz="1800" u="none" kumimoji="0" normalizeH="0">
+          <a:defRPr kumimoji="0" sz="1800" b="0" i="0" u="none" strike="noStrike" cap="none" spc="0" normalizeH="0" baseline="0">
             <a:ln>
               <a:noFill/>
             </a:ln>
@@ -16852,7 +17591,7 @@
           <a:buFontTx/>
           <a:buNone/>
           <a:tabLst/>
-          <a:defRPr b="0" baseline="0" cap="none" i="0" spc="0" strike="noStrike" sz="1800" u="none" kumimoji="0" normalizeH="0">
+          <a:defRPr kumimoji="0" sz="1800" b="0" i="0" u="none" strike="noStrike" cap="none" spc="0" normalizeH="0" baseline="0">
             <a:ln>
               <a:noFill/>
             </a:ln>
@@ -16878,7 +17617,7 @@
           <a:buFontTx/>
           <a:buNone/>
           <a:tabLst/>
-          <a:defRPr b="0" baseline="0" cap="none" i="0" spc="0" strike="noStrike" sz="1800" u="none" kumimoji="0" normalizeH="0">
+          <a:defRPr kumimoji="0" sz="1800" b="0" i="0" u="none" strike="noStrike" cap="none" spc="0" normalizeH="0" baseline="0">
             <a:ln>
               <a:noFill/>
             </a:ln>
@@ -16904,7 +17643,7 @@
           <a:buFontTx/>
           <a:buNone/>
           <a:tabLst/>
-          <a:defRPr b="0" baseline="0" cap="none" i="0" spc="0" strike="noStrike" sz="1800" u="none" kumimoji="0" normalizeH="0">
+          <a:defRPr kumimoji="0" sz="1800" b="0" i="0" u="none" strike="noStrike" cap="none" spc="0" normalizeH="0" baseline="0">
             <a:ln>
               <a:noFill/>
             </a:ln>
@@ -16930,7 +17669,7 @@
           <a:buFontTx/>
           <a:buNone/>
           <a:tabLst/>
-          <a:defRPr b="0" baseline="0" cap="none" i="0" spc="0" strike="noStrike" sz="1800" u="none" kumimoji="0" normalizeH="0">
+          <a:defRPr kumimoji="0" sz="1800" b="0" i="0" u="none" strike="noStrike" cap="none" spc="0" normalizeH="0" baseline="0">
             <a:ln>
               <a:noFill/>
             </a:ln>
@@ -16956,7 +17695,7 @@
           <a:buFontTx/>
           <a:buNone/>
           <a:tabLst/>
-          <a:defRPr b="0" baseline="0" cap="none" i="0" spc="0" strike="noStrike" sz="1800" u="none" kumimoji="0" normalizeH="0">
+          <a:defRPr kumimoji="0" sz="1800" b="0" i="0" u="none" strike="noStrike" cap="none" spc="0" normalizeH="0" baseline="0">
             <a:ln>
               <a:noFill/>
             </a:ln>
@@ -16982,7 +17721,7 @@
           <a:buFontTx/>
           <a:buNone/>
           <a:tabLst/>
-          <a:defRPr b="0" baseline="0" cap="none" i="0" spc="0" strike="noStrike" sz="1800" u="none" kumimoji="0" normalizeH="0">
+          <a:defRPr kumimoji="0" sz="1800" b="0" i="0" u="none" strike="noStrike" cap="none" spc="0" normalizeH="0" baseline="0">
             <a:ln>
               <a:noFill/>
             </a:ln>
@@ -17008,7 +17747,7 @@
           <a:buFontTx/>
           <a:buNone/>
           <a:tabLst/>
-          <a:defRPr b="0" baseline="0" cap="none" i="0" spc="0" strike="noStrike" sz="1800" u="none" kumimoji="0" normalizeH="0">
+          <a:defRPr kumimoji="0" sz="1800" b="0" i="0" u="none" strike="noStrike" cap="none" spc="0" normalizeH="0" baseline="0">
             <a:ln>
               <a:noFill/>
             </a:ln>
@@ -17034,7 +17773,7 @@
           <a:buFontTx/>
           <a:buNone/>
           <a:tabLst/>
-          <a:defRPr b="0" baseline="0" cap="none" i="0" spc="0" strike="noStrike" sz="1800" u="none" kumimoji="0" normalizeH="0">
+          <a:defRPr kumimoji="0" sz="1800" b="0" i="0" u="none" strike="noStrike" cap="none" spc="0" normalizeH="0" baseline="0">
             <a:ln>
               <a:noFill/>
             </a:ln>
@@ -17060,7 +17799,7 @@
           <a:buFontTx/>
           <a:buNone/>
           <a:tabLst/>
-          <a:defRPr b="0" baseline="0" cap="none" i="0" spc="0" strike="noStrike" sz="1800" u="none" kumimoji="0" normalizeH="0">
+          <a:defRPr kumimoji="0" sz="1800" b="0" i="0" u="none" strike="noStrike" cap="none" spc="0" normalizeH="0" baseline="0">
             <a:ln>
               <a:noFill/>
             </a:ln>
@@ -17073,9 +17812,15 @@
         </a:lvl9pPr>
       </a:lstStyle>
       <a:style>
-        <a:lnRef idx="0"/>
-        <a:fillRef idx="0"/>
-        <a:effectRef idx="0"/>
+        <a:lnRef idx="0">
+          <a:scrgbClr r="0" g="0" b="0"/>
+        </a:lnRef>
+        <a:fillRef idx="0">
+          <a:scrgbClr r="0" g="0" b="0"/>
+        </a:fillRef>
+        <a:effectRef idx="0">
+          <a:scrgbClr r="0" g="0" b="0"/>
+        </a:effectRef>
         <a:fontRef idx="none"/>
       </a:style>
     </a:lnDef>
@@ -17089,7 +17834,7 @@
         <a:effectLst/>
         <a:sp3d/>
       </a:spPr>
-      <a:bodyPr rot="0" spcFirstLastPara="1" vertOverflow="overflow" horzOverflow="overflow" vert="horz" wrap="square" lIns="45719" tIns="45719" rIns="45719" bIns="45719" numCol="1" spcCol="38100" rtlCol="0" anchor="t" upright="0">
+      <a:bodyPr rot="0" spcFirstLastPara="1" vertOverflow="overflow" horzOverflow="overflow" vert="horz" wrap="square" lIns="45719" tIns="45719" rIns="45719" bIns="45719" numCol="1" spcCol="38100" rtlCol="0" anchor="t">
         <a:spAutoFit/>
       </a:bodyPr>
       <a:lstStyle>
@@ -17108,7 +17853,7 @@
           <a:buFontTx/>
           <a:buNone/>
           <a:tabLst/>
-          <a:defRPr b="0" baseline="0" cap="none" i="0" spc="0" strike="noStrike" sz="1800" u="none" kumimoji="0" normalizeH="0">
+          <a:defRPr kumimoji="0" sz="1800" b="0" i="0" u="none" strike="noStrike" cap="none" spc="0" normalizeH="0" baseline="0">
             <a:ln>
               <a:noFill/>
             </a:ln>
@@ -17138,7 +17883,7 @@
           <a:buFontTx/>
           <a:buNone/>
           <a:tabLst/>
-          <a:defRPr b="0" baseline="0" cap="none" i="0" spc="0" strike="noStrike" sz="1800" u="none" kumimoji="0" normalizeH="0">
+          <a:defRPr kumimoji="0" sz="1800" b="0" i="0" u="none" strike="noStrike" cap="none" spc="0" normalizeH="0" baseline="0">
             <a:ln>
               <a:noFill/>
             </a:ln>
@@ -17164,7 +17909,7 @@
           <a:buFontTx/>
           <a:buNone/>
           <a:tabLst/>
-          <a:defRPr b="0" baseline="0" cap="none" i="0" spc="0" strike="noStrike" sz="1800" u="none" kumimoji="0" normalizeH="0">
+          <a:defRPr kumimoji="0" sz="1800" b="0" i="0" u="none" strike="noStrike" cap="none" spc="0" normalizeH="0" baseline="0">
             <a:ln>
               <a:noFill/>
             </a:ln>
@@ -17190,7 +17935,7 @@
           <a:buFontTx/>
           <a:buNone/>
           <a:tabLst/>
-          <a:defRPr b="0" baseline="0" cap="none" i="0" spc="0" strike="noStrike" sz="1800" u="none" kumimoji="0" normalizeH="0">
+          <a:defRPr kumimoji="0" sz="1800" b="0" i="0" u="none" strike="noStrike" cap="none" spc="0" normalizeH="0" baseline="0">
             <a:ln>
               <a:noFill/>
             </a:ln>
@@ -17216,7 +17961,7 @@
           <a:buFontTx/>
           <a:buNone/>
           <a:tabLst/>
-          <a:defRPr b="0" baseline="0" cap="none" i="0" spc="0" strike="noStrike" sz="1800" u="none" kumimoji="0" normalizeH="0">
+          <a:defRPr kumimoji="0" sz="1800" b="0" i="0" u="none" strike="noStrike" cap="none" spc="0" normalizeH="0" baseline="0">
             <a:ln>
               <a:noFill/>
             </a:ln>
@@ -17242,7 +17987,7 @@
           <a:buFontTx/>
           <a:buNone/>
           <a:tabLst/>
-          <a:defRPr b="0" baseline="0" cap="none" i="0" spc="0" strike="noStrike" sz="1800" u="none" kumimoji="0" normalizeH="0">
+          <a:defRPr kumimoji="0" sz="1800" b="0" i="0" u="none" strike="noStrike" cap="none" spc="0" normalizeH="0" baseline="0">
             <a:ln>
               <a:noFill/>
             </a:ln>
@@ -17268,7 +18013,7 @@
           <a:buFontTx/>
           <a:buNone/>
           <a:tabLst/>
-          <a:defRPr b="0" baseline="0" cap="none" i="0" spc="0" strike="noStrike" sz="1800" u="none" kumimoji="0" normalizeH="0">
+          <a:defRPr kumimoji="0" sz="1800" b="0" i="0" u="none" strike="noStrike" cap="none" spc="0" normalizeH="0" baseline="0">
             <a:ln>
               <a:noFill/>
             </a:ln>
@@ -17294,7 +18039,7 @@
           <a:buFontTx/>
           <a:buNone/>
           <a:tabLst/>
-          <a:defRPr b="0" baseline="0" cap="none" i="0" spc="0" strike="noStrike" sz="1800" u="none" kumimoji="0" normalizeH="0">
+          <a:defRPr kumimoji="0" sz="1800" b="0" i="0" u="none" strike="noStrike" cap="none" spc="0" normalizeH="0" baseline="0">
             <a:ln>
               <a:noFill/>
             </a:ln>
@@ -17320,7 +18065,7 @@
           <a:buFontTx/>
           <a:buNone/>
           <a:tabLst/>
-          <a:defRPr b="0" baseline="0" cap="none" i="0" spc="0" strike="noStrike" sz="1800" u="none" kumimoji="0" normalizeH="0">
+          <a:defRPr kumimoji="0" sz="1800" b="0" i="0" u="none" strike="noStrike" cap="none" spc="0" normalizeH="0" baseline="0">
             <a:ln>
               <a:noFill/>
             </a:ln>
@@ -17346,7 +18091,7 @@
           <a:buFontTx/>
           <a:buNone/>
           <a:tabLst/>
-          <a:defRPr b="0" baseline="0" cap="none" i="0" spc="0" strike="noStrike" sz="1800" u="none" kumimoji="0" normalizeH="0">
+          <a:defRPr kumimoji="0" sz="1800" b="0" i="0" u="none" strike="noStrike" cap="none" spc="0" normalizeH="0" baseline="0">
             <a:ln>
               <a:noFill/>
             </a:ln>
@@ -17359,18 +18104,25 @@
         </a:lvl9pPr>
       </a:lstStyle>
       <a:style>
-        <a:lnRef idx="0"/>
-        <a:fillRef idx="0"/>
-        <a:effectRef idx="0"/>
+        <a:lnRef idx="0">
+          <a:scrgbClr r="0" g="0" b="0"/>
+        </a:lnRef>
+        <a:fillRef idx="0">
+          <a:scrgbClr r="0" g="0" b="0"/>
+        </a:fillRef>
+        <a:effectRef idx="0">
+          <a:scrgbClr r="0" g="0" b="0"/>
+        </a:effectRef>
         <a:fontRef idx="none"/>
       </a:style>
     </a:txDef>
   </a:objectDefaults>
+  <a:extraClrSchemeLst/>
 </a:theme>
 </file>
 
 <file path=ppt/theme/theme2.xml><?xml version="1.0" encoding="utf-8"?>
-<a:theme xmlns:a="http://schemas.openxmlformats.org/drawingml/2006/main" xmlns:r="http://schemas.openxmlformats.org/officeDocument/2006/relationships" name="Modello Metropolitano">
+<a:theme xmlns:a="http://schemas.openxmlformats.org/drawingml/2006/main" name="Modello Metropolitano">
   <a:themeElements>
     <a:clrScheme name="Modello Metropolitano">
       <a:dk1>
@@ -17572,7 +18324,7 @@
         <a:effectLst/>
         <a:sp3d/>
       </a:spPr>
-      <a:bodyPr rot="0" spcFirstLastPara="1" vertOverflow="overflow" horzOverflow="overflow" vert="horz" wrap="square" lIns="45719" tIns="45719" rIns="45719" bIns="45719" numCol="1" spcCol="38100" rtlCol="0" anchor="ctr" upright="0">
+      <a:bodyPr rot="0" spcFirstLastPara="1" vertOverflow="overflow" horzOverflow="overflow" vert="horz" wrap="square" lIns="45719" tIns="45719" rIns="45719" bIns="45719" numCol="1" spcCol="38100" rtlCol="0" anchor="ctr">
         <a:spAutoFit/>
       </a:bodyPr>
       <a:lstStyle>
@@ -17591,7 +18343,7 @@
           <a:buFontTx/>
           <a:buNone/>
           <a:tabLst/>
-          <a:defRPr b="0" baseline="0" cap="none" i="0" spc="0" strike="noStrike" sz="1800" u="none" kumimoji="0" normalizeH="0">
+          <a:defRPr kumimoji="0" sz="1800" b="0" i="0" u="none" strike="noStrike" cap="none" spc="0" normalizeH="0" baseline="0">
             <a:ln>
               <a:noFill/>
             </a:ln>
@@ -17621,7 +18373,7 @@
           <a:buFontTx/>
           <a:buNone/>
           <a:tabLst/>
-          <a:defRPr b="0" baseline="0" cap="none" i="0" spc="0" strike="noStrike" sz="1800" u="none" kumimoji="0" normalizeH="0">
+          <a:defRPr kumimoji="0" sz="1800" b="0" i="0" u="none" strike="noStrike" cap="none" spc="0" normalizeH="0" baseline="0">
             <a:ln>
               <a:noFill/>
             </a:ln>
@@ -17647,7 +18399,7 @@
           <a:buFontTx/>
           <a:buNone/>
           <a:tabLst/>
-          <a:defRPr b="0" baseline="0" cap="none" i="0" spc="0" strike="noStrike" sz="1800" u="none" kumimoji="0" normalizeH="0">
+          <a:defRPr kumimoji="0" sz="1800" b="0" i="0" u="none" strike="noStrike" cap="none" spc="0" normalizeH="0" baseline="0">
             <a:ln>
               <a:noFill/>
             </a:ln>
@@ -17673,7 +18425,7 @@
           <a:buFontTx/>
           <a:buNone/>
           <a:tabLst/>
-          <a:defRPr b="0" baseline="0" cap="none" i="0" spc="0" strike="noStrike" sz="1800" u="none" kumimoji="0" normalizeH="0">
+          <a:defRPr kumimoji="0" sz="1800" b="0" i="0" u="none" strike="noStrike" cap="none" spc="0" normalizeH="0" baseline="0">
             <a:ln>
               <a:noFill/>
             </a:ln>
@@ -17699,7 +18451,7 @@
           <a:buFontTx/>
           <a:buNone/>
           <a:tabLst/>
-          <a:defRPr b="0" baseline="0" cap="none" i="0" spc="0" strike="noStrike" sz="1800" u="none" kumimoji="0" normalizeH="0">
+          <a:defRPr kumimoji="0" sz="1800" b="0" i="0" u="none" strike="noStrike" cap="none" spc="0" normalizeH="0" baseline="0">
             <a:ln>
               <a:noFill/>
             </a:ln>
@@ -17725,7 +18477,7 @@
           <a:buFontTx/>
           <a:buNone/>
           <a:tabLst/>
-          <a:defRPr b="0" baseline="0" cap="none" i="0" spc="0" strike="noStrike" sz="1800" u="none" kumimoji="0" normalizeH="0">
+          <a:defRPr kumimoji="0" sz="1800" b="0" i="0" u="none" strike="noStrike" cap="none" spc="0" normalizeH="0" baseline="0">
             <a:ln>
               <a:noFill/>
             </a:ln>
@@ -17751,7 +18503,7 @@
           <a:buFontTx/>
           <a:buNone/>
           <a:tabLst/>
-          <a:defRPr b="0" baseline="0" cap="none" i="0" spc="0" strike="noStrike" sz="1800" u="none" kumimoji="0" normalizeH="0">
+          <a:defRPr kumimoji="0" sz="1800" b="0" i="0" u="none" strike="noStrike" cap="none" spc="0" normalizeH="0" baseline="0">
             <a:ln>
               <a:noFill/>
             </a:ln>
@@ -17777,7 +18529,7 @@
           <a:buFontTx/>
           <a:buNone/>
           <a:tabLst/>
-          <a:defRPr b="0" baseline="0" cap="none" i="0" spc="0" strike="noStrike" sz="1800" u="none" kumimoji="0" normalizeH="0">
+          <a:defRPr kumimoji="0" sz="1800" b="0" i="0" u="none" strike="noStrike" cap="none" spc="0" normalizeH="0" baseline="0">
             <a:ln>
               <a:noFill/>
             </a:ln>
@@ -17803,7 +18555,7 @@
           <a:buFontTx/>
           <a:buNone/>
           <a:tabLst/>
-          <a:defRPr b="0" baseline="0" cap="none" i="0" spc="0" strike="noStrike" sz="1800" u="none" kumimoji="0" normalizeH="0">
+          <a:defRPr kumimoji="0" sz="1800" b="0" i="0" u="none" strike="noStrike" cap="none" spc="0" normalizeH="0" baseline="0">
             <a:ln>
               <a:noFill/>
             </a:ln>
@@ -17829,7 +18581,7 @@
           <a:buFontTx/>
           <a:buNone/>
           <a:tabLst/>
-          <a:defRPr b="0" baseline="0" cap="none" i="0" spc="0" strike="noStrike" sz="1800" u="none" kumimoji="0" normalizeH="0">
+          <a:defRPr kumimoji="0" sz="1800" b="0" i="0" u="none" strike="noStrike" cap="none" spc="0" normalizeH="0" baseline="0">
             <a:ln>
               <a:noFill/>
             </a:ln>
@@ -17842,9 +18594,15 @@
         </a:lvl9pPr>
       </a:lstStyle>
       <a:style>
-        <a:lnRef idx="0"/>
-        <a:fillRef idx="0"/>
-        <a:effectRef idx="0"/>
+        <a:lnRef idx="0">
+          <a:scrgbClr r="0" g="0" b="0"/>
+        </a:lnRef>
+        <a:fillRef idx="0">
+          <a:scrgbClr r="0" g="0" b="0"/>
+        </a:fillRef>
+        <a:effectRef idx="0">
+          <a:scrgbClr r="0" g="0" b="0"/>
+        </a:effectRef>
         <a:fontRef idx="none"/>
       </a:style>
     </a:spDef>
@@ -17861,7 +18619,7 @@
         <a:effectLst/>
         <a:sp3d/>
       </a:spPr>
-      <a:bodyPr rot="0" spcFirstLastPara="1" vertOverflow="overflow" horzOverflow="overflow" vert="horz" wrap="square" lIns="91439" tIns="45719" rIns="91439" bIns="45719" numCol="1" spcCol="38100" rtlCol="0" anchor="t" upright="0">
+      <a:bodyPr rot="0" spcFirstLastPara="1" vertOverflow="overflow" horzOverflow="overflow" vert="horz" wrap="square" lIns="91439" tIns="45719" rIns="91439" bIns="45719" numCol="1" spcCol="38100" rtlCol="0" anchor="t">
         <a:noAutofit/>
       </a:bodyPr>
       <a:lstStyle>
@@ -17880,7 +18638,7 @@
           <a:buFontTx/>
           <a:buNone/>
           <a:tabLst/>
-          <a:defRPr b="0" baseline="0" cap="none" i="0" spc="0" strike="noStrike" sz="1800" u="none" kumimoji="0" normalizeH="0">
+          <a:defRPr kumimoji="0" sz="1800" b="0" i="0" u="none" strike="noStrike" cap="none" spc="0" normalizeH="0" baseline="0">
             <a:ln>
               <a:noFill/>
             </a:ln>
@@ -17906,7 +18664,7 @@
           <a:buFontTx/>
           <a:buNone/>
           <a:tabLst/>
-          <a:defRPr b="0" baseline="0" cap="none" i="0" spc="0" strike="noStrike" sz="1800" u="none" kumimoji="0" normalizeH="0">
+          <a:defRPr kumimoji="0" sz="1800" b="0" i="0" u="none" strike="noStrike" cap="none" spc="0" normalizeH="0" baseline="0">
             <a:ln>
               <a:noFill/>
             </a:ln>
@@ -17932,7 +18690,7 @@
           <a:buFontTx/>
           <a:buNone/>
           <a:tabLst/>
-          <a:defRPr b="0" baseline="0" cap="none" i="0" spc="0" strike="noStrike" sz="1800" u="none" kumimoji="0" normalizeH="0">
+          <a:defRPr kumimoji="0" sz="1800" b="0" i="0" u="none" strike="noStrike" cap="none" spc="0" normalizeH="0" baseline="0">
             <a:ln>
               <a:noFill/>
             </a:ln>
@@ -17958,7 +18716,7 @@
           <a:buFontTx/>
           <a:buNone/>
           <a:tabLst/>
-          <a:defRPr b="0" baseline="0" cap="none" i="0" spc="0" strike="noStrike" sz="1800" u="none" kumimoji="0" normalizeH="0">
+          <a:defRPr kumimoji="0" sz="1800" b="0" i="0" u="none" strike="noStrike" cap="none" spc="0" normalizeH="0" baseline="0">
             <a:ln>
               <a:noFill/>
             </a:ln>
@@ -17984,7 +18742,7 @@
           <a:buFontTx/>
           <a:buNone/>
           <a:tabLst/>
-          <a:defRPr b="0" baseline="0" cap="none" i="0" spc="0" strike="noStrike" sz="1800" u="none" kumimoji="0" normalizeH="0">
+          <a:defRPr kumimoji="0" sz="1800" b="0" i="0" u="none" strike="noStrike" cap="none" spc="0" normalizeH="0" baseline="0">
             <a:ln>
               <a:noFill/>
             </a:ln>
@@ -18010,7 +18768,7 @@
           <a:buFontTx/>
           <a:buNone/>
           <a:tabLst/>
-          <a:defRPr b="0" baseline="0" cap="none" i="0" spc="0" strike="noStrike" sz="1800" u="none" kumimoji="0" normalizeH="0">
+          <a:defRPr kumimoji="0" sz="1800" b="0" i="0" u="none" strike="noStrike" cap="none" spc="0" normalizeH="0" baseline="0">
             <a:ln>
               <a:noFill/>
             </a:ln>
@@ -18036,7 +18794,7 @@
           <a:buFontTx/>
           <a:buNone/>
           <a:tabLst/>
-          <a:defRPr b="0" baseline="0" cap="none" i="0" spc="0" strike="noStrike" sz="1800" u="none" kumimoji="0" normalizeH="0">
+          <a:defRPr kumimoji="0" sz="1800" b="0" i="0" u="none" strike="noStrike" cap="none" spc="0" normalizeH="0" baseline="0">
             <a:ln>
               <a:noFill/>
             </a:ln>
@@ -18062,7 +18820,7 @@
           <a:buFontTx/>
           <a:buNone/>
           <a:tabLst/>
-          <a:defRPr b="0" baseline="0" cap="none" i="0" spc="0" strike="noStrike" sz="1800" u="none" kumimoji="0" normalizeH="0">
+          <a:defRPr kumimoji="0" sz="1800" b="0" i="0" u="none" strike="noStrike" cap="none" spc="0" normalizeH="0" baseline="0">
             <a:ln>
               <a:noFill/>
             </a:ln>
@@ -18088,7 +18846,7 @@
           <a:buFontTx/>
           <a:buNone/>
           <a:tabLst/>
-          <a:defRPr b="0" baseline="0" cap="none" i="0" spc="0" strike="noStrike" sz="1800" u="none" kumimoji="0" normalizeH="0">
+          <a:defRPr kumimoji="0" sz="1800" b="0" i="0" u="none" strike="noStrike" cap="none" spc="0" normalizeH="0" baseline="0">
             <a:ln>
               <a:noFill/>
             </a:ln>
@@ -18114,7 +18872,7 @@
           <a:buFontTx/>
           <a:buNone/>
           <a:tabLst/>
-          <a:defRPr b="0" baseline="0" cap="none" i="0" spc="0" strike="noStrike" sz="1800" u="none" kumimoji="0" normalizeH="0">
+          <a:defRPr kumimoji="0" sz="1800" b="0" i="0" u="none" strike="noStrike" cap="none" spc="0" normalizeH="0" baseline="0">
             <a:ln>
               <a:noFill/>
             </a:ln>
@@ -18127,9 +18885,15 @@
         </a:lvl9pPr>
       </a:lstStyle>
       <a:style>
-        <a:lnRef idx="0"/>
-        <a:fillRef idx="0"/>
-        <a:effectRef idx="0"/>
+        <a:lnRef idx="0">
+          <a:scrgbClr r="0" g="0" b="0"/>
+        </a:lnRef>
+        <a:fillRef idx="0">
+          <a:scrgbClr r="0" g="0" b="0"/>
+        </a:fillRef>
+        <a:effectRef idx="0">
+          <a:scrgbClr r="0" g="0" b="0"/>
+        </a:effectRef>
         <a:fontRef idx="none"/>
       </a:style>
     </a:lnDef>
@@ -18143,7 +18907,7 @@
         <a:effectLst/>
         <a:sp3d/>
       </a:spPr>
-      <a:bodyPr rot="0" spcFirstLastPara="1" vertOverflow="overflow" horzOverflow="overflow" vert="horz" wrap="square" lIns="45719" tIns="45719" rIns="45719" bIns="45719" numCol="1" spcCol="38100" rtlCol="0" anchor="t" upright="0">
+      <a:bodyPr rot="0" spcFirstLastPara="1" vertOverflow="overflow" horzOverflow="overflow" vert="horz" wrap="square" lIns="45719" tIns="45719" rIns="45719" bIns="45719" numCol="1" spcCol="38100" rtlCol="0" anchor="t">
         <a:spAutoFit/>
       </a:bodyPr>
       <a:lstStyle>
@@ -18162,7 +18926,7 @@
           <a:buFontTx/>
           <a:buNone/>
           <a:tabLst/>
-          <a:defRPr b="0" baseline="0" cap="none" i="0" spc="0" strike="noStrike" sz="1800" u="none" kumimoji="0" normalizeH="0">
+          <a:defRPr kumimoji="0" sz="1800" b="0" i="0" u="none" strike="noStrike" cap="none" spc="0" normalizeH="0" baseline="0">
             <a:ln>
               <a:noFill/>
             </a:ln>
@@ -18192,7 +18956,7 @@
           <a:buFontTx/>
           <a:buNone/>
           <a:tabLst/>
-          <a:defRPr b="0" baseline="0" cap="none" i="0" spc="0" strike="noStrike" sz="1800" u="none" kumimoji="0" normalizeH="0">
+          <a:defRPr kumimoji="0" sz="1800" b="0" i="0" u="none" strike="noStrike" cap="none" spc="0" normalizeH="0" baseline="0">
             <a:ln>
               <a:noFill/>
             </a:ln>
@@ -18218,7 +18982,7 @@
           <a:buFontTx/>
           <a:buNone/>
           <a:tabLst/>
-          <a:defRPr b="0" baseline="0" cap="none" i="0" spc="0" strike="noStrike" sz="1800" u="none" kumimoji="0" normalizeH="0">
+          <a:defRPr kumimoji="0" sz="1800" b="0" i="0" u="none" strike="noStrike" cap="none" spc="0" normalizeH="0" baseline="0">
             <a:ln>
               <a:noFill/>
             </a:ln>
@@ -18244,7 +19008,7 @@
           <a:buFontTx/>
           <a:buNone/>
           <a:tabLst/>
-          <a:defRPr b="0" baseline="0" cap="none" i="0" spc="0" strike="noStrike" sz="1800" u="none" kumimoji="0" normalizeH="0">
+          <a:defRPr kumimoji="0" sz="1800" b="0" i="0" u="none" strike="noStrike" cap="none" spc="0" normalizeH="0" baseline="0">
             <a:ln>
               <a:noFill/>
             </a:ln>
@@ -18270,7 +19034,7 @@
           <a:buFontTx/>
           <a:buNone/>
           <a:tabLst/>
-          <a:defRPr b="0" baseline="0" cap="none" i="0" spc="0" strike="noStrike" sz="1800" u="none" kumimoji="0" normalizeH="0">
+          <a:defRPr kumimoji="0" sz="1800" b="0" i="0" u="none" strike="noStrike" cap="none" spc="0" normalizeH="0" baseline="0">
             <a:ln>
               <a:noFill/>
             </a:ln>
@@ -18296,7 +19060,7 @@
           <a:buFontTx/>
           <a:buNone/>
           <a:tabLst/>
-          <a:defRPr b="0" baseline="0" cap="none" i="0" spc="0" strike="noStrike" sz="1800" u="none" kumimoji="0" normalizeH="0">
+          <a:defRPr kumimoji="0" sz="1800" b="0" i="0" u="none" strike="noStrike" cap="none" spc="0" normalizeH="0" baseline="0">
             <a:ln>
               <a:noFill/>
             </a:ln>
@@ -18322,7 +19086,7 @@
           <a:buFontTx/>
           <a:buNone/>
           <a:tabLst/>
-          <a:defRPr b="0" baseline="0" cap="none" i="0" spc="0" strike="noStrike" sz="1800" u="none" kumimoji="0" normalizeH="0">
+          <a:defRPr kumimoji="0" sz="1800" b="0" i="0" u="none" strike="noStrike" cap="none" spc="0" normalizeH="0" baseline="0">
             <a:ln>
               <a:noFill/>
             </a:ln>
@@ -18348,7 +19112,7 @@
           <a:buFontTx/>
           <a:buNone/>
           <a:tabLst/>
-          <a:defRPr b="0" baseline="0" cap="none" i="0" spc="0" strike="noStrike" sz="1800" u="none" kumimoji="0" normalizeH="0">
+          <a:defRPr kumimoji="0" sz="1800" b="0" i="0" u="none" strike="noStrike" cap="none" spc="0" normalizeH="0" baseline="0">
             <a:ln>
               <a:noFill/>
             </a:ln>
@@ -18374,7 +19138,7 @@
           <a:buFontTx/>
           <a:buNone/>
           <a:tabLst/>
-          <a:defRPr b="0" baseline="0" cap="none" i="0" spc="0" strike="noStrike" sz="1800" u="none" kumimoji="0" normalizeH="0">
+          <a:defRPr kumimoji="0" sz="1800" b="0" i="0" u="none" strike="noStrike" cap="none" spc="0" normalizeH="0" baseline="0">
             <a:ln>
               <a:noFill/>
             </a:ln>
@@ -18400,7 +19164,7 @@
           <a:buFontTx/>
           <a:buNone/>
           <a:tabLst/>
-          <a:defRPr b="0" baseline="0" cap="none" i="0" spc="0" strike="noStrike" sz="1800" u="none" kumimoji="0" normalizeH="0">
+          <a:defRPr kumimoji="0" sz="1800" b="0" i="0" u="none" strike="noStrike" cap="none" spc="0" normalizeH="0" baseline="0">
             <a:ln>
               <a:noFill/>
             </a:ln>
@@ -18413,12 +19177,19 @@
         </a:lvl9pPr>
       </a:lstStyle>
       <a:style>
-        <a:lnRef idx="0"/>
-        <a:fillRef idx="0"/>
-        <a:effectRef idx="0"/>
+        <a:lnRef idx="0">
+          <a:scrgbClr r="0" g="0" b="0"/>
+        </a:lnRef>
+        <a:fillRef idx="0">
+          <a:scrgbClr r="0" g="0" b="0"/>
+        </a:fillRef>
+        <a:effectRef idx="0">
+          <a:scrgbClr r="0" g="0" b="0"/>
+        </a:effectRef>
         <a:fontRef idx="none"/>
       </a:style>
     </a:txDef>
   </a:objectDefaults>
+  <a:extraClrSchemeLst/>
 </a:theme>
 </file>
--- a/doc/Presentation.pptx
+++ b/doc/Presentation.pptx
@@ -220,7 +220,7 @@
           <a:p>
             <a:fld id="{BF4362FE-6966-4C8C-98FF-FAF70E278E6C}" type="datetimeFigureOut">
               <a:rPr lang="it-IT" smtClean="0"/>
-              <a:t>24/06/2024</a:t>
+              <a:t>25/06/2024</a:t>
             </a:fld>
             <a:endParaRPr lang="it-IT"/>
           </a:p>
@@ -8812,7 +8812,7 @@
           <a:p>
             <a:fld id="{E47E54DA-F71D-4D32-9FAD-0748A8C87CED}" type="datetime1">
               <a:rPr lang="it-IT" smtClean="0"/>
-              <a:t>24/06/2024</a:t>
+              <a:t>25/06/2024</a:t>
             </a:fld>
             <a:endParaRPr lang="it-IT"/>
           </a:p>
@@ -18798,7 +18798,7 @@
           </a:ln>
           <a:extLst>
             <a:ext uri="{C572A759-6A51-4108-AA02-DFA0A04FC94B}">
-              <ma14:wrappingTextBoxFlag xmlns="" xmlns:m="http://schemas.openxmlformats.org/officeDocument/2006/math" xmlns:a14="http://schemas.microsoft.com/office/drawing/2010/main" xmlns:ma14="http://schemas.microsoft.com/office/mac/drawingml/2011/main" val="1"/>
+              <ma14:wrappingTextBoxFlag xmlns:ma14="http://schemas.microsoft.com/office/mac/drawingml/2011/main" xmlns:a14="http://schemas.microsoft.com/office/drawing/2010/main" xmlns:m="http://schemas.openxmlformats.org/officeDocument/2006/math" xmlns="" val="1"/>
             </a:ext>
           </a:extLst>
         </p:spPr>
@@ -20122,7 +20122,7 @@
           </a:ln>
           <a:extLst>
             <a:ext uri="{C572A759-6A51-4108-AA02-DFA0A04FC94B}">
-              <ma14:wrappingTextBoxFlag xmlns="" xmlns:m="http://schemas.openxmlformats.org/officeDocument/2006/math" xmlns:a14="http://schemas.microsoft.com/office/drawing/2010/main" xmlns:ma14="http://schemas.microsoft.com/office/mac/drawingml/2011/main" val="1"/>
+              <ma14:wrappingTextBoxFlag xmlns:ma14="http://schemas.microsoft.com/office/mac/drawingml/2011/main" xmlns:a14="http://schemas.microsoft.com/office/drawing/2010/main" xmlns:m="http://schemas.openxmlformats.org/officeDocument/2006/math" xmlns="" val="1"/>
             </a:ext>
           </a:extLst>
         </p:spPr>
@@ -22139,7 +22139,7 @@
             <a:effectLst/>
             <a:extLst>
               <a:ext uri="{C572A759-6A51-4108-AA02-DFA0A04FC94B}">
-                <ma14:wrappingTextBoxFlag xmlns="" xmlns:m="http://schemas.openxmlformats.org/officeDocument/2006/math" xmlns:a14="http://schemas.microsoft.com/office/drawing/2010/main" xmlns:ma14="http://schemas.microsoft.com/office/mac/drawingml/2011/main" val="1"/>
+                <ma14:wrappingTextBoxFlag xmlns:ma14="http://schemas.microsoft.com/office/mac/drawingml/2011/main" xmlns:a14="http://schemas.microsoft.com/office/drawing/2010/main" xmlns:m="http://schemas.openxmlformats.org/officeDocument/2006/math" xmlns="" val="1"/>
               </a:ext>
             </a:extLst>
           </p:spPr>
@@ -22439,7 +22439,7 @@
             <a:effectLst/>
             <a:extLst>
               <a:ext uri="{C572A759-6A51-4108-AA02-DFA0A04FC94B}">
-                <ma14:wrappingTextBoxFlag xmlns="" xmlns:m="http://schemas.openxmlformats.org/officeDocument/2006/math" xmlns:a14="http://schemas.microsoft.com/office/drawing/2010/main" xmlns:ma14="http://schemas.microsoft.com/office/mac/drawingml/2011/main" val="1"/>
+                <ma14:wrappingTextBoxFlag xmlns:ma14="http://schemas.microsoft.com/office/mac/drawingml/2011/main" xmlns:a14="http://schemas.microsoft.com/office/drawing/2010/main" xmlns:m="http://schemas.openxmlformats.org/officeDocument/2006/math" xmlns="" val="1"/>
               </a:ext>
             </a:extLst>
           </p:spPr>
@@ -22556,7 +22556,7 @@
           </a:ln>
           <a:extLst>
             <a:ext uri="{C572A759-6A51-4108-AA02-DFA0A04FC94B}">
-              <ma14:wrappingTextBoxFlag xmlns="" xmlns:m="http://schemas.openxmlformats.org/officeDocument/2006/math" xmlns:a14="http://schemas.microsoft.com/office/drawing/2010/main" xmlns:ma14="http://schemas.microsoft.com/office/mac/drawingml/2011/main" val="1"/>
+              <ma14:wrappingTextBoxFlag xmlns:ma14="http://schemas.microsoft.com/office/mac/drawingml/2011/main" xmlns:a14="http://schemas.microsoft.com/office/drawing/2010/main" xmlns:m="http://schemas.openxmlformats.org/officeDocument/2006/math" xmlns="" val="1"/>
             </a:ext>
           </a:extLst>
         </p:spPr>
@@ -23581,7 +23581,7 @@
           </a:ln>
           <a:extLst>
             <a:ext uri="{C572A759-6A51-4108-AA02-DFA0A04FC94B}">
-              <ma14:wrappingTextBoxFlag xmlns="" xmlns:m="http://schemas.openxmlformats.org/officeDocument/2006/math" xmlns:a14="http://schemas.microsoft.com/office/drawing/2010/main" xmlns:ma14="http://schemas.microsoft.com/office/mac/drawingml/2011/main" val="1"/>
+              <ma14:wrappingTextBoxFlag xmlns:ma14="http://schemas.microsoft.com/office/mac/drawingml/2011/main" xmlns:a14="http://schemas.microsoft.com/office/drawing/2010/main" xmlns:m="http://schemas.openxmlformats.org/officeDocument/2006/math" xmlns="" val="1"/>
             </a:ext>
           </a:extLst>
         </p:spPr>
@@ -24073,7 +24073,7 @@
           <a:p>
             <a:r>
               <a:rPr lang="it-IT" dirty="0"/>
-              <a:t>Reso</a:t>
+              <a:t>Return Service</a:t>
             </a:r>
           </a:p>
         </p:txBody>

--- a/doc/Presentation.pptx
+++ b/doc/Presentation.pptx
@@ -18798,7 +18798,7 @@
           </a:ln>
           <a:extLst>
             <a:ext uri="{C572A759-6A51-4108-AA02-DFA0A04FC94B}">
-              <ma14:wrappingTextBoxFlag xmlns:ma14="http://schemas.microsoft.com/office/mac/drawingml/2011/main" xmlns:a14="http://schemas.microsoft.com/office/drawing/2010/main" xmlns:m="http://schemas.openxmlformats.org/officeDocument/2006/math" xmlns="" val="1"/>
+              <ma14:wrappingTextBoxFlag xmlns="" xmlns:m="http://schemas.openxmlformats.org/officeDocument/2006/math" xmlns:a14="http://schemas.microsoft.com/office/drawing/2010/main" xmlns:ma14="http://schemas.microsoft.com/office/mac/drawingml/2011/main" val="1"/>
             </a:ext>
           </a:extLst>
         </p:spPr>
@@ -20122,7 +20122,7 @@
           </a:ln>
           <a:extLst>
             <a:ext uri="{C572A759-6A51-4108-AA02-DFA0A04FC94B}">
-              <ma14:wrappingTextBoxFlag xmlns:ma14="http://schemas.microsoft.com/office/mac/drawingml/2011/main" xmlns:a14="http://schemas.microsoft.com/office/drawing/2010/main" xmlns:m="http://schemas.openxmlformats.org/officeDocument/2006/math" xmlns="" val="1"/>
+              <ma14:wrappingTextBoxFlag xmlns="" xmlns:m="http://schemas.openxmlformats.org/officeDocument/2006/math" xmlns:a14="http://schemas.microsoft.com/office/drawing/2010/main" xmlns:ma14="http://schemas.microsoft.com/office/mac/drawingml/2011/main" val="1"/>
             </a:ext>
           </a:extLst>
         </p:spPr>
@@ -22139,7 +22139,7 @@
             <a:effectLst/>
             <a:extLst>
               <a:ext uri="{C572A759-6A51-4108-AA02-DFA0A04FC94B}">
-                <ma14:wrappingTextBoxFlag xmlns:ma14="http://schemas.microsoft.com/office/mac/drawingml/2011/main" xmlns:a14="http://schemas.microsoft.com/office/drawing/2010/main" xmlns:m="http://schemas.openxmlformats.org/officeDocument/2006/math" xmlns="" val="1"/>
+                <ma14:wrappingTextBoxFlag xmlns="" xmlns:m="http://schemas.openxmlformats.org/officeDocument/2006/math" xmlns:a14="http://schemas.microsoft.com/office/drawing/2010/main" xmlns:ma14="http://schemas.microsoft.com/office/mac/drawingml/2011/main" val="1"/>
               </a:ext>
             </a:extLst>
           </p:spPr>
@@ -22439,7 +22439,7 @@
             <a:effectLst/>
             <a:extLst>
               <a:ext uri="{C572A759-6A51-4108-AA02-DFA0A04FC94B}">
-                <ma14:wrappingTextBoxFlag xmlns:ma14="http://schemas.microsoft.com/office/mac/drawingml/2011/main" xmlns:a14="http://schemas.microsoft.com/office/drawing/2010/main" xmlns:m="http://schemas.openxmlformats.org/officeDocument/2006/math" xmlns="" val="1"/>
+                <ma14:wrappingTextBoxFlag xmlns="" xmlns:m="http://schemas.openxmlformats.org/officeDocument/2006/math" xmlns:a14="http://schemas.microsoft.com/office/drawing/2010/main" xmlns:ma14="http://schemas.microsoft.com/office/mac/drawingml/2011/main" val="1"/>
               </a:ext>
             </a:extLst>
           </p:spPr>
@@ -22556,7 +22556,7 @@
           </a:ln>
           <a:extLst>
             <a:ext uri="{C572A759-6A51-4108-AA02-DFA0A04FC94B}">
-              <ma14:wrappingTextBoxFlag xmlns:ma14="http://schemas.microsoft.com/office/mac/drawingml/2011/main" xmlns:a14="http://schemas.microsoft.com/office/drawing/2010/main" xmlns:m="http://schemas.openxmlformats.org/officeDocument/2006/math" xmlns="" val="1"/>
+              <ma14:wrappingTextBoxFlag xmlns="" xmlns:m="http://schemas.openxmlformats.org/officeDocument/2006/math" xmlns:a14="http://schemas.microsoft.com/office/drawing/2010/main" xmlns:ma14="http://schemas.microsoft.com/office/mac/drawingml/2011/main" val="1"/>
             </a:ext>
           </a:extLst>
         </p:spPr>
@@ -23581,7 +23581,7 @@
           </a:ln>
           <a:extLst>
             <a:ext uri="{C572A759-6A51-4108-AA02-DFA0A04FC94B}">
-              <ma14:wrappingTextBoxFlag xmlns:ma14="http://schemas.microsoft.com/office/mac/drawingml/2011/main" xmlns:a14="http://schemas.microsoft.com/office/drawing/2010/main" xmlns:m="http://schemas.openxmlformats.org/officeDocument/2006/math" xmlns="" val="1"/>
+              <ma14:wrappingTextBoxFlag xmlns="" xmlns:m="http://schemas.openxmlformats.org/officeDocument/2006/math" xmlns:a14="http://schemas.microsoft.com/office/drawing/2010/main" xmlns:ma14="http://schemas.microsoft.com/office/mac/drawingml/2011/main" val="1"/>
             </a:ext>
           </a:extLst>
         </p:spPr>
